--- a/Ohmyfood.pptx
+++ b/Ohmyfood.pptx
@@ -2,7 +2,7 @@
 <file path=ppt/presentation.xml><?xml version="1.0" encoding="utf-8"?>
 <p:presentation xmlns:a="http://schemas.openxmlformats.org/drawingml/2006/main" xmlns:r="http://schemas.openxmlformats.org/officeDocument/2006/relationships" xmlns:p="http://schemas.openxmlformats.org/presentationml/2006/main" saveSubsetFonts="1">
   <p:sldMasterIdLst>
-    <p:sldMasterId id="2147484176" r:id="rId1"/>
+    <p:sldMasterId id="2147484224" r:id="rId1"/>
   </p:sldMasterIdLst>
   <p:sldIdLst>
     <p:sldId id="256" r:id="rId2"/>
@@ -10,15 +10,16 @@
     <p:sldId id="258" r:id="rId4"/>
     <p:sldId id="259" r:id="rId5"/>
     <p:sldId id="260" r:id="rId6"/>
-    <p:sldId id="261" r:id="rId7"/>
-    <p:sldId id="262" r:id="rId8"/>
-    <p:sldId id="263" r:id="rId9"/>
-    <p:sldId id="264" r:id="rId10"/>
-    <p:sldId id="265" r:id="rId11"/>
-    <p:sldId id="266" r:id="rId12"/>
-    <p:sldId id="267" r:id="rId13"/>
-    <p:sldId id="268" r:id="rId14"/>
-    <p:sldId id="269" r:id="rId15"/>
+    <p:sldId id="270" r:id="rId7"/>
+    <p:sldId id="277" r:id="rId8"/>
+    <p:sldId id="271" r:id="rId9"/>
+    <p:sldId id="263" r:id="rId10"/>
+    <p:sldId id="272" r:id="rId11"/>
+    <p:sldId id="273" r:id="rId12"/>
+    <p:sldId id="264" r:id="rId13"/>
+    <p:sldId id="274" r:id="rId14"/>
+    <p:sldId id="275" r:id="rId15"/>
+    <p:sldId id="276" r:id="rId16"/>
   </p:sldIdLst>
   <p:sldSz cx="9144000" cy="6858000" type="screen4x3"/>
   <p:notesSz cx="6858000" cy="9144000"/>
@@ -124,7 +125,7 @@
 <p:sldLayout xmlns:a="http://schemas.openxmlformats.org/drawingml/2006/main" xmlns:r="http://schemas.openxmlformats.org/officeDocument/2006/relationships" xmlns:p="http://schemas.openxmlformats.org/presentationml/2006/main" showMasterSp="0" type="title" preserve="1">
   <p:cSld name="Титульный слайд">
     <p:bg>
-      <p:bgRef idx="1001">
+      <p:bgRef idx="1002">
         <a:schemeClr val="bg2"/>
       </p:bgRef>
     </p:bg>
@@ -144,205 +145,313 @@
       </p:grpSpPr>
       <p:sp>
         <p:nvSpPr>
-          <p:cNvPr id="7" name="Прямоугольник 6"/>
-          <p:cNvSpPr/>
+          <p:cNvPr id="7" name="Полилиния 6"/>
+          <p:cNvSpPr>
+            <a:spLocks/>
+          </p:cNvSpPr>
           <p:nvPr/>
         </p:nvSpPr>
-        <p:spPr bwMode="white">
+        <p:spPr bwMode="auto">
           <a:xfrm>
-            <a:off x="0" y="5971032"/>
-            <a:ext cx="9144000" cy="886968"/>
+            <a:off x="0" y="4752126"/>
+            <a:ext cx="9144000" cy="2112962"/>
           </a:xfrm>
-          <a:prstGeom prst="rect">
-            <a:avLst/>
-          </a:prstGeom>
+          <a:custGeom>
+            <a:avLst>
+              <a:gd name="A1" fmla="val 0"/>
+              <a:gd name="A2" fmla="val 0"/>
+              <a:gd name="A3" fmla="val 0"/>
+              <a:gd name="A4" fmla="val 0"/>
+              <a:gd name="A5" fmla="val 0"/>
+              <a:gd name="A6" fmla="val 0"/>
+              <a:gd name="A7" fmla="val 0"/>
+              <a:gd name="A8" fmla="val 0"/>
+            </a:avLst>
+            <a:gdLst/>
+            <a:ahLst/>
+            <a:cxnLst>
+              <a:cxn ang="0">
+                <a:pos x="0" y="1066"/>
+              </a:cxn>
+              <a:cxn ang="0">
+                <a:pos x="0" y="1331"/>
+              </a:cxn>
+              <a:cxn ang="0">
+                <a:pos x="5760" y="1331"/>
+              </a:cxn>
+              <a:cxn ang="0">
+                <a:pos x="5760" y="0"/>
+              </a:cxn>
+              <a:cxn ang="0">
+                <a:pos x="0" y="1066"/>
+              </a:cxn>
+            </a:cxnLst>
+            <a:rect l="0" t="0" r="0" b="0"/>
+            <a:pathLst>
+              <a:path w="5760" h="1331">
+                <a:moveTo>
+                  <a:pt x="0" y="1066"/>
+                </a:moveTo>
+                <a:lnTo>
+                  <a:pt x="0" y="1331"/>
+                </a:lnTo>
+                <a:lnTo>
+                  <a:pt x="5760" y="1331"/>
+                </a:lnTo>
+                <a:lnTo>
+                  <a:pt x="5760" y="0"/>
+                </a:lnTo>
+                <a:cubicBezTo>
+                  <a:pt x="3220" y="1206"/>
+                  <a:pt x="2250" y="1146"/>
+                  <a:pt x="0" y="1066"/>
+                </a:cubicBezTo>
+                <a:close/>
+              </a:path>
+            </a:pathLst>
+          </a:custGeom>
           <a:solidFill>
-            <a:srgbClr val="FFFFFF"/>
+            <a:schemeClr val="bg1">
+              <a:tint val="80000"/>
+              <a:satMod val="200000"/>
+              <a:alpha val="45000"/>
+            </a:schemeClr>
           </a:solidFill>
-          <a:ln w="50800" cap="rnd" cmpd="dbl" algn="ctr">
+          <a:ln w="9525" cap="flat" cmpd="sng" algn="ctr">
             <a:noFill/>
             <a:prstDash val="solid"/>
+            <a:round/>
+            <a:headEnd type="none" w="med" len="med"/>
+            <a:tailEnd type="none" w="med" len="med"/>
           </a:ln>
-          <a:effectLst/>
+          <a:effectLst>
+            <a:outerShdw blurRad="50800" dist="44450" dir="16200000" algn="ctr" rotWithShape="0">
+              <a:prstClr val="black">
+                <a:alpha val="35000"/>
+              </a:prstClr>
+            </a:outerShdw>
+          </a:effectLst>
         </p:spPr>
-        <p:style>
-          <a:lnRef idx="3">
-            <a:schemeClr val="lt1"/>
-          </a:lnRef>
-          <a:fillRef idx="1">
-            <a:schemeClr val="accent1"/>
-          </a:fillRef>
-          <a:effectRef idx="1">
-            <a:schemeClr val="accent1"/>
-          </a:effectRef>
-          <a:fontRef idx="minor">
-            <a:schemeClr val="lt1"/>
-          </a:fontRef>
-        </p:style>
-        <p:txBody>
-          <a:bodyPr anchor="ctr"/>
-          <a:lstStyle/>
-          <a:p>
-            <a:pPr algn="ctr" eaLnBrk="1" latinLnBrk="0" hangingPunct="1"/>
+        <p:txBody>
+          <a:bodyPr vert="horz" wrap="square" lIns="91440" tIns="45720" rIns="91440" bIns="45720" anchor="t" compatLnSpc="1"/>
+          <a:lstStyle/>
+          <a:p>
             <a:endParaRPr kumimoji="0" lang="en-US"/>
           </a:p>
         </p:txBody>
       </p:sp>
       <p:sp>
         <p:nvSpPr>
-          <p:cNvPr id="10" name="Прямоугольник 9"/>
-          <p:cNvSpPr/>
+          <p:cNvPr id="8" name="Полилиния 7"/>
+          <p:cNvSpPr>
+            <a:spLocks/>
+          </p:cNvSpPr>
           <p:nvPr/>
+        </p:nvSpPr>
+        <p:spPr bwMode="auto">
+          <a:xfrm>
+            <a:off x="6105525" y="0"/>
+            <a:ext cx="3038475" cy="6858000"/>
+          </a:xfrm>
+          <a:custGeom>
+            <a:avLst/>
+            <a:gdLst>
+              <a:gd name="connsiteX0" fmla="*/ 1914 w 1914"/>
+              <a:gd name="connsiteY0" fmla="*/ 9 h 4329"/>
+              <a:gd name="connsiteX1" fmla="*/ 1914 w 1914"/>
+              <a:gd name="connsiteY1" fmla="*/ 4329 h 4329"/>
+              <a:gd name="connsiteX2" fmla="*/ 204 w 1914"/>
+              <a:gd name="connsiteY2" fmla="*/ 4327 h 4329"/>
+              <a:gd name="connsiteX3" fmla="*/ 0 w 1914"/>
+              <a:gd name="connsiteY3" fmla="*/ 0 h 4329"/>
+              <a:gd name="connsiteX4" fmla="*/ 1914 w 1914"/>
+              <a:gd name="connsiteY4" fmla="*/ 9 h 4329"/>
+            </a:gdLst>
+            <a:ahLst/>
+            <a:cxnLst>
+              <a:cxn ang="0">
+                <a:pos x="connsiteX0" y="connsiteY0"/>
+              </a:cxn>
+              <a:cxn ang="0">
+                <a:pos x="connsiteX1" y="connsiteY1"/>
+              </a:cxn>
+              <a:cxn ang="0">
+                <a:pos x="connsiteX2" y="connsiteY2"/>
+              </a:cxn>
+              <a:cxn ang="0">
+                <a:pos x="connsiteX3" y="connsiteY3"/>
+              </a:cxn>
+              <a:cxn ang="0">
+                <a:pos x="connsiteX4" y="connsiteY4"/>
+              </a:cxn>
+            </a:cxnLst>
+            <a:rect l="l" t="t" r="r" b="b"/>
+            <a:pathLst>
+              <a:path w="1914" h="4329">
+                <a:moveTo>
+                  <a:pt x="1914" y="9"/>
+                </a:moveTo>
+                <a:lnTo>
+                  <a:pt x="1914" y="4329"/>
+                </a:lnTo>
+                <a:lnTo>
+                  <a:pt x="204" y="4327"/>
+                </a:lnTo>
+                <a:cubicBezTo>
+                  <a:pt x="1288" y="3574"/>
+                  <a:pt x="1608" y="1590"/>
+                  <a:pt x="0" y="0"/>
+                </a:cubicBezTo>
+                <a:lnTo>
+                  <a:pt x="1914" y="9"/>
+                </a:lnTo>
+                <a:close/>
+              </a:path>
+            </a:pathLst>
+          </a:custGeom>
+          <a:solidFill>
+            <a:schemeClr val="bg1">
+              <a:tint val="90000"/>
+              <a:satMod val="350000"/>
+              <a:alpha val="40000"/>
+            </a:schemeClr>
+          </a:solidFill>
+          <a:ln w="9525" cap="flat" cmpd="sng" algn="ctr">
+            <a:noFill/>
+            <a:prstDash val="solid"/>
+            <a:round/>
+            <a:headEnd type="none" w="med" len="med"/>
+            <a:tailEnd type="none" w="med" len="med"/>
+          </a:ln>
+          <a:effectLst>
+            <a:outerShdw blurRad="50800" dist="50800" dir="10800000" algn="ctr" rotWithShape="0">
+              <a:prstClr val="black">
+                <a:alpha val="45000"/>
+              </a:prstClr>
+            </a:outerShdw>
+          </a:effectLst>
+        </p:spPr>
+        <p:txBody>
+          <a:bodyPr vert="horz" wrap="square" lIns="91440" tIns="45720" rIns="91440" bIns="45720" anchor="t" compatLnSpc="1"/>
+          <a:lstStyle/>
+          <a:p>
+            <a:endParaRPr kumimoji="0" lang="en-US"/>
+          </a:p>
+        </p:txBody>
+      </p:sp>
+      <p:sp>
+        <p:nvSpPr>
+          <p:cNvPr id="9" name="Заголовок 8"/>
+          <p:cNvSpPr>
+            <a:spLocks noGrp="1"/>
+          </p:cNvSpPr>
+          <p:nvPr>
+            <p:ph type="ctrTitle"/>
+          </p:nvPr>
         </p:nvSpPr>
         <p:spPr>
           <a:xfrm>
-            <a:off x="-9144" y="6053328"/>
-            <a:ext cx="2249424" cy="713232"/>
+            <a:off x="429064" y="3337560"/>
+            <a:ext cx="6480048" cy="2301240"/>
           </a:xfrm>
-          <a:prstGeom prst="rect">
-            <a:avLst/>
-          </a:prstGeom>
-          <a:solidFill>
-            <a:schemeClr val="accent2">
-              <a:alpha val="100000"/>
-            </a:schemeClr>
-          </a:solidFill>
-          <a:ln w="50800" cap="rnd" cmpd="dbl" algn="ctr">
-            <a:noFill/>
-            <a:prstDash val="solid"/>
-          </a:ln>
-          <a:effectLst/>
         </p:spPr>
-        <p:style>
-          <a:lnRef idx="3">
-            <a:schemeClr val="lt1"/>
-          </a:lnRef>
-          <a:fillRef idx="1">
-            <a:schemeClr val="accent1"/>
-          </a:fillRef>
-          <a:effectRef idx="1">
-            <a:schemeClr val="accent1"/>
-          </a:effectRef>
-          <a:fontRef idx="minor">
-            <a:schemeClr val="lt1"/>
-          </a:fontRef>
-        </p:style>
-        <p:txBody>
-          <a:bodyPr anchor="ctr"/>
-          <a:lstStyle/>
-          <a:p>
-            <a:pPr algn="ctr" eaLnBrk="1" latinLnBrk="0" hangingPunct="1"/>
+        <p:txBody>
+          <a:bodyPr rIns="45720" anchor="t"/>
+          <a:lstStyle>
+            <a:lvl1pPr algn="r">
+              <a:defRPr lang="en-US" b="1" cap="all" baseline="0" dirty="0">
+                <a:ln w="5000" cmpd="sng">
+                  <a:solidFill>
+                    <a:schemeClr val="accent1">
+                      <a:tint val="80000"/>
+                      <a:shade val="99000"/>
+                      <a:satMod val="500000"/>
+                    </a:schemeClr>
+                  </a:solidFill>
+                  <a:prstDash val="solid"/>
+                </a:ln>
+                <a:gradFill>
+                  <a:gsLst>
+                    <a:gs pos="0">
+                      <a:schemeClr val="accent1">
+                        <a:tint val="63000"/>
+                        <a:satMod val="255000"/>
+                      </a:schemeClr>
+                    </a:gs>
+                    <a:gs pos="9000">
+                      <a:schemeClr val="accent1">
+                        <a:tint val="63000"/>
+                        <a:satMod val="255000"/>
+                      </a:schemeClr>
+                    </a:gs>
+                    <a:gs pos="53000">
+                      <a:schemeClr val="accent1">
+                        <a:shade val="60000"/>
+                        <a:satMod val="100000"/>
+                      </a:schemeClr>
+                    </a:gs>
+                    <a:gs pos="90000">
+                      <a:schemeClr val="accent1">
+                        <a:tint val="63000"/>
+                        <a:satMod val="255000"/>
+                      </a:schemeClr>
+                    </a:gs>
+                    <a:gs pos="100000">
+                      <a:schemeClr val="accent1">
+                        <a:tint val="63000"/>
+                        <a:satMod val="255000"/>
+                      </a:schemeClr>
+                    </a:gs>
+                  </a:gsLst>
+                  <a:lin ang="5400000"/>
+                </a:gradFill>
+                <a:effectLst>
+                  <a:outerShdw blurRad="50800" dist="38100" dir="5400000" algn="t" rotWithShape="0">
+                    <a:prstClr val="black">
+                      <a:alpha val="50000"/>
+                    </a:prstClr>
+                  </a:outerShdw>
+                </a:effectLst>
+              </a:defRPr>
+            </a:lvl1pPr>
+          </a:lstStyle>
+          <a:p>
+            <a:r>
+              <a:rPr kumimoji="0" lang="ru-RU" smtClean="0"/>
+              <a:t>Образец заголовка</a:t>
+            </a:r>
             <a:endParaRPr kumimoji="0" lang="en-US"/>
           </a:p>
         </p:txBody>
       </p:sp>
       <p:sp>
         <p:nvSpPr>
-          <p:cNvPr id="11" name="Прямоугольник 10"/>
-          <p:cNvSpPr/>
-          <p:nvPr/>
+          <p:cNvPr id="17" name="Подзаголовок 16"/>
+          <p:cNvSpPr>
+            <a:spLocks noGrp="1"/>
+          </p:cNvSpPr>
+          <p:nvPr>
+            <p:ph type="subTitle" idx="1"/>
+          </p:nvPr>
         </p:nvSpPr>
         <p:spPr>
           <a:xfrm>
-            <a:off x="2359152" y="6044184"/>
-            <a:ext cx="6784848" cy="713232"/>
-          </a:xfrm>
-          <a:prstGeom prst="rect">
-            <a:avLst/>
-          </a:prstGeom>
-          <a:solidFill>
-            <a:schemeClr val="accent1">
-              <a:alpha val="100000"/>
-            </a:schemeClr>
-          </a:solidFill>
-          <a:ln w="50800" cap="rnd" cmpd="dbl" algn="ctr">
-            <a:noFill/>
-            <a:prstDash val="solid"/>
-          </a:ln>
-          <a:effectLst/>
-        </p:spPr>
-        <p:style>
-          <a:lnRef idx="3">
-            <a:schemeClr val="lt1"/>
-          </a:lnRef>
-          <a:fillRef idx="1">
-            <a:schemeClr val="accent1"/>
-          </a:fillRef>
-          <a:effectRef idx="1">
-            <a:schemeClr val="accent1"/>
-          </a:effectRef>
-          <a:fontRef idx="minor">
-            <a:schemeClr val="lt1"/>
-          </a:fontRef>
-        </p:style>
-        <p:txBody>
-          <a:bodyPr anchor="ctr"/>
-          <a:lstStyle/>
-          <a:p>
-            <a:pPr algn="ctr" eaLnBrk="1" latinLnBrk="0" hangingPunct="1"/>
-            <a:endParaRPr kumimoji="0" lang="en-US"/>
-          </a:p>
-        </p:txBody>
-      </p:sp>
-      <p:sp>
-        <p:nvSpPr>
-          <p:cNvPr id="8" name="Заголовок 7"/>
-          <p:cNvSpPr>
-            <a:spLocks noGrp="1"/>
-          </p:cNvSpPr>
-          <p:nvPr>
-            <p:ph type="ctrTitle"/>
-          </p:nvPr>
-        </p:nvSpPr>
-        <p:spPr>
-          <a:xfrm>
-            <a:off x="2362200" y="4038600"/>
-            <a:ext cx="6477000" cy="1828800"/>
+            <a:off x="433050" y="1544812"/>
+            <a:ext cx="6480048" cy="1752600"/>
           </a:xfrm>
         </p:spPr>
         <p:txBody>
-          <a:bodyPr anchor="b"/>
-          <a:lstStyle>
-            <a:lvl1pPr>
-              <a:defRPr cap="all" baseline="0"/>
-            </a:lvl1pPr>
-          </a:lstStyle>
-          <a:p>
-            <a:r>
-              <a:rPr kumimoji="0" lang="ru-RU" smtClean="0"/>
-              <a:t>Образец заголовка</a:t>
-            </a:r>
-            <a:endParaRPr kumimoji="0" lang="en-US"/>
-          </a:p>
-        </p:txBody>
-      </p:sp>
-      <p:sp>
-        <p:nvSpPr>
-          <p:cNvPr id="9" name="Подзаголовок 8"/>
-          <p:cNvSpPr>
-            <a:spLocks noGrp="1"/>
-          </p:cNvSpPr>
-          <p:nvPr>
-            <p:ph type="subTitle" idx="1"/>
-          </p:nvPr>
-        </p:nvSpPr>
-        <p:spPr>
-          <a:xfrm>
-            <a:off x="2362200" y="6050037"/>
-            <a:ext cx="6705600" cy="685800"/>
-          </a:xfrm>
-        </p:spPr>
-        <p:txBody>
-          <a:bodyPr anchor="ctr">
+          <a:bodyPr tIns="0" rIns="45720" bIns="0" anchor="b">
             <a:normAutofit/>
           </a:bodyPr>
           <a:lstStyle>
-            <a:lvl1pPr marL="0" indent="0" algn="l">
+            <a:lvl1pPr marL="0" indent="0" algn="r">
               <a:buNone/>
-              <a:defRPr sz="2600">
+              <a:defRPr sz="2000">
                 <a:solidFill>
-                  <a:srgbClr val="FFFFFF"/>
+                  <a:schemeClr val="tx1"/>
                 </a:solidFill>
+                <a:effectLst/>
               </a:defRPr>
             </a:lvl1pPr>
             <a:lvl2pPr marL="457200" indent="0" algn="ctr">
@@ -381,7 +490,7 @@
       </p:sp>
       <p:sp>
         <p:nvSpPr>
-          <p:cNvPr id="28" name="Дата 27"/>
+          <p:cNvPr id="30" name="Дата 29"/>
           <p:cNvSpPr>
             <a:spLocks noGrp="1"/>
           </p:cNvSpPr>
@@ -389,30 +498,15 @@
             <p:ph type="dt" sz="half" idx="10"/>
           </p:nvPr>
         </p:nvSpPr>
-        <p:spPr>
-          <a:xfrm>
-            <a:off x="76200" y="6068699"/>
-            <a:ext cx="2057400" cy="685800"/>
-          </a:xfrm>
-        </p:spPr>
-        <p:txBody>
-          <a:bodyPr>
-            <a:noAutofit/>
-          </a:bodyPr>
-          <a:lstStyle>
-            <a:lvl1pPr algn="ctr">
-              <a:defRPr sz="2000">
-                <a:solidFill>
-                  <a:srgbClr val="FFFFFF"/>
-                </a:solidFill>
-              </a:defRPr>
-            </a:lvl1pPr>
-          </a:lstStyle>
+        <p:spPr/>
+        <p:txBody>
+          <a:bodyPr/>
+          <a:lstStyle/>
           <a:p>
             <a:fld id="{BB1F31F3-0360-43B5-86CD-504C03F637A7}" type="datetimeFigureOut">
               <a:rPr lang="ru-RU" smtClean="0"/>
               <a:pPr/>
-              <a:t>23.02.2020</a:t>
+              <a:t>11.05.2020</a:t>
             </a:fld>
             <a:endParaRPr lang="ru-RU"/>
           </a:p>
@@ -420,7 +514,7 @@
       </p:sp>
       <p:sp>
         <p:nvSpPr>
-          <p:cNvPr id="17" name="Нижний колонтитул 16"/>
+          <p:cNvPr id="19" name="Нижний колонтитул 18"/>
           <p:cNvSpPr>
             <a:spLocks noGrp="1"/>
           </p:cNvSpPr>
@@ -428,23 +522,10 @@
             <p:ph type="ftr" sz="quarter" idx="11"/>
           </p:nvPr>
         </p:nvSpPr>
-        <p:spPr>
-          <a:xfrm>
-            <a:off x="2085393" y="236539"/>
-            <a:ext cx="5867400" cy="365125"/>
-          </a:xfrm>
-        </p:spPr>
+        <p:spPr/>
         <p:txBody>
           <a:bodyPr/>
-          <a:lstStyle>
-            <a:lvl1pPr algn="r">
-              <a:defRPr>
-                <a:solidFill>
-                  <a:schemeClr val="tx2"/>
-                </a:solidFill>
-              </a:defRPr>
-            </a:lvl1pPr>
-          </a:lstStyle>
+          <a:lstStyle/>
           <a:p>
             <a:endParaRPr lang="ru-RU"/>
           </a:p>
@@ -452,7 +533,7 @@
       </p:sp>
       <p:sp>
         <p:nvSpPr>
-          <p:cNvPr id="29" name="Номер слайда 28"/>
+          <p:cNvPr id="27" name="Номер слайда 26"/>
           <p:cNvSpPr>
             <a:spLocks noGrp="1"/>
           </p:cNvSpPr>
@@ -460,23 +541,10 @@
             <p:ph type="sldNum" sz="quarter" idx="12"/>
           </p:nvPr>
         </p:nvSpPr>
-        <p:spPr>
-          <a:xfrm>
-            <a:off x="8001000" y="228600"/>
-            <a:ext cx="838200" cy="381000"/>
-          </a:xfrm>
-        </p:spPr>
+        <p:spPr/>
         <p:txBody>
           <a:bodyPr/>
-          <a:lstStyle>
-            <a:lvl1pPr>
-              <a:defRPr>
-                <a:solidFill>
-                  <a:schemeClr val="tx2"/>
-                </a:solidFill>
-              </a:defRPr>
-            </a:lvl1pPr>
-          </a:lstStyle>
+          <a:lstStyle/>
           <a:p>
             <a:fld id="{658B4CCF-D62D-4FC6-AD36-4F468D42B64C}" type="slidenum">
               <a:rPr lang="ru-RU" smtClean="0"/>
@@ -605,7 +673,7 @@
             <a:fld id="{BB1F31F3-0360-43B5-86CD-504C03F637A7}" type="datetimeFigureOut">
               <a:rPr lang="ru-RU" smtClean="0"/>
               <a:pPr/>
-              <a:t>23.02.2020</a:t>
+              <a:t>11.05.2020</a:t>
             </a:fld>
             <a:endParaRPr lang="ru-RU"/>
           </a:p>
@@ -663,13 +731,8 @@
 </file>
 
 <file path=ppt/slideLayouts/slideLayout11.xml><?xml version="1.0" encoding="utf-8"?>
-<p:sldLayout xmlns:a="http://schemas.openxmlformats.org/drawingml/2006/main" xmlns:r="http://schemas.openxmlformats.org/officeDocument/2006/relationships" xmlns:p="http://schemas.openxmlformats.org/presentationml/2006/main" showMasterSp="0" type="vertTitleAndTx" preserve="1">
+<p:sldLayout xmlns:a="http://schemas.openxmlformats.org/drawingml/2006/main" xmlns:r="http://schemas.openxmlformats.org/officeDocument/2006/relationships" xmlns:p="http://schemas.openxmlformats.org/presentationml/2006/main" type="vertTitleAndTx" preserve="1">
   <p:cSld name="Вертикальный заголовок и текст">
-    <p:bg>
-      <p:bgRef idx="1001">
-        <a:schemeClr val="bg1"/>
-      </p:bgRef>
-    </p:bg>
     <p:spTree>
       <p:nvGrpSpPr>
         <p:cNvPr id="1" name=""/>
@@ -696,8 +759,8 @@
         </p:nvSpPr>
         <p:spPr>
           <a:xfrm>
-            <a:off x="6553200" y="609601"/>
-            <a:ext cx="2057400" cy="5516563"/>
+            <a:off x="6629400" y="274638"/>
+            <a:ext cx="2057400" cy="5851525"/>
           </a:xfrm>
         </p:spPr>
         <p:txBody>
@@ -724,8 +787,8 @@
         </p:nvSpPr>
         <p:spPr>
           <a:xfrm>
-            <a:off x="457200" y="609601"/>
-            <a:ext cx="5562600" cy="5516564"/>
+            <a:off x="457200" y="274638"/>
+            <a:ext cx="6019800" cy="5851525"/>
           </a:xfrm>
         </p:spPr>
         <p:txBody>
@@ -779,12 +842,7 @@
             <p:ph type="dt" sz="half" idx="10"/>
           </p:nvPr>
         </p:nvSpPr>
-        <p:spPr>
-          <a:xfrm>
-            <a:off x="6553200" y="6248403"/>
-            <a:ext cx="2209800" cy="365125"/>
-          </a:xfrm>
-        </p:spPr>
+        <p:spPr/>
         <p:txBody>
           <a:bodyPr/>
           <a:lstStyle/>
@@ -792,7 +850,7 @@
             <a:fld id="{BB1F31F3-0360-43B5-86CD-504C03F637A7}" type="datetimeFigureOut">
               <a:rPr lang="ru-RU" smtClean="0"/>
               <a:pPr/>
-              <a:t>23.02.2020</a:t>
+              <a:t>11.05.2020</a:t>
             </a:fld>
             <a:endParaRPr lang="ru-RU"/>
           </a:p>
@@ -808,12 +866,7 @@
             <p:ph type="ftr" sz="quarter" idx="11"/>
           </p:nvPr>
         </p:nvSpPr>
-        <p:spPr>
-          <a:xfrm>
-            <a:off x="457201" y="6248208"/>
-            <a:ext cx="5573483" cy="365125"/>
-          </a:xfrm>
-        </p:spPr>
+        <p:spPr/>
         <p:txBody>
           <a:bodyPr/>
           <a:lstStyle/>
@@ -824,141 +877,6 @@
       </p:sp>
       <p:sp>
         <p:nvSpPr>
-          <p:cNvPr id="7" name="Прямоугольник 6"/>
-          <p:cNvSpPr/>
-          <p:nvPr/>
-        </p:nvSpPr>
-        <p:spPr bwMode="white">
-          <a:xfrm>
-            <a:off x="6096319" y="0"/>
-            <a:ext cx="320040" cy="6858000"/>
-          </a:xfrm>
-          <a:prstGeom prst="rect">
-            <a:avLst/>
-          </a:prstGeom>
-          <a:solidFill>
-            <a:srgbClr val="FFFFFF"/>
-          </a:solidFill>
-          <a:ln w="19050" cap="flat" cmpd="sng" algn="ctr">
-            <a:noFill/>
-            <a:prstDash val="solid"/>
-          </a:ln>
-        </p:spPr>
-        <p:style>
-          <a:lnRef idx="2">
-            <a:schemeClr val="accent1"/>
-          </a:lnRef>
-          <a:fillRef idx="1">
-            <a:schemeClr val="accent1"/>
-          </a:fillRef>
-          <a:effectRef idx="0">
-            <a:schemeClr val="accent1"/>
-          </a:effectRef>
-          <a:fontRef idx="minor">
-            <a:schemeClr val="lt1"/>
-          </a:fontRef>
-        </p:style>
-        <p:txBody>
-          <a:bodyPr rtlCol="0" anchor="ctr"/>
-          <a:lstStyle/>
-          <a:p>
-            <a:pPr algn="ctr" eaLnBrk="1" latinLnBrk="0" hangingPunct="1"/>
-            <a:endParaRPr kumimoji="0" lang="en-US"/>
-          </a:p>
-        </p:txBody>
-      </p:sp>
-      <p:sp>
-        <p:nvSpPr>
-          <p:cNvPr id="8" name="Прямоугольник 7"/>
-          <p:cNvSpPr/>
-          <p:nvPr/>
-        </p:nvSpPr>
-        <p:spPr>
-          <a:xfrm>
-            <a:off x="6142039" y="609600"/>
-            <a:ext cx="228600" cy="6248400"/>
-          </a:xfrm>
-          <a:prstGeom prst="rect">
-            <a:avLst/>
-          </a:prstGeom>
-          <a:solidFill>
-            <a:schemeClr val="accent1"/>
-          </a:solidFill>
-          <a:ln w="19050" cap="flat" cmpd="sng" algn="ctr">
-            <a:noFill/>
-            <a:prstDash val="solid"/>
-          </a:ln>
-        </p:spPr>
-        <p:style>
-          <a:lnRef idx="2">
-            <a:schemeClr val="accent1"/>
-          </a:lnRef>
-          <a:fillRef idx="1">
-            <a:schemeClr val="accent1"/>
-          </a:fillRef>
-          <a:effectRef idx="0">
-            <a:schemeClr val="accent1"/>
-          </a:effectRef>
-          <a:fontRef idx="minor">
-            <a:schemeClr val="lt1"/>
-          </a:fontRef>
-        </p:style>
-        <p:txBody>
-          <a:bodyPr rtlCol="0" anchor="ctr"/>
-          <a:lstStyle/>
-          <a:p>
-            <a:pPr algn="ctr" eaLnBrk="1" latinLnBrk="0" hangingPunct="1"/>
-            <a:endParaRPr kumimoji="0" lang="en-US"/>
-          </a:p>
-        </p:txBody>
-      </p:sp>
-      <p:sp>
-        <p:nvSpPr>
-          <p:cNvPr id="9" name="Прямоугольник 8"/>
-          <p:cNvSpPr/>
-          <p:nvPr/>
-        </p:nvSpPr>
-        <p:spPr>
-          <a:xfrm>
-            <a:off x="6142039" y="0"/>
-            <a:ext cx="228600" cy="533400"/>
-          </a:xfrm>
-          <a:prstGeom prst="rect">
-            <a:avLst/>
-          </a:prstGeom>
-          <a:solidFill>
-            <a:schemeClr val="accent2"/>
-          </a:solidFill>
-          <a:ln w="19050" cap="flat" cmpd="sng" algn="ctr">
-            <a:noFill/>
-            <a:prstDash val="solid"/>
-          </a:ln>
-        </p:spPr>
-        <p:style>
-          <a:lnRef idx="2">
-            <a:schemeClr val="accent1"/>
-          </a:lnRef>
-          <a:fillRef idx="1">
-            <a:schemeClr val="accent1"/>
-          </a:fillRef>
-          <a:effectRef idx="0">
-            <a:schemeClr val="accent1"/>
-          </a:effectRef>
-          <a:fontRef idx="minor">
-            <a:schemeClr val="lt1"/>
-          </a:fontRef>
-        </p:style>
-        <p:txBody>
-          <a:bodyPr rtlCol="0" anchor="ctr"/>
-          <a:lstStyle/>
-          <a:p>
-            <a:pPr algn="ctr" eaLnBrk="1" latinLnBrk="0" hangingPunct="1"/>
-            <a:endParaRPr kumimoji="0" lang="en-US"/>
-          </a:p>
-        </p:txBody>
-      </p:sp>
-      <p:sp>
-        <p:nvSpPr>
           <p:cNvPr id="6" name="Номер слайда 5"/>
           <p:cNvSpPr>
             <a:spLocks noGrp="1"/>
@@ -967,12 +885,7 @@
             <p:ph type="sldNum" sz="quarter" idx="12"/>
           </p:nvPr>
         </p:nvSpPr>
-        <p:spPr>
-          <a:xfrm rot="5400000">
-            <a:off x="5989639" y="144463"/>
-            <a:ext cx="533400" cy="244476"/>
-          </a:xfrm>
-        </p:spPr>
+        <p:spPr/>
         <p:txBody>
           <a:bodyPr/>
           <a:lstStyle/>
@@ -989,7 +902,7 @@
     </p:spTree>
   </p:cSld>
   <p:clrMapOvr>
-    <a:overrideClrMapping bg1="lt1" tx1="dk1" bg2="lt2" tx2="dk2" accent1="accent1" accent2="accent2" accent3="accent3" accent4="accent4" accent5="accent5" accent6="accent6" hlink="hlink" folHlink="folHlink"/>
+    <a:masterClrMapping/>
   </p:clrMapOvr>
 </p:sldLayout>
 </file>
@@ -1021,19 +934,70 @@
             <p:ph type="title"/>
           </p:nvPr>
         </p:nvSpPr>
-        <p:spPr>
-          <a:xfrm>
-            <a:off x="612648" y="228600"/>
-            <a:ext cx="8153400" cy="990600"/>
-          </a:xfrm>
-        </p:spPr>
+        <p:spPr/>
         <p:txBody>
           <a:bodyPr/>
-          <a:lstStyle/>
+          <a:lstStyle>
+            <a:lvl1pPr algn="l">
+              <a:defRPr/>
+            </a:lvl1pPr>
+          </a:lstStyle>
           <a:p>
             <a:r>
               <a:rPr kumimoji="0" lang="ru-RU" smtClean="0"/>
               <a:t>Образец заголовка</a:t>
+            </a:r>
+            <a:endParaRPr kumimoji="0" lang="en-US"/>
+          </a:p>
+        </p:txBody>
+      </p:sp>
+      <p:sp>
+        <p:nvSpPr>
+          <p:cNvPr id="3" name="Содержимое 2"/>
+          <p:cNvSpPr>
+            <a:spLocks noGrp="1"/>
+          </p:cNvSpPr>
+          <p:nvPr>
+            <p:ph idx="1"/>
+          </p:nvPr>
+        </p:nvSpPr>
+        <p:spPr/>
+        <p:txBody>
+          <a:bodyPr/>
+          <a:lstStyle/>
+          <a:p>
+            <a:pPr lvl="0" eaLnBrk="1" latinLnBrk="0" hangingPunct="1"/>
+            <a:r>
+              <a:rPr lang="ru-RU" smtClean="0"/>
+              <a:t>Образец текста</a:t>
+            </a:r>
+          </a:p>
+          <a:p>
+            <a:pPr lvl="1" eaLnBrk="1" latinLnBrk="0" hangingPunct="1"/>
+            <a:r>
+              <a:rPr lang="ru-RU" smtClean="0"/>
+              <a:t>Второй уровень</a:t>
+            </a:r>
+          </a:p>
+          <a:p>
+            <a:pPr lvl="2" eaLnBrk="1" latinLnBrk="0" hangingPunct="1"/>
+            <a:r>
+              <a:rPr lang="ru-RU" smtClean="0"/>
+              <a:t>Третий уровень</a:t>
+            </a:r>
+          </a:p>
+          <a:p>
+            <a:pPr lvl="3" eaLnBrk="1" latinLnBrk="0" hangingPunct="1"/>
+            <a:r>
+              <a:rPr lang="ru-RU" smtClean="0"/>
+              <a:t>Четвертый уровень</a:t>
+            </a:r>
+          </a:p>
+          <a:p>
+            <a:pPr lvl="4" eaLnBrk="1" latinLnBrk="0" hangingPunct="1"/>
+            <a:r>
+              <a:rPr lang="ru-RU" smtClean="0"/>
+              <a:t>Пятый уровень</a:t>
             </a:r>
             <a:endParaRPr kumimoji="0" lang="en-US"/>
           </a:p>
@@ -1057,7 +1021,7 @@
             <a:fld id="{BB1F31F3-0360-43B5-86CD-504C03F637A7}" type="datetimeFigureOut">
               <a:rPr lang="ru-RU" smtClean="0"/>
               <a:pPr/>
-              <a:t>23.02.2020</a:t>
+              <a:t>11.05.2020</a:t>
             </a:fld>
             <a:endParaRPr lang="ru-RU"/>
           </a:p>
@@ -1095,15 +1059,7 @@
         <p:spPr/>
         <p:txBody>
           <a:bodyPr/>
-          <a:lstStyle>
-            <a:lvl1pPr>
-              <a:defRPr>
-                <a:solidFill>
-                  <a:srgbClr val="FFFFFF"/>
-                </a:solidFill>
-              </a:defRPr>
-            </a:lvl1pPr>
-          </a:lstStyle>
+          <a:lstStyle/>
           <a:p>
             <a:fld id="{658B4CCF-D62D-4FC6-AD36-4F468D42B64C}" type="slidenum">
               <a:rPr lang="ru-RU" smtClean="0"/>
@@ -1111,63 +1067,6 @@
               <a:t>‹#›</a:t>
             </a:fld>
             <a:endParaRPr lang="ru-RU"/>
-          </a:p>
-        </p:txBody>
-      </p:sp>
-      <p:sp>
-        <p:nvSpPr>
-          <p:cNvPr id="8" name="Содержимое 7"/>
-          <p:cNvSpPr>
-            <a:spLocks noGrp="1"/>
-          </p:cNvSpPr>
-          <p:nvPr>
-            <p:ph sz="quarter" idx="1"/>
-          </p:nvPr>
-        </p:nvSpPr>
-        <p:spPr>
-          <a:xfrm>
-            <a:off x="612648" y="1600200"/>
-            <a:ext cx="8153400" cy="4495800"/>
-          </a:xfrm>
-        </p:spPr>
-        <p:txBody>
-          <a:bodyPr/>
-          <a:lstStyle/>
-          <a:p>
-            <a:pPr lvl="0" eaLnBrk="1" latinLnBrk="0" hangingPunct="1"/>
-            <a:r>
-              <a:rPr lang="ru-RU" smtClean="0"/>
-              <a:t>Образец текста</a:t>
-            </a:r>
-          </a:p>
-          <a:p>
-            <a:pPr lvl="1" eaLnBrk="1" latinLnBrk="0" hangingPunct="1"/>
-            <a:r>
-              <a:rPr lang="ru-RU" smtClean="0"/>
-              <a:t>Второй уровень</a:t>
-            </a:r>
-          </a:p>
-          <a:p>
-            <a:pPr lvl="2" eaLnBrk="1" latinLnBrk="0" hangingPunct="1"/>
-            <a:r>
-              <a:rPr lang="ru-RU" smtClean="0"/>
-              <a:t>Третий уровень</a:t>
-            </a:r>
-          </a:p>
-          <a:p>
-            <a:pPr lvl="3" eaLnBrk="1" latinLnBrk="0" hangingPunct="1"/>
-            <a:r>
-              <a:rPr lang="ru-RU" smtClean="0"/>
-              <a:t>Четвертый уровень</a:t>
-            </a:r>
-          </a:p>
-          <a:p>
-            <a:pPr lvl="4" eaLnBrk="1" latinLnBrk="0" hangingPunct="1"/>
-            <a:r>
-              <a:rPr lang="ru-RU" smtClean="0"/>
-              <a:t>Пятый уровень</a:t>
-            </a:r>
-            <a:endParaRPr kumimoji="0" lang="en-US"/>
           </a:p>
         </p:txBody>
       </p:sp>
@@ -1183,8 +1082,8 @@
 <p:sldLayout xmlns:a="http://schemas.openxmlformats.org/drawingml/2006/main" xmlns:r="http://schemas.openxmlformats.org/officeDocument/2006/relationships" xmlns:p="http://schemas.openxmlformats.org/presentationml/2006/main" showMasterSp="0" type="secHead" preserve="1">
   <p:cSld name="Заголовок раздела">
     <p:bg>
-      <p:bgRef idx="1003">
-        <a:schemeClr val="bg1"/>
+      <p:bgRef idx="1002">
+        <a:schemeClr val="bg2"/>
       </p:bgRef>
     </p:bg>
     <p:spTree>
@@ -1203,29 +1102,312 @@
       </p:grpSpPr>
       <p:sp>
         <p:nvSpPr>
-          <p:cNvPr id="3" name="Текст 2"/>
-          <p:cNvSpPr>
-            <a:spLocks noGrp="1"/>
-          </p:cNvSpPr>
-          <p:nvPr>
-            <p:ph type="body" idx="1"/>
+          <p:cNvPr id="7" name="Полилиния 6"/>
+          <p:cNvSpPr>
+            <a:spLocks/>
+          </p:cNvSpPr>
+          <p:nvPr/>
+        </p:nvSpPr>
+        <p:spPr bwMode="auto">
+          <a:xfrm>
+            <a:off x="0" y="4752126"/>
+            <a:ext cx="9144000" cy="2112962"/>
+          </a:xfrm>
+          <a:custGeom>
+            <a:avLst>
+              <a:gd name="A1" fmla="val 0"/>
+              <a:gd name="A2" fmla="val 0"/>
+              <a:gd name="A3" fmla="val 0"/>
+              <a:gd name="A4" fmla="val 0"/>
+              <a:gd name="A5" fmla="val 0"/>
+              <a:gd name="A6" fmla="val 0"/>
+              <a:gd name="A7" fmla="val 0"/>
+              <a:gd name="A8" fmla="val 0"/>
+            </a:avLst>
+            <a:gdLst/>
+            <a:ahLst/>
+            <a:cxnLst>
+              <a:cxn ang="0">
+                <a:pos x="0" y="1066"/>
+              </a:cxn>
+              <a:cxn ang="0">
+                <a:pos x="0" y="1331"/>
+              </a:cxn>
+              <a:cxn ang="0">
+                <a:pos x="5760" y="1331"/>
+              </a:cxn>
+              <a:cxn ang="0">
+                <a:pos x="5760" y="0"/>
+              </a:cxn>
+              <a:cxn ang="0">
+                <a:pos x="0" y="1066"/>
+              </a:cxn>
+            </a:cxnLst>
+            <a:rect l="0" t="0" r="0" b="0"/>
+            <a:pathLst>
+              <a:path w="5760" h="1331">
+                <a:moveTo>
+                  <a:pt x="0" y="1066"/>
+                </a:moveTo>
+                <a:lnTo>
+                  <a:pt x="0" y="1331"/>
+                </a:lnTo>
+                <a:lnTo>
+                  <a:pt x="5760" y="1331"/>
+                </a:lnTo>
+                <a:lnTo>
+                  <a:pt x="5760" y="0"/>
+                </a:lnTo>
+                <a:cubicBezTo>
+                  <a:pt x="3220" y="1206"/>
+                  <a:pt x="2250" y="1146"/>
+                  <a:pt x="0" y="1066"/>
+                </a:cubicBezTo>
+                <a:close/>
+              </a:path>
+            </a:pathLst>
+          </a:custGeom>
+          <a:solidFill>
+            <a:schemeClr val="bg1">
+              <a:tint val="80000"/>
+              <a:satMod val="200000"/>
+              <a:alpha val="45000"/>
+            </a:schemeClr>
+          </a:solidFill>
+          <a:ln w="9525" cap="flat" cmpd="sng" algn="ctr">
+            <a:noFill/>
+            <a:prstDash val="solid"/>
+            <a:round/>
+            <a:headEnd type="none" w="med" len="med"/>
+            <a:tailEnd type="none" w="med" len="med"/>
+          </a:ln>
+          <a:effectLst>
+            <a:outerShdw blurRad="50800" dist="44450" dir="16200000" algn="ctr" rotWithShape="0">
+              <a:prstClr val="black">
+                <a:alpha val="35000"/>
+              </a:prstClr>
+            </a:outerShdw>
+          </a:effectLst>
+        </p:spPr>
+        <p:txBody>
+          <a:bodyPr vert="horz" wrap="square" lIns="91440" tIns="45720" rIns="91440" bIns="45720" anchor="t" compatLnSpc="1"/>
+          <a:lstStyle/>
+          <a:p>
+            <a:endParaRPr kumimoji="0" lang="en-US"/>
+          </a:p>
+        </p:txBody>
+      </p:sp>
+      <p:sp>
+        <p:nvSpPr>
+          <p:cNvPr id="9" name="Полилиния 8"/>
+          <p:cNvSpPr>
+            <a:spLocks/>
+          </p:cNvSpPr>
+          <p:nvPr/>
+        </p:nvSpPr>
+        <p:spPr bwMode="auto">
+          <a:xfrm>
+            <a:off x="6105525" y="0"/>
+            <a:ext cx="3038475" cy="6858000"/>
+          </a:xfrm>
+          <a:custGeom>
+            <a:avLst/>
+            <a:gdLst>
+              <a:gd name="connsiteX0" fmla="*/ 1914 w 1914"/>
+              <a:gd name="connsiteY0" fmla="*/ 9 h 4329"/>
+              <a:gd name="connsiteX1" fmla="*/ 1914 w 1914"/>
+              <a:gd name="connsiteY1" fmla="*/ 4329 h 4329"/>
+              <a:gd name="connsiteX2" fmla="*/ 204 w 1914"/>
+              <a:gd name="connsiteY2" fmla="*/ 4327 h 4329"/>
+              <a:gd name="connsiteX3" fmla="*/ 0 w 1914"/>
+              <a:gd name="connsiteY3" fmla="*/ 0 h 4329"/>
+              <a:gd name="connsiteX4" fmla="*/ 1914 w 1914"/>
+              <a:gd name="connsiteY4" fmla="*/ 9 h 4329"/>
+            </a:gdLst>
+            <a:ahLst/>
+            <a:cxnLst>
+              <a:cxn ang="0">
+                <a:pos x="connsiteX0" y="connsiteY0"/>
+              </a:cxn>
+              <a:cxn ang="0">
+                <a:pos x="connsiteX1" y="connsiteY1"/>
+              </a:cxn>
+              <a:cxn ang="0">
+                <a:pos x="connsiteX2" y="connsiteY2"/>
+              </a:cxn>
+              <a:cxn ang="0">
+                <a:pos x="connsiteX3" y="connsiteY3"/>
+              </a:cxn>
+              <a:cxn ang="0">
+                <a:pos x="connsiteX4" y="connsiteY4"/>
+              </a:cxn>
+            </a:cxnLst>
+            <a:rect l="l" t="t" r="r" b="b"/>
+            <a:pathLst>
+              <a:path w="1914" h="4329">
+                <a:moveTo>
+                  <a:pt x="1914" y="9"/>
+                </a:moveTo>
+                <a:lnTo>
+                  <a:pt x="1914" y="4329"/>
+                </a:lnTo>
+                <a:lnTo>
+                  <a:pt x="204" y="4327"/>
+                </a:lnTo>
+                <a:cubicBezTo>
+                  <a:pt x="1288" y="3574"/>
+                  <a:pt x="1608" y="1590"/>
+                  <a:pt x="0" y="0"/>
+                </a:cubicBezTo>
+                <a:lnTo>
+                  <a:pt x="1914" y="9"/>
+                </a:lnTo>
+                <a:close/>
+              </a:path>
+            </a:pathLst>
+          </a:custGeom>
+          <a:solidFill>
+            <a:schemeClr val="bg1">
+              <a:tint val="90000"/>
+              <a:satMod val="350000"/>
+              <a:alpha val="40000"/>
+            </a:schemeClr>
+          </a:solidFill>
+          <a:ln w="9525" cap="flat" cmpd="sng" algn="ctr">
+            <a:noFill/>
+            <a:prstDash val="solid"/>
+            <a:round/>
+            <a:headEnd type="none" w="med" len="med"/>
+            <a:tailEnd type="none" w="med" len="med"/>
+          </a:ln>
+          <a:effectLst>
+            <a:outerShdw blurRad="50800" dist="50800" dir="10800000" algn="ctr" rotWithShape="0">
+              <a:prstClr val="black">
+                <a:alpha val="45000"/>
+              </a:prstClr>
+            </a:outerShdw>
+          </a:effectLst>
+        </p:spPr>
+        <p:txBody>
+          <a:bodyPr vert="horz" wrap="square" lIns="91440" tIns="45720" rIns="91440" bIns="45720" anchor="t" compatLnSpc="1"/>
+          <a:lstStyle/>
+          <a:p>
+            <a:endParaRPr kumimoji="0" lang="en-US"/>
+          </a:p>
+        </p:txBody>
+      </p:sp>
+      <p:sp>
+        <p:nvSpPr>
+          <p:cNvPr id="2" name="Заголовок 1"/>
+          <p:cNvSpPr>
+            <a:spLocks noGrp="1"/>
+          </p:cNvSpPr>
+          <p:nvPr>
+            <p:ph type="title"/>
           </p:nvPr>
         </p:nvSpPr>
         <p:spPr>
           <a:xfrm>
-            <a:off x="1371601" y="2743201"/>
-            <a:ext cx="7123113" cy="1673225"/>
+            <a:off x="685800" y="3583837"/>
+            <a:ext cx="6629400" cy="1826363"/>
           </a:xfrm>
         </p:spPr>
         <p:txBody>
-          <a:bodyPr anchor="t"/>
+          <a:bodyPr tIns="0" bIns="0" anchor="t"/>
           <a:lstStyle>
-            <a:lvl1pPr marL="0" indent="0">
+            <a:lvl1pPr algn="l">
               <a:buNone/>
-              <a:defRPr sz="2800">
+              <a:defRPr sz="4200" b="1" cap="none" baseline="0">
+                <a:ln w="5000" cmpd="sng">
+                  <a:solidFill>
+                    <a:schemeClr val="accent1">
+                      <a:tint val="80000"/>
+                      <a:shade val="99000"/>
+                      <a:satMod val="500000"/>
+                    </a:schemeClr>
+                  </a:solidFill>
+                  <a:prstDash val="solid"/>
+                </a:ln>
+                <a:gradFill>
+                  <a:gsLst>
+                    <a:gs pos="0">
+                      <a:schemeClr val="accent1">
+                        <a:tint val="63000"/>
+                        <a:satMod val="255000"/>
+                      </a:schemeClr>
+                    </a:gs>
+                    <a:gs pos="9000">
+                      <a:schemeClr val="accent1">
+                        <a:tint val="63000"/>
+                        <a:satMod val="255000"/>
+                      </a:schemeClr>
+                    </a:gs>
+                    <a:gs pos="53000">
+                      <a:schemeClr val="accent1">
+                        <a:shade val="60000"/>
+                        <a:satMod val="100000"/>
+                      </a:schemeClr>
+                    </a:gs>
+                    <a:gs pos="90000">
+                      <a:schemeClr val="accent1">
+                        <a:tint val="63000"/>
+                        <a:satMod val="255000"/>
+                      </a:schemeClr>
+                    </a:gs>
+                    <a:gs pos="100000">
+                      <a:schemeClr val="accent1">
+                        <a:tint val="63000"/>
+                        <a:satMod val="255000"/>
+                      </a:schemeClr>
+                    </a:gs>
+                  </a:gsLst>
+                  <a:lin ang="5400000"/>
+                </a:gradFill>
+                <a:effectLst>
+                  <a:outerShdw blurRad="50800" dist="38100" dir="5400000" algn="t" rotWithShape="0">
+                    <a:prstClr val="black">
+                      <a:alpha val="50000"/>
+                    </a:prstClr>
+                  </a:outerShdw>
+                </a:effectLst>
+              </a:defRPr>
+            </a:lvl1pPr>
+          </a:lstStyle>
+          <a:p>
+            <a:r>
+              <a:rPr kumimoji="0" lang="ru-RU" smtClean="0"/>
+              <a:t>Образец заголовка</a:t>
+            </a:r>
+            <a:endParaRPr kumimoji="0" lang="en-US"/>
+          </a:p>
+        </p:txBody>
+      </p:sp>
+      <p:sp>
+        <p:nvSpPr>
+          <p:cNvPr id="3" name="Текст 2"/>
+          <p:cNvSpPr>
+            <a:spLocks noGrp="1"/>
+          </p:cNvSpPr>
+          <p:nvPr>
+            <p:ph type="body" idx="1"/>
+          </p:nvPr>
+        </p:nvSpPr>
+        <p:spPr>
+          <a:xfrm>
+            <a:off x="685800" y="2485800"/>
+            <a:ext cx="6629400" cy="1066688"/>
+          </a:xfrm>
+        </p:spPr>
+        <p:txBody>
+          <a:bodyPr lIns="45720" tIns="0" rIns="45720" bIns="0" anchor="b"/>
+          <a:lstStyle>
+            <a:lvl1pPr marL="0" indent="0" algn="l">
+              <a:buNone/>
+              <a:defRPr sz="2000">
                 <a:solidFill>
-                  <a:schemeClr val="tx2"/>
+                  <a:schemeClr val="tx1"/>
                 </a:solidFill>
+                <a:effectLst/>
               </a:defRPr>
             </a:lvl1pPr>
             <a:lvl2pPr>
@@ -1280,186 +1462,7 @@
       </p:sp>
       <p:sp>
         <p:nvSpPr>
-          <p:cNvPr id="7" name="Прямоугольник 6"/>
-          <p:cNvSpPr/>
-          <p:nvPr/>
-        </p:nvSpPr>
-        <p:spPr bwMode="white">
-          <a:xfrm>
-            <a:off x="0" y="1524000"/>
-            <a:ext cx="9144000" cy="1143000"/>
-          </a:xfrm>
-          <a:prstGeom prst="rect">
-            <a:avLst/>
-          </a:prstGeom>
-          <a:solidFill>
-            <a:srgbClr val="FFFFFF"/>
-          </a:solidFill>
-          <a:ln w="50800" cap="rnd" cmpd="dbl" algn="ctr">
-            <a:noFill/>
-            <a:prstDash val="solid"/>
-          </a:ln>
-          <a:effectLst/>
-        </p:spPr>
-        <p:style>
-          <a:lnRef idx="3">
-            <a:schemeClr val="lt1"/>
-          </a:lnRef>
-          <a:fillRef idx="1">
-            <a:schemeClr val="accent1"/>
-          </a:fillRef>
-          <a:effectRef idx="1">
-            <a:schemeClr val="accent1"/>
-          </a:effectRef>
-          <a:fontRef idx="minor">
-            <a:schemeClr val="lt1"/>
-          </a:fontRef>
-        </p:style>
-        <p:txBody>
-          <a:bodyPr anchor="ctr"/>
-          <a:lstStyle/>
-          <a:p>
-            <a:pPr algn="ctr" eaLnBrk="1" latinLnBrk="0" hangingPunct="1"/>
-            <a:endParaRPr kumimoji="0" lang="en-US"/>
-          </a:p>
-        </p:txBody>
-      </p:sp>
-      <p:sp>
-        <p:nvSpPr>
-          <p:cNvPr id="8" name="Прямоугольник 7"/>
-          <p:cNvSpPr/>
-          <p:nvPr/>
-        </p:nvSpPr>
-        <p:spPr>
-          <a:xfrm>
-            <a:off x="0" y="1600200"/>
-            <a:ext cx="1295400" cy="990600"/>
-          </a:xfrm>
-          <a:prstGeom prst="rect">
-            <a:avLst/>
-          </a:prstGeom>
-          <a:solidFill>
-            <a:schemeClr val="accent2">
-              <a:alpha val="100000"/>
-            </a:schemeClr>
-          </a:solidFill>
-          <a:ln w="50800" cap="rnd" cmpd="dbl" algn="ctr">
-            <a:noFill/>
-            <a:prstDash val="solid"/>
-          </a:ln>
-          <a:effectLst/>
-        </p:spPr>
-        <p:style>
-          <a:lnRef idx="3">
-            <a:schemeClr val="lt1"/>
-          </a:lnRef>
-          <a:fillRef idx="1">
-            <a:schemeClr val="accent1"/>
-          </a:fillRef>
-          <a:effectRef idx="1">
-            <a:schemeClr val="accent1"/>
-          </a:effectRef>
-          <a:fontRef idx="minor">
-            <a:schemeClr val="lt1"/>
-          </a:fontRef>
-        </p:style>
-        <p:txBody>
-          <a:bodyPr anchor="ctr"/>
-          <a:lstStyle/>
-          <a:p>
-            <a:pPr algn="ctr" eaLnBrk="1" latinLnBrk="0" hangingPunct="1"/>
-            <a:endParaRPr kumimoji="0" lang="en-US"/>
-          </a:p>
-        </p:txBody>
-      </p:sp>
-      <p:sp>
-        <p:nvSpPr>
-          <p:cNvPr id="9" name="Прямоугольник 8"/>
-          <p:cNvSpPr/>
-          <p:nvPr/>
-        </p:nvSpPr>
-        <p:spPr>
-          <a:xfrm>
-            <a:off x="1371600" y="1600200"/>
-            <a:ext cx="7772400" cy="990600"/>
-          </a:xfrm>
-          <a:prstGeom prst="rect">
-            <a:avLst/>
-          </a:prstGeom>
-          <a:solidFill>
-            <a:schemeClr val="accent1">
-              <a:alpha val="100000"/>
-            </a:schemeClr>
-          </a:solidFill>
-          <a:ln w="50800" cap="rnd" cmpd="dbl" algn="ctr">
-            <a:noFill/>
-            <a:prstDash val="solid"/>
-          </a:ln>
-          <a:effectLst/>
-        </p:spPr>
-        <p:style>
-          <a:lnRef idx="3">
-            <a:schemeClr val="lt1"/>
-          </a:lnRef>
-          <a:fillRef idx="1">
-            <a:schemeClr val="accent1"/>
-          </a:fillRef>
-          <a:effectRef idx="1">
-            <a:schemeClr val="accent1"/>
-          </a:effectRef>
-          <a:fontRef idx="minor">
-            <a:schemeClr val="lt1"/>
-          </a:fontRef>
-        </p:style>
-        <p:txBody>
-          <a:bodyPr anchor="ctr"/>
-          <a:lstStyle/>
-          <a:p>
-            <a:pPr algn="ctr" eaLnBrk="1" latinLnBrk="0" hangingPunct="1"/>
-            <a:endParaRPr kumimoji="0" lang="en-US"/>
-          </a:p>
-        </p:txBody>
-      </p:sp>
-      <p:sp>
-        <p:nvSpPr>
-          <p:cNvPr id="2" name="Заголовок 1"/>
-          <p:cNvSpPr>
-            <a:spLocks noGrp="1"/>
-          </p:cNvSpPr>
-          <p:nvPr>
-            <p:ph type="title"/>
-          </p:nvPr>
-        </p:nvSpPr>
-        <p:spPr>
-          <a:xfrm>
-            <a:off x="1371600" y="1600200"/>
-            <a:ext cx="7620000" cy="990600"/>
-          </a:xfrm>
-        </p:spPr>
-        <p:txBody>
-          <a:bodyPr/>
-          <a:lstStyle>
-            <a:lvl1pPr algn="l">
-              <a:buNone/>
-              <a:defRPr sz="4400" b="0" cap="none">
-                <a:solidFill>
-                  <a:srgbClr val="FFFFFF"/>
-                </a:solidFill>
-              </a:defRPr>
-            </a:lvl1pPr>
-          </a:lstStyle>
-          <a:p>
-            <a:r>
-              <a:rPr kumimoji="0" lang="ru-RU" smtClean="0"/>
-              <a:t>Образец заголовка</a:t>
-            </a:r>
-            <a:endParaRPr kumimoji="0" lang="en-US"/>
-          </a:p>
-        </p:txBody>
-      </p:sp>
-      <p:sp>
-        <p:nvSpPr>
-          <p:cNvPr id="12" name="Дата 11"/>
+          <p:cNvPr id="4" name="Дата 3"/>
           <p:cNvSpPr>
             <a:spLocks noGrp="1"/>
           </p:cNvSpPr>
@@ -1475,7 +1478,7 @@
             <a:fld id="{BB1F31F3-0360-43B5-86CD-504C03F637A7}" type="datetimeFigureOut">
               <a:rPr lang="ru-RU" smtClean="0"/>
               <a:pPr/>
-              <a:t>23.02.2020</a:t>
+              <a:t>11.05.2020</a:t>
             </a:fld>
             <a:endParaRPr lang="ru-RU"/>
           </a:p>
@@ -1483,33 +1486,37 @@
       </p:sp>
       <p:sp>
         <p:nvSpPr>
-          <p:cNvPr id="13" name="Номер слайда 12"/>
-          <p:cNvSpPr>
-            <a:spLocks noGrp="1"/>
-          </p:cNvSpPr>
-          <p:nvPr>
-            <p:ph type="sldNum" sz="quarter" idx="11"/>
-          </p:nvPr>
-        </p:nvSpPr>
-        <p:spPr>
-          <a:xfrm>
-            <a:off x="0" y="1752600"/>
-            <a:ext cx="1295400" cy="701676"/>
-          </a:xfrm>
-        </p:spPr>
-        <p:txBody>
-          <a:bodyPr>
-            <a:noAutofit/>
-          </a:bodyPr>
-          <a:lstStyle>
-            <a:lvl1pPr>
-              <a:defRPr sz="2400">
-                <a:solidFill>
-                  <a:srgbClr val="FFFFFF"/>
-                </a:solidFill>
-              </a:defRPr>
-            </a:lvl1pPr>
-          </a:lstStyle>
+          <p:cNvPr id="5" name="Нижний колонтитул 4"/>
+          <p:cNvSpPr>
+            <a:spLocks noGrp="1"/>
+          </p:cNvSpPr>
+          <p:nvPr>
+            <p:ph type="ftr" sz="quarter" idx="11"/>
+          </p:nvPr>
+        </p:nvSpPr>
+        <p:spPr/>
+        <p:txBody>
+          <a:bodyPr/>
+          <a:lstStyle/>
+          <a:p>
+            <a:endParaRPr lang="ru-RU"/>
+          </a:p>
+        </p:txBody>
+      </p:sp>
+      <p:sp>
+        <p:nvSpPr>
+          <p:cNvPr id="6" name="Номер слайда 5"/>
+          <p:cNvSpPr>
+            <a:spLocks noGrp="1"/>
+          </p:cNvSpPr>
+          <p:nvPr>
+            <p:ph type="sldNum" sz="quarter" idx="12"/>
+          </p:nvPr>
+        </p:nvSpPr>
+        <p:spPr/>
+        <p:txBody>
+          <a:bodyPr/>
+          <a:lstStyle/>
           <a:p>
             <a:fld id="{658B4CCF-D62D-4FC6-AD36-4F468D42B64C}" type="slidenum">
               <a:rPr lang="ru-RU" smtClean="0"/>
@@ -1520,29 +1527,10 @@
           </a:p>
         </p:txBody>
       </p:sp>
-      <p:sp>
-        <p:nvSpPr>
-          <p:cNvPr id="14" name="Нижний колонтитул 13"/>
-          <p:cNvSpPr>
-            <a:spLocks noGrp="1"/>
-          </p:cNvSpPr>
-          <p:nvPr>
-            <p:ph type="ftr" sz="quarter" idx="12"/>
-          </p:nvPr>
-        </p:nvSpPr>
-        <p:spPr/>
-        <p:txBody>
-          <a:bodyPr/>
-          <a:lstStyle/>
-          <a:p>
-            <a:endParaRPr lang="ru-RU"/>
-          </a:p>
-        </p:txBody>
-      </p:sp>
     </p:spTree>
   </p:cSld>
   <p:clrMapOvr>
-    <a:overrideClrMapping bg1="lt1" tx1="dk1" bg2="lt2" tx2="dk2" accent1="accent1" accent2="accent2" accent3="accent3" accent4="accent4" accent5="accent5" accent6="accent6" hlink="hlink" folHlink="folHlink"/>
+    <a:overrideClrMapping bg1="dk1" tx1="lt1" bg2="dk2" tx2="lt2" accent1="accent1" accent2="accent2" accent3="accent3" accent4="accent4" accent5="accent5" accent6="accent6" hlink="hlink" folHlink="folHlink"/>
   </p:clrMapOvr>
 </p:sldLayout>
 </file>
@@ -1574,7 +1562,12 @@
             <p:ph type="title"/>
           </p:nvPr>
         </p:nvSpPr>
-        <p:spPr/>
+        <p:spPr>
+          <a:xfrm>
+            <a:off x="457200" y="274638"/>
+            <a:ext cx="7467600" cy="1143000"/>
+          </a:xfrm>
+        </p:spPr>
         <p:txBody>
           <a:bodyPr/>
           <a:lstStyle/>
@@ -1589,23 +1582,39 @@
       </p:sp>
       <p:sp>
         <p:nvSpPr>
-          <p:cNvPr id="9" name="Содержимое 8"/>
-          <p:cNvSpPr>
-            <a:spLocks noGrp="1"/>
-          </p:cNvSpPr>
-          <p:nvPr>
-            <p:ph sz="quarter" idx="1"/>
+          <p:cNvPr id="3" name="Содержимое 2"/>
+          <p:cNvSpPr>
+            <a:spLocks noGrp="1"/>
+          </p:cNvSpPr>
+          <p:nvPr>
+            <p:ph sz="half" idx="1"/>
           </p:nvPr>
         </p:nvSpPr>
         <p:spPr>
           <a:xfrm>
-            <a:off x="609600" y="1589567"/>
-            <a:ext cx="3886200" cy="4572000"/>
+            <a:off x="457200" y="1600200"/>
+            <a:ext cx="3657600" cy="4525963"/>
           </a:xfrm>
         </p:spPr>
         <p:txBody>
           <a:bodyPr/>
-          <a:lstStyle/>
+          <a:lstStyle>
+            <a:lvl1pPr>
+              <a:defRPr sz="2600"/>
+            </a:lvl1pPr>
+            <a:lvl2pPr>
+              <a:defRPr sz="2200"/>
+            </a:lvl2pPr>
+            <a:lvl3pPr>
+              <a:defRPr sz="2000"/>
+            </a:lvl3pPr>
+            <a:lvl4pPr>
+              <a:defRPr sz="1800"/>
+            </a:lvl4pPr>
+            <a:lvl5pPr>
+              <a:defRPr sz="1800"/>
+            </a:lvl5pPr>
+          </a:lstStyle>
           <a:p>
             <a:pPr lvl="0" eaLnBrk="1" latinLnBrk="0" hangingPunct="1"/>
             <a:r>
@@ -1646,23 +1655,39 @@
       </p:sp>
       <p:sp>
         <p:nvSpPr>
-          <p:cNvPr id="11" name="Содержимое 10"/>
-          <p:cNvSpPr>
-            <a:spLocks noGrp="1"/>
-          </p:cNvSpPr>
-          <p:nvPr>
-            <p:ph sz="quarter" idx="2"/>
+          <p:cNvPr id="4" name="Содержимое 3"/>
+          <p:cNvSpPr>
+            <a:spLocks noGrp="1"/>
+          </p:cNvSpPr>
+          <p:nvPr>
+            <p:ph sz="half" idx="2"/>
           </p:nvPr>
         </p:nvSpPr>
         <p:spPr>
           <a:xfrm>
-            <a:off x="4844901" y="1589567"/>
-            <a:ext cx="3886200" cy="4572000"/>
+            <a:off x="4267200" y="1600200"/>
+            <a:ext cx="3657600" cy="4525963"/>
           </a:xfrm>
         </p:spPr>
         <p:txBody>
           <a:bodyPr/>
-          <a:lstStyle/>
+          <a:lstStyle>
+            <a:lvl1pPr>
+              <a:defRPr sz="2600"/>
+            </a:lvl1pPr>
+            <a:lvl2pPr>
+              <a:defRPr sz="2200"/>
+            </a:lvl2pPr>
+            <a:lvl3pPr>
+              <a:defRPr sz="2000"/>
+            </a:lvl3pPr>
+            <a:lvl4pPr>
+              <a:defRPr sz="1800"/>
+            </a:lvl4pPr>
+            <a:lvl5pPr>
+              <a:defRPr sz="1800"/>
+            </a:lvl5pPr>
+          </a:lstStyle>
           <a:p>
             <a:pPr lvl="0" eaLnBrk="1" latinLnBrk="0" hangingPunct="1"/>
             <a:r>
@@ -1703,23 +1728,23 @@
       </p:sp>
       <p:sp>
         <p:nvSpPr>
-          <p:cNvPr id="8" name="Дата 7"/>
-          <p:cNvSpPr>
-            <a:spLocks noGrp="1"/>
-          </p:cNvSpPr>
-          <p:nvPr>
-            <p:ph type="dt" sz="half" idx="15"/>
+          <p:cNvPr id="5" name="Дата 4"/>
+          <p:cNvSpPr>
+            <a:spLocks noGrp="1"/>
+          </p:cNvSpPr>
+          <p:nvPr>
+            <p:ph type="dt" sz="half" idx="10"/>
           </p:nvPr>
         </p:nvSpPr>
         <p:spPr/>
         <p:txBody>
-          <a:bodyPr rtlCol="0"/>
+          <a:bodyPr/>
           <a:lstStyle/>
           <a:p>
             <a:fld id="{BB1F31F3-0360-43B5-86CD-504C03F637A7}" type="datetimeFigureOut">
               <a:rPr lang="ru-RU" smtClean="0"/>
               <a:pPr/>
-              <a:t>23.02.2020</a:t>
+              <a:t>11.05.2020</a:t>
             </a:fld>
             <a:endParaRPr lang="ru-RU"/>
           </a:p>
@@ -1727,17 +1752,36 @@
       </p:sp>
       <p:sp>
         <p:nvSpPr>
-          <p:cNvPr id="10" name="Номер слайда 9"/>
-          <p:cNvSpPr>
-            <a:spLocks noGrp="1"/>
-          </p:cNvSpPr>
-          <p:nvPr>
-            <p:ph type="sldNum" sz="quarter" idx="16"/>
+          <p:cNvPr id="6" name="Нижний колонтитул 5"/>
+          <p:cNvSpPr>
+            <a:spLocks noGrp="1"/>
+          </p:cNvSpPr>
+          <p:nvPr>
+            <p:ph type="ftr" sz="quarter" idx="11"/>
           </p:nvPr>
         </p:nvSpPr>
         <p:spPr/>
         <p:txBody>
-          <a:bodyPr rtlCol="0"/>
+          <a:bodyPr/>
+          <a:lstStyle/>
+          <a:p>
+            <a:endParaRPr lang="ru-RU"/>
+          </a:p>
+        </p:txBody>
+      </p:sp>
+      <p:sp>
+        <p:nvSpPr>
+          <p:cNvPr id="7" name="Номер слайда 6"/>
+          <p:cNvSpPr>
+            <a:spLocks noGrp="1"/>
+          </p:cNvSpPr>
+          <p:nvPr>
+            <p:ph type="sldNum" sz="quarter" idx="12"/>
+          </p:nvPr>
+        </p:nvSpPr>
+        <p:spPr/>
+        <p:txBody>
+          <a:bodyPr/>
           <a:lstStyle/>
           <a:p>
             <a:fld id="{658B4CCF-D62D-4FC6-AD36-4F468D42B64C}" type="slidenum">
@@ -1745,25 +1789,6 @@
               <a:pPr/>
               <a:t>‹#›</a:t>
             </a:fld>
-            <a:endParaRPr lang="ru-RU"/>
-          </a:p>
-        </p:txBody>
-      </p:sp>
-      <p:sp>
-        <p:nvSpPr>
-          <p:cNvPr id="12" name="Нижний колонтитул 11"/>
-          <p:cNvSpPr>
-            <a:spLocks noGrp="1"/>
-          </p:cNvSpPr>
-          <p:nvPr>
-            <p:ph type="ftr" sz="quarter" idx="17"/>
-          </p:nvPr>
-        </p:nvSpPr>
-        <p:spPr/>
-        <p:txBody>
-          <a:bodyPr rtlCol="0"/>
-          <a:lstStyle/>
-          <a:p>
             <a:endParaRPr lang="ru-RU"/>
           </a:p>
         </p:txBody>
@@ -1777,7 +1802,7 @@
 </file>
 
 <file path=ppt/slideLayouts/slideLayout5.xml><?xml version="1.0" encoding="utf-8"?>
-<p:sldLayout xmlns:a="http://schemas.openxmlformats.org/drawingml/2006/main" xmlns:r="http://schemas.openxmlformats.org/officeDocument/2006/relationships" xmlns:p="http://schemas.openxmlformats.org/presentationml/2006/main" type="twoTxTwoObj" preserve="1">
+<p:sldLayout xmlns:a="http://schemas.openxmlformats.org/drawingml/2006/main" xmlns:r="http://schemas.openxmlformats.org/officeDocument/2006/relationships" xmlns:p="http://schemas.openxmlformats.org/presentationml/2006/main" showMasterSp="0" type="twoTxTwoObj" preserve="1">
   <p:cSld name="Сравнение">
     <p:spTree>
       <p:nvGrpSpPr>
@@ -1805,8 +1830,8 @@
         </p:nvSpPr>
         <p:spPr>
           <a:xfrm>
-            <a:off x="533400" y="273051"/>
-            <a:ext cx="8153400" cy="869950"/>
+            <a:off x="457200" y="273050"/>
+            <a:ext cx="8229600" cy="1143000"/>
           </a:xfrm>
         </p:spPr>
         <p:txBody>
@@ -1827,23 +1852,145 @@
       </p:sp>
       <p:sp>
         <p:nvSpPr>
-          <p:cNvPr id="11" name="Содержимое 10"/>
-          <p:cNvSpPr>
-            <a:spLocks noGrp="1"/>
-          </p:cNvSpPr>
-          <p:nvPr>
-            <p:ph sz="quarter" idx="2"/>
+          <p:cNvPr id="3" name="Текст 2"/>
+          <p:cNvSpPr>
+            <a:spLocks noGrp="1"/>
+          </p:cNvSpPr>
+          <p:nvPr>
+            <p:ph type="body" idx="1"/>
           </p:nvPr>
         </p:nvSpPr>
         <p:spPr>
           <a:xfrm>
-            <a:off x="609600" y="2438400"/>
-            <a:ext cx="3886200" cy="3581400"/>
+            <a:off x="457200" y="5486400"/>
+            <a:ext cx="4040188" cy="838200"/>
           </a:xfrm>
         </p:spPr>
         <p:txBody>
+          <a:bodyPr anchor="t"/>
+          <a:lstStyle>
+            <a:lvl1pPr marL="0" indent="0">
+              <a:buNone/>
+              <a:defRPr sz="2400" b="1">
+                <a:solidFill>
+                  <a:schemeClr val="accent1"/>
+                </a:solidFill>
+              </a:defRPr>
+            </a:lvl1pPr>
+            <a:lvl2pPr>
+              <a:buNone/>
+              <a:defRPr sz="2000" b="1"/>
+            </a:lvl2pPr>
+            <a:lvl3pPr>
+              <a:buNone/>
+              <a:defRPr sz="1800" b="1"/>
+            </a:lvl3pPr>
+            <a:lvl4pPr>
+              <a:buNone/>
+              <a:defRPr sz="1600" b="1"/>
+            </a:lvl4pPr>
+            <a:lvl5pPr>
+              <a:buNone/>
+              <a:defRPr sz="1600" b="1"/>
+            </a:lvl5pPr>
+          </a:lstStyle>
+          <a:p>
+            <a:pPr lvl="0" eaLnBrk="1" latinLnBrk="0" hangingPunct="1"/>
+            <a:r>
+              <a:rPr kumimoji="0" lang="ru-RU" smtClean="0"/>
+              <a:t>Образец текста</a:t>
+            </a:r>
+          </a:p>
+        </p:txBody>
+      </p:sp>
+      <p:sp>
+        <p:nvSpPr>
+          <p:cNvPr id="4" name="Текст 3"/>
+          <p:cNvSpPr>
+            <a:spLocks noGrp="1"/>
+          </p:cNvSpPr>
+          <p:nvPr>
+            <p:ph type="body" sz="half" idx="3"/>
+          </p:nvPr>
+        </p:nvSpPr>
+        <p:spPr>
+          <a:xfrm>
+            <a:off x="4645025" y="5486400"/>
+            <a:ext cx="4041775" cy="838200"/>
+          </a:xfrm>
+        </p:spPr>
+        <p:txBody>
+          <a:bodyPr anchor="t"/>
+          <a:lstStyle>
+            <a:lvl1pPr marL="0" indent="0">
+              <a:buNone/>
+              <a:defRPr sz="2400" b="1">
+                <a:solidFill>
+                  <a:schemeClr val="accent1"/>
+                </a:solidFill>
+              </a:defRPr>
+            </a:lvl1pPr>
+            <a:lvl2pPr>
+              <a:buNone/>
+              <a:defRPr sz="2000" b="1"/>
+            </a:lvl2pPr>
+            <a:lvl3pPr>
+              <a:buNone/>
+              <a:defRPr sz="1800" b="1"/>
+            </a:lvl3pPr>
+            <a:lvl4pPr>
+              <a:buNone/>
+              <a:defRPr sz="1600" b="1"/>
+            </a:lvl4pPr>
+            <a:lvl5pPr>
+              <a:buNone/>
+              <a:defRPr sz="1600" b="1"/>
+            </a:lvl5pPr>
+          </a:lstStyle>
+          <a:p>
+            <a:pPr lvl="0" eaLnBrk="1" latinLnBrk="0" hangingPunct="1"/>
+            <a:r>
+              <a:rPr kumimoji="0" lang="ru-RU" smtClean="0"/>
+              <a:t>Образец текста</a:t>
+            </a:r>
+          </a:p>
+        </p:txBody>
+      </p:sp>
+      <p:sp>
+        <p:nvSpPr>
+          <p:cNvPr id="5" name="Содержимое 4"/>
+          <p:cNvSpPr>
+            <a:spLocks noGrp="1"/>
+          </p:cNvSpPr>
+          <p:nvPr>
+            <p:ph sz="quarter" idx="2"/>
+          </p:nvPr>
+        </p:nvSpPr>
+        <p:spPr>
+          <a:xfrm>
+            <a:off x="457200" y="1516912"/>
+            <a:ext cx="4040188" cy="3941763"/>
+          </a:xfrm>
+        </p:spPr>
+        <p:txBody>
           <a:bodyPr/>
-          <a:lstStyle/>
+          <a:lstStyle>
+            <a:lvl1pPr>
+              <a:defRPr sz="2400"/>
+            </a:lvl1pPr>
+            <a:lvl2pPr>
+              <a:defRPr sz="2000"/>
+            </a:lvl2pPr>
+            <a:lvl3pPr>
+              <a:defRPr sz="1800"/>
+            </a:lvl3pPr>
+            <a:lvl4pPr>
+              <a:defRPr sz="1600"/>
+            </a:lvl4pPr>
+            <a:lvl5pPr>
+              <a:defRPr sz="1600"/>
+            </a:lvl5pPr>
+          </a:lstStyle>
           <a:p>
             <a:pPr lvl="0" eaLnBrk="1" latinLnBrk="0" hangingPunct="1"/>
             <a:r>
@@ -1884,7 +2031,7 @@
       </p:sp>
       <p:sp>
         <p:nvSpPr>
-          <p:cNvPr id="13" name="Содержимое 12"/>
+          <p:cNvPr id="6" name="Содержимое 5"/>
           <p:cNvSpPr>
             <a:spLocks noGrp="1"/>
           </p:cNvSpPr>
@@ -1894,13 +2041,29 @@
         </p:nvSpPr>
         <p:spPr>
           <a:xfrm>
-            <a:off x="4800600" y="2438400"/>
-            <a:ext cx="3886200" cy="3581400"/>
+            <a:off x="4645025" y="1516912"/>
+            <a:ext cx="4041775" cy="3941763"/>
           </a:xfrm>
         </p:spPr>
         <p:txBody>
           <a:bodyPr/>
-          <a:lstStyle/>
+          <a:lstStyle>
+            <a:lvl1pPr>
+              <a:defRPr sz="2400"/>
+            </a:lvl1pPr>
+            <a:lvl2pPr>
+              <a:defRPr sz="2000"/>
+            </a:lvl2pPr>
+            <a:lvl3pPr>
+              <a:defRPr sz="1800"/>
+            </a:lvl3pPr>
+            <a:lvl4pPr>
+              <a:defRPr sz="1600"/>
+            </a:lvl4pPr>
+            <a:lvl5pPr>
+              <a:defRPr sz="1600"/>
+            </a:lvl5pPr>
+          </a:lstStyle>
           <a:p>
             <a:pPr lvl="0" eaLnBrk="1" latinLnBrk="0" hangingPunct="1"/>
             <a:r>
@@ -1941,23 +2104,23 @@
       </p:sp>
       <p:sp>
         <p:nvSpPr>
-          <p:cNvPr id="10" name="Дата 9"/>
-          <p:cNvSpPr>
-            <a:spLocks noGrp="1"/>
-          </p:cNvSpPr>
-          <p:nvPr>
-            <p:ph type="dt" sz="half" idx="15"/>
+          <p:cNvPr id="7" name="Дата 6"/>
+          <p:cNvSpPr>
+            <a:spLocks noGrp="1"/>
+          </p:cNvSpPr>
+          <p:nvPr>
+            <p:ph type="dt" sz="half" idx="10"/>
           </p:nvPr>
         </p:nvSpPr>
         <p:spPr/>
         <p:txBody>
-          <a:bodyPr rtlCol="0"/>
+          <a:bodyPr/>
           <a:lstStyle/>
           <a:p>
             <a:fld id="{BB1F31F3-0360-43B5-86CD-504C03F637A7}" type="datetimeFigureOut">
               <a:rPr lang="ru-RU" smtClean="0"/>
               <a:pPr/>
-              <a:t>23.02.2020</a:t>
+              <a:t>11.05.2020</a:t>
             </a:fld>
             <a:endParaRPr lang="ru-RU"/>
           </a:p>
@@ -1965,17 +2128,36 @@
       </p:sp>
       <p:sp>
         <p:nvSpPr>
-          <p:cNvPr id="12" name="Номер слайда 11"/>
-          <p:cNvSpPr>
-            <a:spLocks noGrp="1"/>
-          </p:cNvSpPr>
-          <p:nvPr>
-            <p:ph type="sldNum" sz="quarter" idx="16"/>
+          <p:cNvPr id="8" name="Нижний колонтитул 7"/>
+          <p:cNvSpPr>
+            <a:spLocks noGrp="1"/>
+          </p:cNvSpPr>
+          <p:nvPr>
+            <p:ph type="ftr" sz="quarter" idx="11"/>
           </p:nvPr>
         </p:nvSpPr>
         <p:spPr/>
         <p:txBody>
-          <a:bodyPr rtlCol="0"/>
+          <a:bodyPr/>
+          <a:lstStyle/>
+          <a:p>
+            <a:endParaRPr lang="ru-RU"/>
+          </a:p>
+        </p:txBody>
+      </p:sp>
+      <p:sp>
+        <p:nvSpPr>
+          <p:cNvPr id="9" name="Номер слайда 8"/>
+          <p:cNvSpPr>
+            <a:spLocks noGrp="1"/>
+          </p:cNvSpPr>
+          <p:nvPr>
+            <p:ph type="sldNum" sz="quarter" idx="12"/>
+          </p:nvPr>
+        </p:nvSpPr>
+        <p:spPr/>
+        <p:txBody>
+          <a:bodyPr/>
           <a:lstStyle/>
           <a:p>
             <a:fld id="{658B4CCF-D62D-4FC6-AD36-4F468D42B64C}" type="slidenum">
@@ -1984,107 +2166,6 @@
               <a:t>‹#›</a:t>
             </a:fld>
             <a:endParaRPr lang="ru-RU"/>
-          </a:p>
-        </p:txBody>
-      </p:sp>
-      <p:sp>
-        <p:nvSpPr>
-          <p:cNvPr id="14" name="Нижний колонтитул 13"/>
-          <p:cNvSpPr>
-            <a:spLocks noGrp="1"/>
-          </p:cNvSpPr>
-          <p:nvPr>
-            <p:ph type="ftr" sz="quarter" idx="17"/>
-          </p:nvPr>
-        </p:nvSpPr>
-        <p:spPr/>
-        <p:txBody>
-          <a:bodyPr rtlCol="0"/>
-          <a:lstStyle/>
-          <a:p>
-            <a:endParaRPr lang="ru-RU"/>
-          </a:p>
-        </p:txBody>
-      </p:sp>
-      <p:sp>
-        <p:nvSpPr>
-          <p:cNvPr id="16" name="Текст 15"/>
-          <p:cNvSpPr>
-            <a:spLocks noGrp="1"/>
-          </p:cNvSpPr>
-          <p:nvPr>
-            <p:ph type="body" sz="quarter" idx="1"/>
-          </p:nvPr>
-        </p:nvSpPr>
-        <p:spPr>
-          <a:xfrm>
-            <a:off x="609600" y="1752600"/>
-            <a:ext cx="3886200" cy="640080"/>
-          </a:xfrm>
-          <a:solidFill>
-            <a:schemeClr val="accent2"/>
-          </a:solidFill>
-        </p:spPr>
-        <p:txBody>
-          <a:bodyPr rtlCol="0" anchor="ctr"/>
-          <a:lstStyle>
-            <a:lvl1pPr marL="0" indent="0">
-              <a:buFontTx/>
-              <a:buNone/>
-              <a:defRPr sz="2000" b="1">
-                <a:solidFill>
-                  <a:srgbClr val="FFFFFF"/>
-                </a:solidFill>
-              </a:defRPr>
-            </a:lvl1pPr>
-          </a:lstStyle>
-          <a:p>
-            <a:pPr lvl="0" eaLnBrk="1" latinLnBrk="0" hangingPunct="1"/>
-            <a:r>
-              <a:rPr kumimoji="0" lang="ru-RU" smtClean="0"/>
-              <a:t>Образец текста</a:t>
-            </a:r>
-          </a:p>
-        </p:txBody>
-      </p:sp>
-      <p:sp>
-        <p:nvSpPr>
-          <p:cNvPr id="15" name="Текст 14"/>
-          <p:cNvSpPr>
-            <a:spLocks noGrp="1"/>
-          </p:cNvSpPr>
-          <p:nvPr>
-            <p:ph type="body" sz="quarter" idx="3"/>
-          </p:nvPr>
-        </p:nvSpPr>
-        <p:spPr>
-          <a:xfrm>
-            <a:off x="4800600" y="1752600"/>
-            <a:ext cx="3886200" cy="640080"/>
-          </a:xfrm>
-          <a:solidFill>
-            <a:schemeClr val="accent4"/>
-          </a:solidFill>
-        </p:spPr>
-        <p:txBody>
-          <a:bodyPr rtlCol="0" anchor="ctr"/>
-          <a:lstStyle>
-            <a:lvl1pPr marL="0" indent="0">
-              <a:buFontTx/>
-              <a:buNone/>
-              <a:defRPr sz="2000" b="1">
-                <a:solidFill>
-                  <a:srgbClr val="FFFFFF"/>
-                </a:solidFill>
-              </a:defRPr>
-            </a:lvl1pPr>
-          </a:lstStyle>
-          <a:p>
-            <a:pPr lvl="0" eaLnBrk="1" latinLnBrk="0" hangingPunct="1"/>
-            <a:r>
-              <a:rPr kumimoji="0" lang="ru-RU" smtClean="0"/>
-              <a:t>Образец текста</a:t>
-            </a:r>
           </a:p>
         </p:txBody>
       </p:sp>
@@ -2123,10 +2204,19 @@
             <p:ph type="title"/>
           </p:nvPr>
         </p:nvSpPr>
-        <p:spPr/>
-        <p:txBody>
-          <a:bodyPr/>
-          <a:lstStyle/>
+        <p:spPr>
+          <a:xfrm>
+            <a:off x="457200" y="274320"/>
+            <a:ext cx="7470648" cy="1143000"/>
+          </a:xfrm>
+        </p:spPr>
+        <p:txBody>
+          <a:bodyPr anchor="ctr"/>
+          <a:lstStyle>
+            <a:lvl1pPr algn="l">
+              <a:defRPr sz="4600"/>
+            </a:lvl1pPr>
+          </a:lstStyle>
           <a:p>
             <a:r>
               <a:rPr kumimoji="0" lang="ru-RU" smtClean="0"/>
@@ -2138,7 +2228,7 @@
       </p:sp>
       <p:sp>
         <p:nvSpPr>
-          <p:cNvPr id="3" name="Дата 2"/>
+          <p:cNvPr id="7" name="Дата 6"/>
           <p:cNvSpPr>
             <a:spLocks noGrp="1"/>
           </p:cNvSpPr>
@@ -2154,7 +2244,7 @@
             <a:fld id="{BB1F31F3-0360-43B5-86CD-504C03F637A7}" type="datetimeFigureOut">
               <a:rPr lang="ru-RU" smtClean="0"/>
               <a:pPr/>
-              <a:t>23.02.2020</a:t>
+              <a:t>11.05.2020</a:t>
             </a:fld>
             <a:endParaRPr lang="ru-RU"/>
           </a:p>
@@ -2162,51 +2252,43 @@
       </p:sp>
       <p:sp>
         <p:nvSpPr>
-          <p:cNvPr id="4" name="Нижний колонтитул 3"/>
-          <p:cNvSpPr>
-            <a:spLocks noGrp="1"/>
-          </p:cNvSpPr>
-          <p:nvPr>
-            <p:ph type="ftr" sz="quarter" idx="11"/>
+          <p:cNvPr id="8" name="Номер слайда 7"/>
+          <p:cNvSpPr>
+            <a:spLocks noGrp="1"/>
+          </p:cNvSpPr>
+          <p:nvPr>
+            <p:ph type="sldNum" sz="quarter" idx="11"/>
           </p:nvPr>
         </p:nvSpPr>
         <p:spPr/>
         <p:txBody>
           <a:bodyPr/>
           <a:lstStyle/>
-          <a:p>
-            <a:endParaRPr lang="ru-RU"/>
-          </a:p>
-        </p:txBody>
-      </p:sp>
-      <p:sp>
-        <p:nvSpPr>
-          <p:cNvPr id="5" name="Номер слайда 4"/>
-          <p:cNvSpPr>
-            <a:spLocks noGrp="1"/>
-          </p:cNvSpPr>
-          <p:nvPr>
-            <p:ph type="sldNum" sz="quarter" idx="12"/>
-          </p:nvPr>
-        </p:nvSpPr>
-        <p:spPr/>
-        <p:txBody>
-          <a:bodyPr/>
-          <a:lstStyle>
-            <a:lvl1pPr>
-              <a:defRPr>
-                <a:solidFill>
-                  <a:srgbClr val="FFFFFF"/>
-                </a:solidFill>
-              </a:defRPr>
-            </a:lvl1pPr>
-          </a:lstStyle>
           <a:p>
             <a:fld id="{658B4CCF-D62D-4FC6-AD36-4F468D42B64C}" type="slidenum">
               <a:rPr lang="ru-RU" smtClean="0"/>
               <a:pPr/>
               <a:t>‹#›</a:t>
             </a:fld>
+            <a:endParaRPr lang="ru-RU"/>
+          </a:p>
+        </p:txBody>
+      </p:sp>
+      <p:sp>
+        <p:nvSpPr>
+          <p:cNvPr id="9" name="Нижний колонтитул 8"/>
+          <p:cNvSpPr>
+            <a:spLocks noGrp="1"/>
+          </p:cNvSpPr>
+          <p:nvPr>
+            <p:ph type="ftr" sz="quarter" idx="12"/>
+          </p:nvPr>
+        </p:nvSpPr>
+        <p:spPr/>
+        <p:txBody>
+          <a:bodyPr/>
+          <a:lstStyle/>
+          <a:p>
             <a:endParaRPr lang="ru-RU"/>
           </a:p>
         </p:txBody>
@@ -2220,7 +2302,7 @@
 </file>
 
 <file path=ppt/slideLayouts/slideLayout7.xml><?xml version="1.0" encoding="utf-8"?>
-<p:sldLayout xmlns:a="http://schemas.openxmlformats.org/drawingml/2006/main" xmlns:r="http://schemas.openxmlformats.org/officeDocument/2006/relationships" xmlns:p="http://schemas.openxmlformats.org/presentationml/2006/main" showMasterSp="0" type="blank" preserve="1">
+<p:sldLayout xmlns:a="http://schemas.openxmlformats.org/drawingml/2006/main" xmlns:r="http://schemas.openxmlformats.org/officeDocument/2006/relationships" xmlns:p="http://schemas.openxmlformats.org/presentationml/2006/main" type="blank" preserve="1">
   <p:cSld name="Пустой слайд">
     <p:spTree>
       <p:nvGrpSpPr>
@@ -2254,7 +2336,7 @@
             <a:fld id="{BB1F31F3-0360-43B5-86CD-504C03F637A7}" type="datetimeFigureOut">
               <a:rPr lang="ru-RU" smtClean="0"/>
               <a:pPr/>
-              <a:t>23.02.2020</a:t>
+              <a:t>11.05.2020</a:t>
             </a:fld>
             <a:endParaRPr lang="ru-RU"/>
           </a:p>
@@ -2289,23 +2371,10 @@
             <p:ph type="sldNum" sz="quarter" idx="12"/>
           </p:nvPr>
         </p:nvSpPr>
-        <p:spPr>
-          <a:xfrm>
-            <a:off x="0" y="6248400"/>
-            <a:ext cx="533400" cy="381000"/>
-          </a:xfrm>
-        </p:spPr>
+        <p:spPr/>
         <p:txBody>
           <a:bodyPr/>
-          <a:lstStyle>
-            <a:lvl1pPr>
-              <a:defRPr>
-                <a:solidFill>
-                  <a:schemeClr val="tx2"/>
-                </a:solidFill>
-              </a:defRPr>
-            </a:lvl1pPr>
-          </a:lstStyle>
+          <a:lstStyle/>
           <a:p>
             <a:fld id="{658B4CCF-D62D-4FC6-AD36-4F468D42B64C}" type="slidenum">
               <a:rPr lang="ru-RU" smtClean="0"/>
@@ -2353,99 +2422,28 @@
         </p:nvSpPr>
         <p:spPr>
           <a:xfrm>
-            <a:off x="609600" y="273051"/>
-            <a:ext cx="8077200" cy="869950"/>
+            <a:off x="457200" y="1185528"/>
+            <a:ext cx="3200400" cy="730250"/>
           </a:xfrm>
         </p:spPr>
         <p:txBody>
-          <a:bodyPr anchor="ctr"/>
+          <a:bodyPr tIns="0" bIns="0" anchor="t"/>
           <a:lstStyle>
             <a:lvl1pPr algn="l">
               <a:buNone/>
-              <a:defRPr sz="4400" b="0"/>
-            </a:lvl1pPr>
-          </a:lstStyle>
-          <a:p>
-            <a:r>
-              <a:rPr kumimoji="0" lang="ru-RU" smtClean="0"/>
-              <a:t>Образец заголовка</a:t>
-            </a:r>
-            <a:endParaRPr kumimoji="0" lang="en-US"/>
-          </a:p>
-        </p:txBody>
-      </p:sp>
-      <p:sp>
-        <p:nvSpPr>
-          <p:cNvPr id="5" name="Дата 4"/>
-          <p:cNvSpPr>
-            <a:spLocks noGrp="1"/>
-          </p:cNvSpPr>
-          <p:nvPr>
-            <p:ph type="dt" sz="half" idx="10"/>
-          </p:nvPr>
-        </p:nvSpPr>
-        <p:spPr/>
-        <p:txBody>
-          <a:bodyPr/>
-          <a:lstStyle/>
-          <a:p>
-            <a:fld id="{BB1F31F3-0360-43B5-86CD-504C03F637A7}" type="datetimeFigureOut">
-              <a:rPr lang="ru-RU" smtClean="0"/>
-              <a:pPr/>
-              <a:t>23.02.2020</a:t>
-            </a:fld>
-            <a:endParaRPr lang="ru-RU"/>
-          </a:p>
-        </p:txBody>
-      </p:sp>
-      <p:sp>
-        <p:nvSpPr>
-          <p:cNvPr id="6" name="Нижний колонтитул 5"/>
-          <p:cNvSpPr>
-            <a:spLocks noGrp="1"/>
-          </p:cNvSpPr>
-          <p:nvPr>
-            <p:ph type="ftr" sz="quarter" idx="11"/>
-          </p:nvPr>
-        </p:nvSpPr>
-        <p:spPr/>
-        <p:txBody>
-          <a:bodyPr/>
-          <a:lstStyle/>
-          <a:p>
-            <a:endParaRPr lang="ru-RU"/>
-          </a:p>
-        </p:txBody>
-      </p:sp>
-      <p:sp>
-        <p:nvSpPr>
-          <p:cNvPr id="7" name="Номер слайда 6"/>
-          <p:cNvSpPr>
-            <a:spLocks noGrp="1"/>
-          </p:cNvSpPr>
-          <p:nvPr>
-            <p:ph type="sldNum" sz="quarter" idx="12"/>
-          </p:nvPr>
-        </p:nvSpPr>
-        <p:spPr/>
-        <p:txBody>
-          <a:bodyPr/>
-          <a:lstStyle>
-            <a:lvl1pPr>
-              <a:defRPr>
+              <a:defRPr sz="1800" b="1">
                 <a:solidFill>
-                  <a:srgbClr val="FFFFFF"/>
+                  <a:schemeClr val="accent1"/>
                 </a:solidFill>
               </a:defRPr>
             </a:lvl1pPr>
           </a:lstStyle>
           <a:p>
-            <a:fld id="{658B4CCF-D62D-4FC6-AD36-4F468D42B64C}" type="slidenum">
-              <a:rPr lang="ru-RU" smtClean="0"/>
-              <a:pPr/>
-              <a:t>‹#›</a:t>
-            </a:fld>
-            <a:endParaRPr lang="ru-RU"/>
+            <a:r>
+              <a:rPr kumimoji="0" lang="ru-RU" smtClean="0"/>
+              <a:t>Образец заголовка</a:t>
+            </a:r>
+            <a:endParaRPr kumimoji="0" lang="en-US"/>
           </a:p>
         </p:txBody>
       </p:sp>
@@ -2461,41 +2459,16 @@
         </p:nvSpPr>
         <p:spPr>
           <a:xfrm>
-            <a:off x="609600" y="1752600"/>
-            <a:ext cx="1600200" cy="4343400"/>
+            <a:off x="457200" y="214424"/>
+            <a:ext cx="2743200" cy="914400"/>
           </a:xfrm>
-          <a:ln w="50800" cap="sq" cmpd="dbl" algn="ctr">
-            <a:solidFill>
-              <a:schemeClr val="accent2"/>
-            </a:solidFill>
-            <a:prstDash val="solid"/>
-            <a:miter lim="800000"/>
-          </a:ln>
-          <a:effectLst/>
         </p:spPr>
-        <p:style>
-          <a:lnRef idx="3">
-            <a:schemeClr val="lt1"/>
-          </a:lnRef>
-          <a:fillRef idx="1">
-            <a:schemeClr val="accent2"/>
-          </a:fillRef>
-          <a:effectRef idx="1">
-            <a:schemeClr val="accent2"/>
-          </a:effectRef>
-          <a:fontRef idx="minor">
-            <a:schemeClr val="lt1"/>
-          </a:fontRef>
-        </p:style>
-        <p:txBody>
-          <a:bodyPr lIns="137160" tIns="182880" rIns="137160" bIns="91440"/>
+        <p:txBody>
+          <a:bodyPr lIns="45720" tIns="0" rIns="45720" bIns="0" anchor="b"/>
           <a:lstStyle>
-            <a:lvl1pPr marL="0" indent="0">
-              <a:spcAft>
-                <a:spcPts val="1000"/>
-              </a:spcAft>
+            <a:lvl1pPr marL="0" indent="0" algn="l">
               <a:buNone/>
-              <a:defRPr sz="1800"/>
+              <a:defRPr sz="1400"/>
             </a:lvl1pPr>
             <a:lvl2pPr>
               <a:buNone/>
@@ -2525,23 +2498,39 @@
       </p:sp>
       <p:sp>
         <p:nvSpPr>
-          <p:cNvPr id="9" name="Содержимое 8"/>
-          <p:cNvSpPr>
-            <a:spLocks noGrp="1"/>
-          </p:cNvSpPr>
-          <p:nvPr>
-            <p:ph sz="quarter" idx="1"/>
+          <p:cNvPr id="4" name="Содержимое 3"/>
+          <p:cNvSpPr>
+            <a:spLocks noGrp="1"/>
+          </p:cNvSpPr>
+          <p:nvPr>
+            <p:ph sz="half" idx="1"/>
           </p:nvPr>
         </p:nvSpPr>
         <p:spPr>
           <a:xfrm>
-            <a:off x="2362200" y="1752600"/>
-            <a:ext cx="6400800" cy="4419600"/>
+            <a:off x="457200" y="1981200"/>
+            <a:ext cx="7086600" cy="3810000"/>
           </a:xfrm>
         </p:spPr>
         <p:txBody>
           <a:bodyPr/>
-          <a:lstStyle/>
+          <a:lstStyle>
+            <a:lvl1pPr>
+              <a:defRPr sz="2800"/>
+            </a:lvl1pPr>
+            <a:lvl2pPr>
+              <a:defRPr sz="2400"/>
+            </a:lvl2pPr>
+            <a:lvl3pPr>
+              <a:defRPr sz="2200"/>
+            </a:lvl3pPr>
+            <a:lvl4pPr>
+              <a:defRPr sz="2000"/>
+            </a:lvl4pPr>
+            <a:lvl5pPr>
+              <a:defRPr sz="2000"/>
+            </a:lvl5pPr>
+          </a:lstStyle>
           <a:p>
             <a:pPr lvl="0" eaLnBrk="1" latinLnBrk="0" hangingPunct="1"/>
             <a:r>
@@ -2577,6 +2566,78 @@
               <a:t>Пятый уровень</a:t>
             </a:r>
             <a:endParaRPr kumimoji="0" lang="en-US"/>
+          </a:p>
+        </p:txBody>
+      </p:sp>
+      <p:sp>
+        <p:nvSpPr>
+          <p:cNvPr id="5" name="Дата 4"/>
+          <p:cNvSpPr>
+            <a:spLocks noGrp="1"/>
+          </p:cNvSpPr>
+          <p:nvPr>
+            <p:ph type="dt" sz="half" idx="10"/>
+          </p:nvPr>
+        </p:nvSpPr>
+        <p:spPr/>
+        <p:txBody>
+          <a:bodyPr/>
+          <a:lstStyle/>
+          <a:p>
+            <a:fld id="{BB1F31F3-0360-43B5-86CD-504C03F637A7}" type="datetimeFigureOut">
+              <a:rPr lang="ru-RU" smtClean="0"/>
+              <a:pPr/>
+              <a:t>11.05.2020</a:t>
+            </a:fld>
+            <a:endParaRPr lang="ru-RU"/>
+          </a:p>
+        </p:txBody>
+      </p:sp>
+      <p:sp>
+        <p:nvSpPr>
+          <p:cNvPr id="6" name="Нижний колонтитул 5"/>
+          <p:cNvSpPr>
+            <a:spLocks noGrp="1"/>
+          </p:cNvSpPr>
+          <p:nvPr>
+            <p:ph type="ftr" sz="quarter" idx="11"/>
+          </p:nvPr>
+        </p:nvSpPr>
+        <p:spPr/>
+        <p:txBody>
+          <a:bodyPr/>
+          <a:lstStyle/>
+          <a:p>
+            <a:endParaRPr lang="ru-RU"/>
+          </a:p>
+        </p:txBody>
+      </p:sp>
+      <p:sp>
+        <p:nvSpPr>
+          <p:cNvPr id="7" name="Номер слайда 6"/>
+          <p:cNvSpPr>
+            <a:spLocks noGrp="1"/>
+          </p:cNvSpPr>
+          <p:nvPr>
+            <p:ph type="sldNum" sz="quarter" idx="12"/>
+          </p:nvPr>
+        </p:nvSpPr>
+        <p:spPr>
+          <a:xfrm>
+            <a:off x="8156448" y="6422064"/>
+            <a:ext cx="762000" cy="365125"/>
+          </a:xfrm>
+        </p:spPr>
+        <p:txBody>
+          <a:bodyPr/>
+          <a:lstStyle/>
+          <a:p>
+            <a:fld id="{658B4CCF-D62D-4FC6-AD36-4F468D42B64C}" type="slidenum">
+              <a:rPr lang="ru-RU" smtClean="0"/>
+              <a:pPr/>
+              <a:t>‹#›</a:t>
+            </a:fld>
+            <a:endParaRPr lang="ru-RU"/>
           </a:p>
         </p:txBody>
       </p:sp>
@@ -2591,11 +2652,6 @@
 <file path=ppt/slideLayouts/slideLayout9.xml><?xml version="1.0" encoding="utf-8"?>
 <p:sldLayout xmlns:a="http://schemas.openxmlformats.org/drawingml/2006/main" xmlns:r="http://schemas.openxmlformats.org/officeDocument/2006/relationships" xmlns:p="http://schemas.openxmlformats.org/presentationml/2006/main" showMasterSp="0" type="picTx" preserve="1">
   <p:cSld name="Рисунок с подписью">
-    <p:bg>
-      <p:bgRef idx="1003">
-        <a:schemeClr val="bg2"/>
-      </p:bgRef>
-    </p:bg>
     <p:spTree>
       <p:nvGrpSpPr>
         <p:cNvPr id="1" name=""/>
@@ -2612,27 +2668,132 @@
       </p:grpSpPr>
       <p:sp>
         <p:nvSpPr>
-          <p:cNvPr id="4" name="Текст 3"/>
-          <p:cNvSpPr>
-            <a:spLocks noGrp="1"/>
-          </p:cNvSpPr>
-          <p:nvPr>
-            <p:ph type="body" sz="half" idx="2"/>
+          <p:cNvPr id="2" name="Заголовок 1"/>
+          <p:cNvSpPr>
+            <a:spLocks noGrp="1"/>
+          </p:cNvSpPr>
+          <p:nvPr>
+            <p:ph type="title"/>
           </p:nvPr>
         </p:nvSpPr>
         <p:spPr>
           <a:xfrm>
-            <a:off x="1600200" y="5486400"/>
-            <a:ext cx="7315200" cy="685800"/>
+            <a:off x="5556732" y="1705709"/>
+            <a:ext cx="3053868" cy="1253808"/>
           </a:xfrm>
         </p:spPr>
         <p:txBody>
+          <a:bodyPr anchor="b"/>
+          <a:lstStyle>
+            <a:lvl1pPr algn="l">
+              <a:buNone/>
+              <a:defRPr sz="2200" b="1">
+                <a:solidFill>
+                  <a:schemeClr val="accent1"/>
+                </a:solidFill>
+              </a:defRPr>
+            </a:lvl1pPr>
+          </a:lstStyle>
+          <a:p>
+            <a:r>
+              <a:rPr kumimoji="0" lang="ru-RU" smtClean="0"/>
+              <a:t>Образец заголовка</a:t>
+            </a:r>
+            <a:endParaRPr kumimoji="0" lang="en-US"/>
+          </a:p>
+        </p:txBody>
+      </p:sp>
+      <p:sp>
+        <p:nvSpPr>
+          <p:cNvPr id="3" name="Рисунок 2"/>
+          <p:cNvSpPr>
+            <a:spLocks noGrp="1"/>
+          </p:cNvSpPr>
+          <p:nvPr>
+            <p:ph type="pic" idx="1"/>
+          </p:nvPr>
+        </p:nvSpPr>
+        <p:spPr>
+          <a:xfrm>
+            <a:off x="1065628" y="1019907"/>
+            <a:ext cx="4114800" cy="4114800"/>
+          </a:xfrm>
+          <a:prstGeom prst="ellipse">
+            <a:avLst/>
+          </a:prstGeom>
+          <a:solidFill>
+            <a:schemeClr val="bg2">
+              <a:shade val="50000"/>
+            </a:schemeClr>
+          </a:solidFill>
+          <a:ln w="50800" cap="flat">
+            <a:solidFill>
+              <a:schemeClr val="bg2"/>
+            </a:solidFill>
+            <a:miter lim="800000"/>
+          </a:ln>
+          <a:effectLst>
+            <a:outerShdw blurRad="152000" dist="345000" dir="5400000" sx="-80000" sy="-18000" rotWithShape="0">
+              <a:srgbClr val="000000">
+                <a:alpha val="25000"/>
+              </a:srgbClr>
+            </a:outerShdw>
+          </a:effectLst>
+          <a:scene3d>
+            <a:camera prst="orthographicFront"/>
+            <a:lightRig rig="contrasting" dir="t">
+              <a:rot lat="0" lon="0" rev="2400000"/>
+            </a:lightRig>
+          </a:scene3d>
+          <a:sp3d contourW="7620">
+            <a:bevelT w="63500" h="63500"/>
+            <a:contourClr>
+              <a:schemeClr val="bg2">
+                <a:shade val="50000"/>
+              </a:schemeClr>
+            </a:contourClr>
+          </a:sp3d>
+        </p:spPr>
+        <p:txBody>
           <a:bodyPr/>
+          <a:lstStyle>
+            <a:lvl1pPr marL="0" indent="0">
+              <a:buNone/>
+              <a:defRPr sz="3200"/>
+            </a:lvl1pPr>
+          </a:lstStyle>
+          <a:p>
+            <a:r>
+              <a:rPr kumimoji="0" lang="ru-RU" smtClean="0"/>
+              <a:t>Вставка рисунка</a:t>
+            </a:r>
+            <a:endParaRPr kumimoji="0" lang="en-US" dirty="0"/>
+          </a:p>
+        </p:txBody>
+      </p:sp>
+      <p:sp>
+        <p:nvSpPr>
+          <p:cNvPr id="4" name="Текст 3"/>
+          <p:cNvSpPr>
+            <a:spLocks noGrp="1"/>
+          </p:cNvSpPr>
+          <p:nvPr>
+            <p:ph type="body" sz="half" idx="2"/>
+          </p:nvPr>
+        </p:nvSpPr>
+        <p:spPr>
+          <a:xfrm>
+            <a:off x="5556734" y="2998765"/>
+            <a:ext cx="3053866" cy="2663482"/>
+          </a:xfrm>
+        </p:spPr>
+        <p:txBody>
+          <a:bodyPr lIns="45720" rIns="45720"/>
           <a:lstStyle>
             <a:lvl1pPr marL="0" indent="0">
               <a:buFontTx/>
               <a:buNone/>
-              <a:defRPr sz="1700"/>
+              <a:defRPr sz="1200"/>
             </a:lvl1pPr>
             <a:lvl2pPr>
               <a:buFontTx/>
@@ -2666,253 +2827,28 @@
       </p:sp>
       <p:sp>
         <p:nvSpPr>
-          <p:cNvPr id="8" name="Прямоугольник 7"/>
-          <p:cNvSpPr/>
-          <p:nvPr/>
-        </p:nvSpPr>
-        <p:spPr bwMode="white">
-          <a:xfrm>
-            <a:off x="-9144" y="4572000"/>
-            <a:ext cx="9144000" cy="886968"/>
-          </a:xfrm>
-          <a:prstGeom prst="rect">
-            <a:avLst/>
-          </a:prstGeom>
-          <a:solidFill>
-            <a:srgbClr val="FFFFFF"/>
-          </a:solidFill>
-          <a:ln w="50800" cap="rnd" cmpd="dbl" algn="ctr">
-            <a:noFill/>
-            <a:prstDash val="solid"/>
-          </a:ln>
-          <a:effectLst/>
-        </p:spPr>
-        <p:style>
-          <a:lnRef idx="3">
-            <a:schemeClr val="lt1"/>
-          </a:lnRef>
-          <a:fillRef idx="1">
-            <a:schemeClr val="accent1"/>
-          </a:fillRef>
-          <a:effectRef idx="1">
-            <a:schemeClr val="accent1"/>
-          </a:effectRef>
-          <a:fontRef idx="minor">
-            <a:schemeClr val="lt1"/>
-          </a:fontRef>
-        </p:style>
-        <p:txBody>
-          <a:bodyPr anchor="ctr"/>
-          <a:lstStyle/>
-          <a:p>
-            <a:pPr algn="ctr" eaLnBrk="1" latinLnBrk="0" hangingPunct="1"/>
-            <a:endParaRPr kumimoji="0" lang="en-US"/>
-          </a:p>
-        </p:txBody>
-      </p:sp>
-      <p:sp>
-        <p:nvSpPr>
-          <p:cNvPr id="9" name="Прямоугольник 8"/>
-          <p:cNvSpPr/>
-          <p:nvPr/>
+          <p:cNvPr id="5" name="Дата 4"/>
+          <p:cNvSpPr>
+            <a:spLocks noGrp="1"/>
+          </p:cNvSpPr>
+          <p:nvPr>
+            <p:ph type="dt" sz="half" idx="10"/>
+          </p:nvPr>
         </p:nvSpPr>
         <p:spPr>
           <a:xfrm>
-            <a:off x="-9144" y="4663440"/>
-            <a:ext cx="1463040" cy="713232"/>
-          </a:xfrm>
-          <a:prstGeom prst="rect">
-            <a:avLst/>
-          </a:prstGeom>
-          <a:solidFill>
-            <a:schemeClr val="accent2">
-              <a:alpha val="100000"/>
-            </a:schemeClr>
-          </a:solidFill>
-          <a:ln w="50800" cap="rnd" cmpd="dbl" algn="ctr">
-            <a:noFill/>
-            <a:prstDash val="solid"/>
-          </a:ln>
-          <a:effectLst/>
-        </p:spPr>
-        <p:style>
-          <a:lnRef idx="3">
-            <a:schemeClr val="lt1"/>
-          </a:lnRef>
-          <a:fillRef idx="1">
-            <a:schemeClr val="accent1"/>
-          </a:fillRef>
-          <a:effectRef idx="1">
-            <a:schemeClr val="accent1"/>
-          </a:effectRef>
-          <a:fontRef idx="minor">
-            <a:schemeClr val="lt1"/>
-          </a:fontRef>
-        </p:style>
-        <p:txBody>
-          <a:bodyPr anchor="ctr"/>
-          <a:lstStyle/>
-          <a:p>
-            <a:pPr algn="ctr" eaLnBrk="1" latinLnBrk="0" hangingPunct="1"/>
-            <a:endParaRPr kumimoji="0" lang="en-US"/>
-          </a:p>
-        </p:txBody>
-      </p:sp>
-      <p:sp>
-        <p:nvSpPr>
-          <p:cNvPr id="10" name="Прямоугольник 9"/>
-          <p:cNvSpPr/>
-          <p:nvPr/>
-        </p:nvSpPr>
-        <p:spPr>
-          <a:xfrm>
-            <a:off x="1545336" y="4654296"/>
-            <a:ext cx="7598664" cy="713232"/>
-          </a:xfrm>
-          <a:prstGeom prst="rect">
-            <a:avLst/>
-          </a:prstGeom>
-          <a:solidFill>
-            <a:schemeClr val="accent1">
-              <a:alpha val="100000"/>
-            </a:schemeClr>
-          </a:solidFill>
-          <a:ln w="50800" cap="rnd" cmpd="dbl" algn="ctr">
-            <a:noFill/>
-            <a:prstDash val="solid"/>
-          </a:ln>
-          <a:effectLst/>
-        </p:spPr>
-        <p:style>
-          <a:lnRef idx="3">
-            <a:schemeClr val="lt1"/>
-          </a:lnRef>
-          <a:fillRef idx="1">
-            <a:schemeClr val="accent1"/>
-          </a:fillRef>
-          <a:effectRef idx="1">
-            <a:schemeClr val="accent1"/>
-          </a:effectRef>
-          <a:fontRef idx="minor">
-            <a:schemeClr val="lt1"/>
-          </a:fontRef>
-        </p:style>
-        <p:txBody>
-          <a:bodyPr anchor="ctr"/>
-          <a:lstStyle/>
-          <a:p>
-            <a:pPr algn="ctr" eaLnBrk="1" latinLnBrk="0" hangingPunct="1"/>
-            <a:endParaRPr kumimoji="0" lang="en-US"/>
-          </a:p>
-        </p:txBody>
-      </p:sp>
-      <p:sp>
-        <p:nvSpPr>
-          <p:cNvPr id="2" name="Заголовок 1"/>
-          <p:cNvSpPr>
-            <a:spLocks noGrp="1"/>
-          </p:cNvSpPr>
-          <p:nvPr>
-            <p:ph type="title"/>
-          </p:nvPr>
-        </p:nvSpPr>
-        <p:spPr>
-          <a:xfrm>
-            <a:off x="1600200" y="4648200"/>
-            <a:ext cx="7315200" cy="685800"/>
+            <a:off x="457200" y="6422064"/>
+            <a:ext cx="2133600" cy="365125"/>
           </a:xfrm>
         </p:spPr>
         <p:txBody>
-          <a:bodyPr anchor="ctr"/>
-          <a:lstStyle>
-            <a:lvl1pPr algn="l">
-              <a:buNone/>
-              <a:defRPr sz="2800" b="0">
-                <a:solidFill>
-                  <a:srgbClr val="FFFFFF"/>
-                </a:solidFill>
-              </a:defRPr>
-            </a:lvl1pPr>
-          </a:lstStyle>
-          <a:p>
-            <a:r>
-              <a:rPr kumimoji="0" lang="ru-RU" smtClean="0"/>
-              <a:t>Образец заголовка</a:t>
-            </a:r>
-            <a:endParaRPr kumimoji="0" lang="en-US"/>
-          </a:p>
-        </p:txBody>
-      </p:sp>
-      <p:sp>
-        <p:nvSpPr>
-          <p:cNvPr id="11" name="Прямоугольник 10"/>
-          <p:cNvSpPr/>
-          <p:nvPr/>
-        </p:nvSpPr>
-        <p:spPr bwMode="white">
-          <a:xfrm>
-            <a:off x="1447800" y="0"/>
-            <a:ext cx="100584" cy="6867144"/>
-          </a:xfrm>
-          <a:prstGeom prst="rect">
-            <a:avLst/>
-          </a:prstGeom>
-          <a:solidFill>
-            <a:srgbClr val="FFFFFF"/>
-          </a:solidFill>
-          <a:ln w="50800" cap="rnd" cmpd="dbl" algn="ctr">
-            <a:noFill/>
-            <a:prstDash val="solid"/>
-          </a:ln>
-          <a:effectLst/>
-        </p:spPr>
-        <p:style>
-          <a:lnRef idx="3">
-            <a:schemeClr val="lt1"/>
-          </a:lnRef>
-          <a:fillRef idx="1">
-            <a:schemeClr val="accent1"/>
-          </a:fillRef>
-          <a:effectRef idx="1">
-            <a:schemeClr val="accent1"/>
-          </a:effectRef>
-          <a:fontRef idx="minor">
-            <a:schemeClr val="lt1"/>
-          </a:fontRef>
-        </p:style>
-        <p:txBody>
-          <a:bodyPr anchor="ctr"/>
-          <a:lstStyle/>
-          <a:p>
-            <a:pPr algn="ctr" eaLnBrk="1" latinLnBrk="0" hangingPunct="1"/>
-            <a:endParaRPr kumimoji="0" lang="en-US"/>
-          </a:p>
-        </p:txBody>
-      </p:sp>
-      <p:sp>
-        <p:nvSpPr>
-          <p:cNvPr id="12" name="Дата 11"/>
-          <p:cNvSpPr>
-            <a:spLocks noGrp="1"/>
-          </p:cNvSpPr>
-          <p:nvPr>
-            <p:ph type="dt" sz="half" idx="10"/>
-          </p:nvPr>
-        </p:nvSpPr>
-        <p:spPr>
-          <a:xfrm>
-            <a:off x="6248400" y="6248401"/>
-            <a:ext cx="2667000" cy="365125"/>
-          </a:xfrm>
-        </p:spPr>
-        <p:txBody>
-          <a:bodyPr rtlCol="0"/>
+          <a:bodyPr/>
           <a:lstStyle/>
           <a:p>
             <a:fld id="{BB1F31F3-0360-43B5-86CD-504C03F637A7}" type="datetimeFigureOut">
               <a:rPr lang="ru-RU" smtClean="0"/>
               <a:pPr/>
-              <a:t>23.02.2020</a:t>
+              <a:t>11.05.2020</a:t>
             </a:fld>
             <a:endParaRPr lang="ru-RU"/>
           </a:p>
@@ -2920,27 +2856,37 @@
       </p:sp>
       <p:sp>
         <p:nvSpPr>
-          <p:cNvPr id="13" name="Номер слайда 12"/>
-          <p:cNvSpPr>
-            <a:spLocks noGrp="1"/>
-          </p:cNvSpPr>
-          <p:nvPr>
-            <p:ph type="sldNum" sz="quarter" idx="11"/>
-          </p:nvPr>
-        </p:nvSpPr>
-        <p:spPr>
-          <a:xfrm>
-            <a:off x="0" y="4667250"/>
-            <a:ext cx="1447800" cy="663578"/>
-          </a:xfrm>
-        </p:spPr>
-        <p:txBody>
-          <a:bodyPr rtlCol="0"/>
-          <a:lstStyle>
-            <a:lvl1pPr>
-              <a:defRPr sz="2800"/>
-            </a:lvl1pPr>
-          </a:lstStyle>
+          <p:cNvPr id="6" name="Нижний колонтитул 5"/>
+          <p:cNvSpPr>
+            <a:spLocks noGrp="1"/>
+          </p:cNvSpPr>
+          <p:nvPr>
+            <p:ph type="ftr" sz="quarter" idx="11"/>
+          </p:nvPr>
+        </p:nvSpPr>
+        <p:spPr/>
+        <p:txBody>
+          <a:bodyPr/>
+          <a:lstStyle/>
+          <a:p>
+            <a:endParaRPr lang="ru-RU"/>
+          </a:p>
+        </p:txBody>
+      </p:sp>
+      <p:sp>
+        <p:nvSpPr>
+          <p:cNvPr id="7" name="Номер слайда 6"/>
+          <p:cNvSpPr>
+            <a:spLocks noGrp="1"/>
+          </p:cNvSpPr>
+          <p:nvPr>
+            <p:ph type="sldNum" sz="quarter" idx="12"/>
+          </p:nvPr>
+        </p:nvSpPr>
+        <p:spPr/>
+        <p:txBody>
+          <a:bodyPr/>
+          <a:lstStyle/>
           <a:p>
             <a:fld id="{658B4CCF-D62D-4FC6-AD36-4F468D42B64C}" type="slidenum">
               <a:rPr lang="ru-RU" smtClean="0"/>
@@ -2951,75 +2897,10 @@
           </a:p>
         </p:txBody>
       </p:sp>
-      <p:sp>
-        <p:nvSpPr>
-          <p:cNvPr id="14" name="Нижний колонтитул 13"/>
-          <p:cNvSpPr>
-            <a:spLocks noGrp="1"/>
-          </p:cNvSpPr>
-          <p:nvPr>
-            <p:ph type="ftr" sz="quarter" idx="12"/>
-          </p:nvPr>
-        </p:nvSpPr>
-        <p:spPr>
-          <a:xfrm>
-            <a:off x="1600200" y="6248207"/>
-            <a:ext cx="4572000" cy="365125"/>
-          </a:xfrm>
-        </p:spPr>
-        <p:txBody>
-          <a:bodyPr rtlCol="0"/>
-          <a:lstStyle/>
-          <a:p>
-            <a:endParaRPr lang="ru-RU"/>
-          </a:p>
-        </p:txBody>
-      </p:sp>
-      <p:sp>
-        <p:nvSpPr>
-          <p:cNvPr id="3" name="Рисунок 2"/>
-          <p:cNvSpPr>
-            <a:spLocks noGrp="1"/>
-          </p:cNvSpPr>
-          <p:nvPr>
-            <p:ph type="pic" idx="1"/>
-          </p:nvPr>
-        </p:nvSpPr>
-        <p:spPr>
-          <a:xfrm>
-            <a:off x="1560576" y="0"/>
-            <a:ext cx="7583424" cy="4568952"/>
-          </a:xfrm>
-          <a:solidFill>
-            <a:schemeClr val="accent1">
-              <a:tint val="40000"/>
-            </a:schemeClr>
-          </a:solidFill>
-          <a:ln>
-            <a:noFill/>
-          </a:ln>
-        </p:spPr>
-        <p:txBody>
-          <a:bodyPr/>
-          <a:lstStyle>
-            <a:lvl1pPr marL="0" indent="0">
-              <a:buNone/>
-              <a:defRPr sz="3200"/>
-            </a:lvl1pPr>
-          </a:lstStyle>
-          <a:p>
-            <a:r>
-              <a:rPr kumimoji="0" lang="ru-RU" smtClean="0"/>
-              <a:t>Вставка рисунка</a:t>
-            </a:r>
-            <a:endParaRPr kumimoji="0" lang="en-US" dirty="0"/>
-          </a:p>
-        </p:txBody>
-      </p:sp>
     </p:spTree>
   </p:cSld>
   <p:clrMapOvr>
-    <a:overrideClrMapping bg1="lt1" tx1="dk1" bg2="lt2" tx2="dk2" accent1="accent1" accent2="accent2" accent3="accent3" accent4="accent4" accent5="accent5" accent6="accent6" hlink="hlink" folHlink="folHlink"/>
+    <a:masterClrMapping/>
   </p:clrMapOvr>
 </p:sldLayout>
 </file>
@@ -3029,7 +2910,7 @@
   <p:cSld>
     <p:bg>
       <p:bgRef idx="1001">
-        <a:schemeClr val="bg1"/>
+        <a:schemeClr val="bg2"/>
       </p:bgRef>
     </p:bg>
     <p:spTree>
@@ -3048,7 +2929,203 @@
       </p:grpSpPr>
       <p:sp>
         <p:nvSpPr>
-          <p:cNvPr id="22" name="Заголовок 21"/>
+          <p:cNvPr id="12" name="Полилиния 11"/>
+          <p:cNvSpPr>
+            <a:spLocks/>
+          </p:cNvSpPr>
+          <p:nvPr/>
+        </p:nvSpPr>
+        <p:spPr bwMode="auto">
+          <a:xfrm>
+            <a:off x="0" y="4752126"/>
+            <a:ext cx="9144000" cy="2112962"/>
+          </a:xfrm>
+          <a:custGeom>
+            <a:avLst>
+              <a:gd name="A1" fmla="val 0"/>
+              <a:gd name="A2" fmla="val 0"/>
+              <a:gd name="A3" fmla="val 0"/>
+              <a:gd name="A4" fmla="val 0"/>
+              <a:gd name="A5" fmla="val 0"/>
+              <a:gd name="A6" fmla="val 0"/>
+              <a:gd name="A7" fmla="val 0"/>
+              <a:gd name="A8" fmla="val 0"/>
+            </a:avLst>
+            <a:gdLst/>
+            <a:ahLst/>
+            <a:cxnLst>
+              <a:cxn ang="0">
+                <a:pos x="0" y="1066"/>
+              </a:cxn>
+              <a:cxn ang="0">
+                <a:pos x="0" y="1331"/>
+              </a:cxn>
+              <a:cxn ang="0">
+                <a:pos x="5760" y="1331"/>
+              </a:cxn>
+              <a:cxn ang="0">
+                <a:pos x="5760" y="0"/>
+              </a:cxn>
+              <a:cxn ang="0">
+                <a:pos x="0" y="1066"/>
+              </a:cxn>
+            </a:cxnLst>
+            <a:rect l="0" t="0" r="0" b="0"/>
+            <a:pathLst>
+              <a:path w="5760" h="1331">
+                <a:moveTo>
+                  <a:pt x="0" y="1066"/>
+                </a:moveTo>
+                <a:lnTo>
+                  <a:pt x="0" y="1331"/>
+                </a:lnTo>
+                <a:lnTo>
+                  <a:pt x="5760" y="1331"/>
+                </a:lnTo>
+                <a:lnTo>
+                  <a:pt x="5760" y="0"/>
+                </a:lnTo>
+                <a:cubicBezTo>
+                  <a:pt x="3220" y="1206"/>
+                  <a:pt x="2250" y="1146"/>
+                  <a:pt x="0" y="1066"/>
+                </a:cubicBezTo>
+                <a:close/>
+              </a:path>
+            </a:pathLst>
+          </a:custGeom>
+          <a:solidFill>
+            <a:schemeClr val="bg1">
+              <a:tint val="80000"/>
+              <a:satMod val="200000"/>
+              <a:alpha val="45000"/>
+            </a:schemeClr>
+          </a:solidFill>
+          <a:ln w="9525" cap="flat" cmpd="sng" algn="ctr">
+            <a:noFill/>
+            <a:prstDash val="solid"/>
+            <a:round/>
+            <a:headEnd type="none" w="med" len="med"/>
+            <a:tailEnd type="none" w="med" len="med"/>
+          </a:ln>
+          <a:effectLst>
+            <a:outerShdw blurRad="50800" dist="44450" dir="16200000" algn="ctr" rotWithShape="0">
+              <a:prstClr val="black">
+                <a:alpha val="35000"/>
+              </a:prstClr>
+            </a:outerShdw>
+          </a:effectLst>
+        </p:spPr>
+        <p:txBody>
+          <a:bodyPr vert="horz" wrap="square" lIns="91440" tIns="45720" rIns="91440" bIns="45720" anchor="t" compatLnSpc="1"/>
+          <a:lstStyle/>
+          <a:p>
+            <a:endParaRPr kumimoji="0" lang="en-US"/>
+          </a:p>
+        </p:txBody>
+      </p:sp>
+      <p:sp>
+        <p:nvSpPr>
+          <p:cNvPr id="16" name="Полилиния 15"/>
+          <p:cNvSpPr>
+            <a:spLocks/>
+          </p:cNvSpPr>
+          <p:nvPr/>
+        </p:nvSpPr>
+        <p:spPr bwMode="auto">
+          <a:xfrm>
+            <a:off x="7315200" y="0"/>
+            <a:ext cx="1828800" cy="6858000"/>
+          </a:xfrm>
+          <a:custGeom>
+            <a:avLst/>
+            <a:gdLst>
+              <a:gd name="connsiteX0" fmla="*/ 1914 w 1914"/>
+              <a:gd name="connsiteY0" fmla="*/ 9 h 4329"/>
+              <a:gd name="connsiteX1" fmla="*/ 1914 w 1914"/>
+              <a:gd name="connsiteY1" fmla="*/ 4329 h 4329"/>
+              <a:gd name="connsiteX2" fmla="*/ 204 w 1914"/>
+              <a:gd name="connsiteY2" fmla="*/ 4327 h 4329"/>
+              <a:gd name="connsiteX3" fmla="*/ 0 w 1914"/>
+              <a:gd name="connsiteY3" fmla="*/ 0 h 4329"/>
+              <a:gd name="connsiteX4" fmla="*/ 1914 w 1914"/>
+              <a:gd name="connsiteY4" fmla="*/ 9 h 4329"/>
+            </a:gdLst>
+            <a:ahLst/>
+            <a:cxnLst>
+              <a:cxn ang="0">
+                <a:pos x="connsiteX0" y="connsiteY0"/>
+              </a:cxn>
+              <a:cxn ang="0">
+                <a:pos x="connsiteX1" y="connsiteY1"/>
+              </a:cxn>
+              <a:cxn ang="0">
+                <a:pos x="connsiteX2" y="connsiteY2"/>
+              </a:cxn>
+              <a:cxn ang="0">
+                <a:pos x="connsiteX3" y="connsiteY3"/>
+              </a:cxn>
+              <a:cxn ang="0">
+                <a:pos x="connsiteX4" y="connsiteY4"/>
+              </a:cxn>
+            </a:cxnLst>
+            <a:rect l="l" t="t" r="r" b="b"/>
+            <a:pathLst>
+              <a:path w="1914" h="4329">
+                <a:moveTo>
+                  <a:pt x="1914" y="9"/>
+                </a:moveTo>
+                <a:lnTo>
+                  <a:pt x="1914" y="4329"/>
+                </a:lnTo>
+                <a:lnTo>
+                  <a:pt x="204" y="4327"/>
+                </a:lnTo>
+                <a:cubicBezTo>
+                  <a:pt x="1288" y="3574"/>
+                  <a:pt x="2082" y="1734"/>
+                  <a:pt x="0" y="0"/>
+                </a:cubicBezTo>
+                <a:lnTo>
+                  <a:pt x="1914" y="9"/>
+                </a:lnTo>
+                <a:close/>
+              </a:path>
+            </a:pathLst>
+          </a:custGeom>
+          <a:solidFill>
+            <a:schemeClr val="bg1">
+              <a:tint val="90000"/>
+              <a:satMod val="350000"/>
+              <a:alpha val="40000"/>
+            </a:schemeClr>
+          </a:solidFill>
+          <a:ln w="9525" cap="flat" cmpd="sng" algn="ctr">
+            <a:noFill/>
+            <a:prstDash val="solid"/>
+            <a:round/>
+            <a:headEnd type="none" w="med" len="med"/>
+            <a:tailEnd type="none" w="med" len="med"/>
+          </a:ln>
+          <a:effectLst>
+            <a:outerShdw blurRad="50800" dist="50800" dir="10800000" algn="ctr" rotWithShape="0">
+              <a:prstClr val="black">
+                <a:alpha val="45000"/>
+              </a:prstClr>
+            </a:outerShdw>
+          </a:effectLst>
+        </p:spPr>
+        <p:txBody>
+          <a:bodyPr vert="horz" wrap="square" lIns="91440" tIns="45720" rIns="91440" bIns="45720" anchor="t" compatLnSpc="1"/>
+          <a:lstStyle/>
+          <a:p>
+            <a:endParaRPr kumimoji="0" lang="en-US"/>
+          </a:p>
+        </p:txBody>
+      </p:sp>
+      <p:sp>
+        <p:nvSpPr>
+          <p:cNvPr id="9" name="Заголовок 8"/>
           <p:cNvSpPr>
             <a:spLocks noGrp="1"/>
           </p:cNvSpPr>
@@ -3058,15 +3135,15 @@
         </p:nvSpPr>
         <p:spPr>
           <a:xfrm>
-            <a:off x="609600" y="228600"/>
-            <a:ext cx="8153400" cy="990600"/>
+            <a:off x="457200" y="274638"/>
+            <a:ext cx="7467600" cy="1143000"/>
           </a:xfrm>
           <a:prstGeom prst="rect">
             <a:avLst/>
           </a:prstGeom>
         </p:spPr>
         <p:txBody>
-          <a:bodyPr vert="horz" anchor="ctr">
+          <a:bodyPr vert="horz" lIns="45720" rIns="45720" anchor="ctr">
             <a:normAutofit/>
           </a:bodyPr>
           <a:lstStyle/>
@@ -3081,7 +3158,7 @@
       </p:sp>
       <p:sp>
         <p:nvSpPr>
-          <p:cNvPr id="13" name="Текст 12"/>
+          <p:cNvPr id="30" name="Текст 29"/>
           <p:cNvSpPr>
             <a:spLocks noGrp="1"/>
           </p:cNvSpPr>
@@ -3091,8 +3168,8 @@
         </p:nvSpPr>
         <p:spPr>
           <a:xfrm>
-            <a:off x="612648" y="1600200"/>
-            <a:ext cx="8153400" cy="4526280"/>
+            <a:off x="457200" y="1600200"/>
+            <a:ext cx="7467600" cy="4525963"/>
           </a:xfrm>
           <a:prstGeom prst="rect">
             <a:avLst/>
@@ -3143,7 +3220,7 @@
       </p:sp>
       <p:sp>
         <p:nvSpPr>
-          <p:cNvPr id="14" name="Дата 13"/>
+          <p:cNvPr id="10" name="Дата 9"/>
           <p:cNvSpPr>
             <a:spLocks noGrp="1"/>
           </p:cNvSpPr>
@@ -3153,20 +3230,22 @@
         </p:nvSpPr>
         <p:spPr>
           <a:xfrm>
-            <a:off x="6096000" y="6248401"/>
-            <a:ext cx="2667000" cy="365125"/>
+            <a:off x="457200" y="6422064"/>
+            <a:ext cx="2133600" cy="365125"/>
           </a:xfrm>
           <a:prstGeom prst="rect">
             <a:avLst/>
           </a:prstGeom>
         </p:spPr>
         <p:txBody>
-          <a:bodyPr vert="horz" anchor="ctr" anchorCtr="0"/>
+          <a:bodyPr vert="horz" bIns="0" anchor="b"/>
           <a:lstStyle>
             <a:lvl1pPr algn="l" eaLnBrk="1" latinLnBrk="0" hangingPunct="1">
-              <a:defRPr kumimoji="0" sz="1400">
+              <a:defRPr kumimoji="0" sz="1000">
                 <a:solidFill>
-                  <a:schemeClr val="tx2"/>
+                  <a:schemeClr val="tx2">
+                    <a:shade val="50000"/>
+                  </a:schemeClr>
                 </a:solidFill>
               </a:defRPr>
             </a:lvl1pPr>
@@ -3175,7 +3254,7 @@
             <a:fld id="{BB1F31F3-0360-43B5-86CD-504C03F637A7}" type="datetimeFigureOut">
               <a:rPr lang="ru-RU" smtClean="0"/>
               <a:pPr/>
-              <a:t>23.02.2020</a:t>
+              <a:t>11.05.2020</a:t>
             </a:fld>
             <a:endParaRPr lang="ru-RU"/>
           </a:p>
@@ -3183,7 +3262,7 @@
       </p:sp>
       <p:sp>
         <p:nvSpPr>
-          <p:cNvPr id="3" name="Нижний колонтитул 2"/>
+          <p:cNvPr id="22" name="Нижний колонтитул 21"/>
           <p:cNvSpPr>
             <a:spLocks noGrp="1"/>
           </p:cNvSpPr>
@@ -3193,20 +3272,22 @@
         </p:nvSpPr>
         <p:spPr>
           <a:xfrm>
-            <a:off x="609601" y="6248207"/>
-            <a:ext cx="5421083" cy="365125"/>
+            <a:off x="3124200" y="6422064"/>
+            <a:ext cx="2895600" cy="365125"/>
           </a:xfrm>
           <a:prstGeom prst="rect">
             <a:avLst/>
           </a:prstGeom>
         </p:spPr>
         <p:txBody>
-          <a:bodyPr vert="horz" anchor="ctr"/>
+          <a:bodyPr vert="horz" lIns="0" rIns="0" bIns="0" anchor="b"/>
           <a:lstStyle>
-            <a:lvl1pPr algn="r" eaLnBrk="1" latinLnBrk="0" hangingPunct="1">
-              <a:defRPr kumimoji="0" sz="1400">
+            <a:lvl1pPr algn="ctr" eaLnBrk="1" latinLnBrk="0" hangingPunct="1">
+              <a:defRPr kumimoji="0" sz="1000">
                 <a:solidFill>
-                  <a:schemeClr val="tx2"/>
+                  <a:schemeClr val="tx2">
+                    <a:shade val="50000"/>
+                  </a:schemeClr>
                 </a:solidFill>
               </a:defRPr>
             </a:lvl1pPr>
@@ -3218,174 +3299,32 @@
       </p:sp>
       <p:sp>
         <p:nvSpPr>
-          <p:cNvPr id="7" name="Прямоугольник 6"/>
-          <p:cNvSpPr/>
-          <p:nvPr/>
-        </p:nvSpPr>
-        <p:spPr bwMode="white">
-          <a:xfrm>
-            <a:off x="0" y="1234440"/>
-            <a:ext cx="9144000" cy="320040"/>
-          </a:xfrm>
-          <a:prstGeom prst="rect">
-            <a:avLst/>
-          </a:prstGeom>
-          <a:solidFill>
-            <a:srgbClr val="FFFFFF"/>
-          </a:solidFill>
-          <a:ln w="50800" cap="rnd" cmpd="dbl" algn="ctr">
-            <a:noFill/>
-            <a:prstDash val="solid"/>
-          </a:ln>
-          <a:effectLst/>
-        </p:spPr>
-        <p:style>
-          <a:lnRef idx="3">
-            <a:schemeClr val="lt1"/>
-          </a:lnRef>
-          <a:fillRef idx="1">
-            <a:schemeClr val="accent1"/>
-          </a:fillRef>
-          <a:effectRef idx="1">
-            <a:schemeClr val="accent1"/>
-          </a:effectRef>
-          <a:fontRef idx="minor">
-            <a:schemeClr val="lt1"/>
-          </a:fontRef>
-        </p:style>
-        <p:txBody>
-          <a:bodyPr anchor="ctr"/>
-          <a:lstStyle/>
-          <a:p>
-            <a:pPr algn="ctr" eaLnBrk="1" latinLnBrk="0" hangingPunct="1"/>
-            <a:endParaRPr kumimoji="0" lang="en-US"/>
-          </a:p>
-        </p:txBody>
-      </p:sp>
-      <p:sp>
-        <p:nvSpPr>
-          <p:cNvPr id="8" name="Прямоугольник 7"/>
-          <p:cNvSpPr/>
-          <p:nvPr/>
+          <p:cNvPr id="18" name="Номер слайда 17"/>
+          <p:cNvSpPr>
+            <a:spLocks noGrp="1"/>
+          </p:cNvSpPr>
+          <p:nvPr>
+            <p:ph type="sldNum" sz="quarter" idx="4"/>
+          </p:nvPr>
         </p:nvSpPr>
         <p:spPr>
           <a:xfrm>
-            <a:off x="0" y="1280160"/>
-            <a:ext cx="533400" cy="228600"/>
-          </a:xfrm>
-          <a:prstGeom prst="rect">
-            <a:avLst/>
-          </a:prstGeom>
-          <a:solidFill>
-            <a:schemeClr val="accent2">
-              <a:alpha val="100000"/>
-            </a:schemeClr>
-          </a:solidFill>
-          <a:ln w="50800" cap="rnd" cmpd="dbl" algn="ctr">
-            <a:noFill/>
-            <a:prstDash val="solid"/>
-          </a:ln>
-          <a:effectLst/>
-        </p:spPr>
-        <p:style>
-          <a:lnRef idx="3">
-            <a:schemeClr val="lt1"/>
-          </a:lnRef>
-          <a:fillRef idx="1">
-            <a:schemeClr val="accent1"/>
-          </a:fillRef>
-          <a:effectRef idx="1">
-            <a:schemeClr val="accent1"/>
-          </a:effectRef>
-          <a:fontRef idx="minor">
-            <a:schemeClr val="lt1"/>
-          </a:fontRef>
-        </p:style>
-        <p:txBody>
-          <a:bodyPr anchor="ctr"/>
-          <a:lstStyle/>
-          <a:p>
-            <a:pPr algn="ctr" eaLnBrk="1" latinLnBrk="0" hangingPunct="1"/>
-            <a:endParaRPr kumimoji="0" lang="en-US"/>
-          </a:p>
-        </p:txBody>
-      </p:sp>
-      <p:sp>
-        <p:nvSpPr>
-          <p:cNvPr id="9" name="Прямоугольник 8"/>
-          <p:cNvSpPr/>
-          <p:nvPr/>
-        </p:nvSpPr>
-        <p:spPr>
-          <a:xfrm>
-            <a:off x="590549" y="1280160"/>
-            <a:ext cx="8553451" cy="228600"/>
-          </a:xfrm>
-          <a:prstGeom prst="rect">
-            <a:avLst/>
-          </a:prstGeom>
-          <a:solidFill>
-            <a:schemeClr val="accent1">
-              <a:alpha val="100000"/>
-            </a:schemeClr>
-          </a:solidFill>
-          <a:ln w="50800" cap="rnd" cmpd="dbl" algn="ctr">
-            <a:noFill/>
-            <a:prstDash val="solid"/>
-          </a:ln>
-          <a:effectLst/>
-        </p:spPr>
-        <p:style>
-          <a:lnRef idx="3">
-            <a:schemeClr val="lt1"/>
-          </a:lnRef>
-          <a:fillRef idx="1">
-            <a:schemeClr val="accent1"/>
-          </a:fillRef>
-          <a:effectRef idx="1">
-            <a:schemeClr val="accent1"/>
-          </a:effectRef>
-          <a:fontRef idx="minor">
-            <a:schemeClr val="lt1"/>
-          </a:fontRef>
-        </p:style>
-        <p:txBody>
-          <a:bodyPr anchor="ctr"/>
-          <a:lstStyle/>
-          <a:p>
-            <a:pPr algn="ctr" eaLnBrk="1" latinLnBrk="0" hangingPunct="1"/>
-            <a:endParaRPr kumimoji="0" lang="en-US"/>
-          </a:p>
-        </p:txBody>
-      </p:sp>
-      <p:sp>
-        <p:nvSpPr>
-          <p:cNvPr id="23" name="Номер слайда 22"/>
-          <p:cNvSpPr>
-            <a:spLocks noGrp="1"/>
-          </p:cNvSpPr>
-          <p:nvPr>
-            <p:ph type="sldNum" sz="quarter" idx="4"/>
-          </p:nvPr>
-        </p:nvSpPr>
-        <p:spPr>
-          <a:xfrm>
-            <a:off x="0" y="1272222"/>
-            <a:ext cx="533400" cy="244476"/>
+            <a:off x="8153400" y="6422064"/>
+            <a:ext cx="762000" cy="365125"/>
           </a:xfrm>
           <a:prstGeom prst="rect">
             <a:avLst/>
           </a:prstGeom>
         </p:spPr>
         <p:txBody>
-          <a:bodyPr vert="horz" anchor="ctr" anchorCtr="0">
-            <a:normAutofit/>
-          </a:bodyPr>
+          <a:bodyPr vert="horz" lIns="0" tIns="0" rIns="0" bIns="0" anchor="b"/>
           <a:lstStyle>
-            <a:lvl1pPr algn="ctr" eaLnBrk="1" latinLnBrk="0" hangingPunct="1">
-              <a:defRPr kumimoji="0" sz="1400" b="1">
+            <a:lvl1pPr algn="r" eaLnBrk="1" latinLnBrk="0" hangingPunct="1">
+              <a:defRPr kumimoji="0" sz="1000">
                 <a:solidFill>
-                  <a:srgbClr val="FFFFFF"/>
+                  <a:schemeClr val="tx2">
+                    <a:shade val="50000"/>
+                  </a:schemeClr>
                 </a:solidFill>
               </a:defRPr>
             </a:lvl1pPr>
@@ -3402,19 +3341,19 @@
       </p:sp>
     </p:spTree>
   </p:cSld>
-  <p:clrMap bg1="lt1" tx1="dk1" bg2="lt2" tx2="dk2" accent1="accent1" accent2="accent2" accent3="accent3" accent4="accent4" accent5="accent5" accent6="accent6" hlink="hlink" folHlink="folHlink"/>
+  <p:clrMap bg1="dk1" tx1="lt1" bg2="dk2" tx2="lt2" accent1="accent1" accent2="accent2" accent3="accent3" accent4="accent4" accent5="accent5" accent6="accent6" hlink="hlink" folHlink="folHlink"/>
   <p:sldLayoutIdLst>
-    <p:sldLayoutId id="2147484177" r:id="rId1"/>
-    <p:sldLayoutId id="2147484178" r:id="rId2"/>
-    <p:sldLayoutId id="2147484179" r:id="rId3"/>
-    <p:sldLayoutId id="2147484180" r:id="rId4"/>
-    <p:sldLayoutId id="2147484181" r:id="rId5"/>
-    <p:sldLayoutId id="2147484182" r:id="rId6"/>
-    <p:sldLayoutId id="2147484183" r:id="rId7"/>
-    <p:sldLayoutId id="2147484184" r:id="rId8"/>
-    <p:sldLayoutId id="2147484185" r:id="rId9"/>
-    <p:sldLayoutId id="2147484186" r:id="rId10"/>
-    <p:sldLayoutId id="2147484187" r:id="rId11"/>
+    <p:sldLayoutId id="2147484225" r:id="rId1"/>
+    <p:sldLayoutId id="2147484226" r:id="rId2"/>
+    <p:sldLayoutId id="2147484227" r:id="rId3"/>
+    <p:sldLayoutId id="2147484228" r:id="rId4"/>
+    <p:sldLayoutId id="2147484229" r:id="rId5"/>
+    <p:sldLayoutId id="2147484230" r:id="rId6"/>
+    <p:sldLayoutId id="2147484231" r:id="rId7"/>
+    <p:sldLayoutId id="2147484232" r:id="rId8"/>
+    <p:sldLayoutId id="2147484233" r:id="rId9"/>
+    <p:sldLayoutId id="2147484234" r:id="rId10"/>
+    <p:sldLayoutId id="2147484235" r:id="rId11"/>
   </p:sldLayoutIdLst>
   <p:txStyles>
     <p:titleStyle>
@@ -3423,9 +3362,9 @@
           <a:spcPct val="0"/>
         </a:spcBef>
         <a:buNone/>
-        <a:defRPr kumimoji="0" sz="4400" kern="1200">
+        <a:defRPr kumimoji="0" sz="4600" kern="1200">
           <a:solidFill>
-            <a:schemeClr val="tx2"/>
+            <a:schemeClr val="tx1"/>
           </a:solidFill>
           <a:latin typeface="+mj-lt"/>
           <a:ea typeface="+mj-ea"/>
@@ -3434,17 +3373,17 @@
       </a:lvl1pPr>
     </p:titleStyle>
     <p:bodyStyle>
-      <a:lvl1pPr marL="320040" indent="-320040" algn="l" rtl="0" eaLnBrk="1" latinLnBrk="0" hangingPunct="1">
+      <a:lvl1pPr marL="420624" indent="-384048" algn="l" rtl="0" eaLnBrk="1" latinLnBrk="0" hangingPunct="1">
         <a:spcBef>
-          <a:spcPts val="700"/>
+          <a:spcPct val="20000"/>
         </a:spcBef>
         <a:buClr>
-          <a:schemeClr val="accent2"/>
+          <a:schemeClr val="accent1"/>
         </a:buClr>
-        <a:buSzPct val="60000"/>
-        <a:buFont typeface="Wingdings"/>
-        <a:buChar char=""/>
-        <a:defRPr kumimoji="0" sz="2900" kern="1200">
+        <a:buSzPct val="80000"/>
+        <a:buFont typeface="Wingdings 2"/>
+        <a:buChar char=""/>
+        <a:defRPr kumimoji="0" sz="3000" kern="1200">
           <a:solidFill>
             <a:schemeClr val="tx1"/>
           </a:solidFill>
@@ -3453,16 +3392,16 @@
           <a:cs typeface="+mn-cs"/>
         </a:defRPr>
       </a:lvl1pPr>
-      <a:lvl2pPr marL="640080" indent="-274320" algn="l" rtl="0" eaLnBrk="1" latinLnBrk="0" hangingPunct="1">
+      <a:lvl2pPr marL="722376" indent="-274320" algn="l" rtl="0" eaLnBrk="1" latinLnBrk="0" hangingPunct="1">
         <a:spcBef>
-          <a:spcPts val="550"/>
+          <a:spcPct val="20000"/>
         </a:spcBef>
         <a:buClr>
           <a:schemeClr val="accent1"/>
         </a:buClr>
-        <a:buSzPct val="70000"/>
+        <a:buSzPct val="90000"/>
         <a:buFont typeface="Wingdings 2"/>
-        <a:buChar char=""/>
+        <a:buChar char=""/>
         <a:defRPr kumimoji="0" sz="2600" kern="1200">
           <a:solidFill>
             <a:schemeClr val="tx1"/>
@@ -3472,17 +3411,17 @@
           <a:cs typeface="+mn-cs"/>
         </a:defRPr>
       </a:lvl2pPr>
-      <a:lvl3pPr marL="914400" indent="-228600" algn="l" rtl="0" eaLnBrk="1" latinLnBrk="0" hangingPunct="1">
+      <a:lvl3pPr marL="1005840" indent="-256032" algn="l" rtl="0" eaLnBrk="1" latinLnBrk="0" hangingPunct="1">
         <a:spcBef>
-          <a:spcPts val="500"/>
+          <a:spcPct val="20000"/>
         </a:spcBef>
         <a:buClr>
           <a:schemeClr val="accent2"/>
         </a:buClr>
-        <a:buSzPct val="75000"/>
-        <a:buFont typeface="Wingdings"/>
-        <a:buChar char=""/>
-        <a:defRPr kumimoji="0" sz="2300" kern="1200">
+        <a:buSzPct val="85000"/>
+        <a:buFont typeface="Arial"/>
+        <a:buChar char="○"/>
+        <a:defRPr kumimoji="0" sz="2400" kern="1200">
           <a:solidFill>
             <a:schemeClr val="tx1"/>
           </a:solidFill>
@@ -3491,16 +3430,16 @@
           <a:cs typeface="+mn-cs"/>
         </a:defRPr>
       </a:lvl3pPr>
-      <a:lvl4pPr marL="1371600" indent="-228600" algn="l" rtl="0" eaLnBrk="1" latinLnBrk="0" hangingPunct="1">
+      <a:lvl4pPr marL="1280160" indent="-237744" algn="l" rtl="0" eaLnBrk="1" latinLnBrk="0" hangingPunct="1">
         <a:spcBef>
-          <a:spcPts val="400"/>
+          <a:spcPct val="20000"/>
         </a:spcBef>
         <a:buClr>
           <a:schemeClr val="accent3"/>
         </a:buClr>
-        <a:buSzPct val="75000"/>
-        <a:buFont typeface="Wingdings"/>
-        <a:buChar char=""/>
+        <a:buSzPct val="90000"/>
+        <a:buFont typeface="Wingdings 2"/>
+        <a:buChar char=""/>
         <a:defRPr kumimoji="0" sz="2000" kern="1200">
           <a:solidFill>
             <a:schemeClr val="tx1"/>
@@ -3510,16 +3449,16 @@
           <a:cs typeface="+mn-cs"/>
         </a:defRPr>
       </a:lvl4pPr>
-      <a:lvl5pPr marL="1828800" indent="-228600" algn="l" rtl="0" eaLnBrk="1" latinLnBrk="0" hangingPunct="1">
+      <a:lvl5pPr marL="1490472" indent="-182880" algn="l" rtl="0" eaLnBrk="1" latinLnBrk="0" hangingPunct="1">
         <a:spcBef>
-          <a:spcPts val="400"/>
+          <a:spcPct val="20000"/>
         </a:spcBef>
         <a:buClr>
           <a:schemeClr val="accent4"/>
         </a:buClr>
-        <a:buSzPct val="65000"/>
-        <a:buFont typeface="Wingdings"/>
-        <a:buChar char=""/>
+        <a:buSzPct val="100000"/>
+        <a:buFont typeface="Arial"/>
+        <a:buChar char="-"/>
         <a:defRPr kumimoji="0" sz="2000" kern="1200">
           <a:solidFill>
             <a:schemeClr val="tx1"/>
@@ -3529,16 +3468,16 @@
           <a:cs typeface="+mn-cs"/>
         </a:defRPr>
       </a:lvl5pPr>
-      <a:lvl6pPr marL="2103120" indent="-228600" algn="l" rtl="0" eaLnBrk="1" latinLnBrk="0" hangingPunct="1">
+      <a:lvl6pPr marL="1700784" indent="-182880" algn="l" rtl="0" eaLnBrk="1" latinLnBrk="0" hangingPunct="1">
         <a:spcBef>
           <a:spcPct val="20000"/>
         </a:spcBef>
         <a:buClr>
-          <a:schemeClr val="accent1"/>
+          <a:schemeClr val="accent5"/>
         </a:buClr>
-        <a:buFont typeface="Wingdings"/>
-        <a:buChar char="§"/>
-        <a:defRPr kumimoji="0" sz="1800" kern="1200" baseline="0">
+        <a:buFont typeface="Arial"/>
+        <a:buChar char="-"/>
+        <a:defRPr kumimoji="0" sz="2000" kern="1200" baseline="0">
           <a:solidFill>
             <a:schemeClr val="tx1"/>
           </a:solidFill>
@@ -3547,15 +3486,16 @@
           <a:cs typeface="+mn-cs"/>
         </a:defRPr>
       </a:lvl6pPr>
-      <a:lvl7pPr marL="2377440" indent="-228600" algn="l" rtl="0" eaLnBrk="1" latinLnBrk="0" hangingPunct="1">
+      <a:lvl7pPr marL="1920240" indent="-182880" algn="l" rtl="0" eaLnBrk="1" latinLnBrk="0" hangingPunct="1">
         <a:spcBef>
           <a:spcPct val="20000"/>
         </a:spcBef>
         <a:buClr>
-          <a:schemeClr val="accent2"/>
+          <a:schemeClr val="accent6"/>
         </a:buClr>
-        <a:buFont typeface="Wingdings"/>
-        <a:buChar char="§"/>
+        <a:buSzPct val="100000"/>
+        <a:buFont typeface="Arial"/>
+        <a:buChar char="•"/>
         <a:defRPr kumimoji="0" sz="1800" kern="1200" baseline="0">
           <a:solidFill>
             <a:schemeClr val="tx1"/>
@@ -3565,16 +3505,16 @@
           <a:cs typeface="+mn-cs"/>
         </a:defRPr>
       </a:lvl7pPr>
-      <a:lvl8pPr marL="2651760" indent="-228600" algn="l" rtl="0" eaLnBrk="1" latinLnBrk="0" hangingPunct="1">
+      <a:lvl8pPr marL="2139696" indent="-182880" algn="l" rtl="0" eaLnBrk="1" latinLnBrk="0" hangingPunct="1">
         <a:spcBef>
           <a:spcPct val="20000"/>
         </a:spcBef>
         <a:buClr>
-          <a:schemeClr val="accent3"/>
+          <a:schemeClr val="accent6"/>
         </a:buClr>
-        <a:buFont typeface="Wingdings"/>
-        <a:buChar char="§"/>
-        <a:defRPr kumimoji="0" sz="1800" kern="1200" baseline="0">
+        <a:buFont typeface="Arial"/>
+        <a:buChar char="▪"/>
+        <a:defRPr kumimoji="0" sz="1600" kern="1200">
           <a:solidFill>
             <a:schemeClr val="tx1"/>
           </a:solidFill>
@@ -3583,16 +3523,16 @@
           <a:cs typeface="+mn-cs"/>
         </a:defRPr>
       </a:lvl8pPr>
-      <a:lvl9pPr marL="2926080" indent="-228600" algn="l" rtl="0" eaLnBrk="1" latinLnBrk="0" hangingPunct="1">
+      <a:lvl9pPr marL="2331720" indent="-182880" algn="l" rtl="0" eaLnBrk="1" latinLnBrk="0" hangingPunct="1">
         <a:spcBef>
           <a:spcPct val="20000"/>
         </a:spcBef>
         <a:buClr>
-          <a:schemeClr val="accent4"/>
+          <a:schemeClr val="accent6"/>
         </a:buClr>
-        <a:buFont typeface="Wingdings"/>
-        <a:buChar char="§"/>
-        <a:defRPr kumimoji="0" sz="1800" kern="1200" baseline="0">
+        <a:buFont typeface="Arial"/>
+        <a:buChar char="•"/>
+        <a:defRPr kumimoji="0" sz="1600" kern="1200">
           <a:solidFill>
             <a:schemeClr val="tx1"/>
           </a:solidFill>
@@ -3814,19 +3754,7 @@
           <a:p>
             <a:r>
               <a:rPr lang="en-US" dirty="0" smtClean="0"/>
-              <a:t>Code </a:t>
-            </a:r>
-            <a:r>
-              <a:rPr lang="en-US" dirty="0" err="1" smtClean="0"/>
-              <a:t>css</a:t>
-            </a:r>
-            <a:r>
-              <a:rPr lang="en-US" dirty="0" smtClean="0"/>
-              <a:t>: page </a:t>
-            </a:r>
-            <a:r>
-              <a:rPr lang="en-US" dirty="0" err="1" smtClean="0"/>
-              <a:t>principale</a:t>
+              <a:t>Les menus</a:t>
             </a:r>
             <a:endParaRPr lang="ru-RU" dirty="0"/>
           </a:p>
@@ -3839,47 +3767,114 @@
             <a:spLocks noGrp="1"/>
           </p:cNvSpPr>
           <p:nvPr>
-            <p:ph sz="quarter" idx="1"/>
-          </p:nvPr>
-        </p:nvSpPr>
-        <p:spPr/>
+            <p:ph idx="1"/>
+          </p:nvPr>
+        </p:nvSpPr>
+        <p:spPr>
+          <a:xfrm>
+            <a:off x="457200" y="1600200"/>
+            <a:ext cx="3543296" cy="5043510"/>
+          </a:xfrm>
+        </p:spPr>
         <p:txBody>
           <a:bodyPr>
-            <a:normAutofit/>
+            <a:normAutofit fontScale="92500"/>
           </a:bodyPr>
           <a:lstStyle/>
-          <a:p>
-            <a:r>
-              <a:rPr lang="en-US" sz="2800" dirty="0" smtClean="0"/>
-              <a:t>-Animation de fondue : pour</a:t>
-            </a:r>
-          </a:p>
           <a:p>
             <a:pPr>
               <a:buNone/>
             </a:pPr>
             <a:r>
-              <a:rPr lang="en-US" sz="2800" dirty="0" smtClean="0"/>
+              <a:rPr lang="en-US" sz="2400" dirty="0" smtClean="0"/>
+              <a:t>Les menus </a:t>
+            </a:r>
+            <a:r>
+              <a:rPr lang="en-US" sz="2400" dirty="0" err="1" smtClean="0"/>
+              <a:t>sont</a:t>
+            </a:r>
+            <a:r>
+              <a:rPr lang="en-US" sz="2400" dirty="0" smtClean="0"/>
+              <a:t> </a:t>
+            </a:r>
+            <a:r>
+              <a:rPr lang="en-US" sz="2400" dirty="0" err="1" smtClean="0"/>
+              <a:t>regroupes</a:t>
+            </a:r>
+            <a:r>
+              <a:rPr lang="en-US" sz="2400" dirty="0" smtClean="0"/>
+              <a:t> par </a:t>
+            </a:r>
+            <a:r>
+              <a:rPr lang="en-US" sz="2400" dirty="0" err="1" smtClean="0"/>
+              <a:t>deux</a:t>
+            </a:r>
+            <a:r>
+              <a:rPr lang="en-US" sz="2400" dirty="0" smtClean="0"/>
+              <a:t> </a:t>
+            </a:r>
+            <a:r>
+              <a:rPr lang="en-US" sz="2400" dirty="0" err="1" smtClean="0"/>
+              <a:t>dans</a:t>
+            </a:r>
+            <a:r>
+              <a:rPr lang="en-US" sz="2400" dirty="0" smtClean="0"/>
+              <a:t> un tag article </a:t>
+            </a:r>
+            <a:r>
+              <a:rPr lang="en-US" sz="2400" dirty="0" err="1" smtClean="0"/>
+              <a:t>portant</a:t>
+            </a:r>
+            <a:r>
+              <a:rPr lang="en-US" sz="2400" dirty="0" smtClean="0"/>
               <a:t> la </a:t>
             </a:r>
             <a:r>
-              <a:rPr lang="en-US" sz="2800" dirty="0" err="1" smtClean="0"/>
-              <a:t>réalisation</a:t>
-            </a:r>
-            <a:r>
-              <a:rPr lang="en-US" sz="2800" dirty="0" smtClean="0"/>
+              <a:rPr lang="en-US" sz="2400" dirty="0" err="1" smtClean="0"/>
+              <a:t>classe</a:t>
+            </a:r>
+            <a:r>
+              <a:rPr lang="en-US" sz="2400" dirty="0" smtClean="0"/>
+              <a:t> container </a:t>
+            </a:r>
+            <a:r>
+              <a:rPr lang="en-US" sz="2400" dirty="0" err="1" smtClean="0"/>
+              <a:t>enfin</a:t>
+            </a:r>
+            <a:r>
+              <a:rPr lang="en-US" sz="2400" dirty="0" smtClean="0"/>
               <a:t> </a:t>
             </a:r>
             <a:r>
-              <a:rPr lang="en-US" sz="2800" dirty="0" smtClean="0"/>
-              <a:t>de </a:t>
-            </a:r>
-            <a:r>
-              <a:rPr lang="en-US" sz="2800" dirty="0" err="1" smtClean="0"/>
-              <a:t>cette</a:t>
-            </a:r>
-            <a:r>
-              <a:rPr lang="en-US" sz="2800" dirty="0" smtClean="0"/>
+              <a:rPr lang="en-US" sz="2400" dirty="0" err="1" smtClean="0"/>
+              <a:t>d’asssurer</a:t>
+            </a:r>
+            <a:r>
+              <a:rPr lang="en-US" sz="2400" dirty="0" smtClean="0"/>
+              <a:t> un responsive design. </a:t>
+            </a:r>
+            <a:r>
+              <a:rPr lang="en-US" sz="2400" dirty="0" err="1" smtClean="0"/>
+              <a:t>Chaque</a:t>
+            </a:r>
+            <a:r>
+              <a:rPr lang="en-US" sz="2400" dirty="0" smtClean="0"/>
+              <a:t> menu respect </a:t>
+            </a:r>
+            <a:r>
+              <a:rPr lang="en-US" sz="2400" dirty="0" err="1" smtClean="0"/>
+              <a:t>une</a:t>
+            </a:r>
+            <a:r>
+              <a:rPr lang="en-US" sz="2400" dirty="0" smtClean="0"/>
+              <a:t> structure </a:t>
+            </a:r>
+            <a:r>
+              <a:rPr lang="en-US" sz="2400" dirty="0" err="1" smtClean="0"/>
+              <a:t>simillaire</a:t>
+            </a:r>
+            <a:r>
+              <a:rPr lang="en-US" sz="2400" dirty="0" smtClean="0"/>
               <a:t> </a:t>
             </a:r>
           </a:p>
@@ -3888,179 +3883,88 @@
               <a:buNone/>
             </a:pPr>
             <a:r>
-              <a:rPr lang="en-US" sz="2800" dirty="0" smtClean="0"/>
-              <a:t>animation on </a:t>
-            </a:r>
-            <a:r>
-              <a:rPr lang="en-US" sz="2800" dirty="0" err="1" smtClean="0"/>
-              <a:t>utilise</a:t>
-            </a:r>
-            <a:r>
-              <a:rPr lang="en-US" sz="2800" dirty="0" smtClean="0"/>
-              <a:t> la </a:t>
-            </a:r>
-          </a:p>
-          <a:p>
-            <a:pPr>
-              <a:buNone/>
-            </a:pPr>
-            <a:r>
-              <a:rPr lang="en-US" sz="2800" dirty="0" smtClean="0"/>
-              <a:t>pseudo class hover </a:t>
-            </a:r>
-            <a:r>
-              <a:rPr lang="en-US" sz="2800" dirty="0" err="1" smtClean="0"/>
-              <a:t>sur</a:t>
-            </a:r>
-            <a:r>
-              <a:rPr lang="en-US" sz="2800" dirty="0" smtClean="0"/>
-              <a:t> les </a:t>
-            </a:r>
-          </a:p>
-          <a:p>
-            <a:pPr>
-              <a:buNone/>
-            </a:pPr>
-            <a:r>
-              <a:rPr lang="en-US" sz="2800" dirty="0" smtClean="0"/>
-              <a:t>elements </a:t>
-            </a:r>
-            <a:r>
-              <a:rPr lang="en-US" sz="2800" dirty="0" err="1" smtClean="0"/>
-              <a:t>portants</a:t>
-            </a:r>
-            <a:r>
-              <a:rPr lang="en-US" sz="2800" dirty="0" smtClean="0"/>
-              <a:t> la </a:t>
-            </a:r>
-            <a:r>
-              <a:rPr lang="en-US" sz="2800" dirty="0" err="1" smtClean="0"/>
-              <a:t>classe</a:t>
-            </a:r>
-            <a:r>
-              <a:rPr lang="en-US" sz="2800" dirty="0" smtClean="0"/>
+              <a:rPr lang="en-US" sz="2400" dirty="0" err="1" smtClean="0"/>
+              <a:t>Une</a:t>
+            </a:r>
+            <a:r>
+              <a:rPr lang="en-US" sz="2400" dirty="0" smtClean="0"/>
               <a:t> </a:t>
             </a:r>
-          </a:p>
-          <a:p>
-            <a:pPr>
-              <a:buNone/>
-            </a:pPr>
-            <a:r>
-              <a:rPr lang="en-US" sz="2800" dirty="0" smtClean="0"/>
-              <a:t>.menu , </a:t>
-            </a:r>
-            <a:r>
-              <a:rPr lang="en-US" sz="2800" dirty="0" err="1" smtClean="0"/>
-              <a:t>ensuite</a:t>
-            </a:r>
-            <a:r>
-              <a:rPr lang="en-US" sz="2800" dirty="0" smtClean="0"/>
-              <a:t> grace </a:t>
-            </a:r>
-            <a:r>
-              <a:rPr lang="en-US" sz="2800" dirty="0" smtClean="0"/>
-              <a:t>à </a:t>
-            </a:r>
-            <a:r>
-              <a:rPr lang="en-US" sz="2800" dirty="0" smtClean="0"/>
-              <a:t>la </a:t>
-            </a:r>
-          </a:p>
-          <a:p>
-            <a:pPr>
-              <a:buNone/>
-            </a:pPr>
-            <a:r>
-              <a:rPr lang="en-US" sz="2800" dirty="0" err="1" smtClean="0"/>
-              <a:t>propriété</a:t>
-            </a:r>
-            <a:r>
-              <a:rPr lang="en-US" sz="2800" dirty="0" smtClean="0"/>
+            <a:r>
+              <a:rPr lang="en-US" sz="2400" dirty="0" err="1" smtClean="0"/>
+              <a:t>balise</a:t>
+            </a:r>
+            <a:r>
+              <a:rPr lang="en-US" sz="2400" dirty="0" smtClean="0"/>
+              <a:t> a </a:t>
+            </a:r>
+            <a:r>
+              <a:rPr lang="en-US" sz="2400" dirty="0" err="1" smtClean="0"/>
+              <a:t>contenant</a:t>
+            </a:r>
+            <a:r>
+              <a:rPr lang="en-US" sz="2400" dirty="0" smtClean="0"/>
               <a:t> </a:t>
             </a:r>
             <a:r>
-              <a:rPr lang="en-US" sz="2800" dirty="0" err="1" smtClean="0"/>
-              <a:t>css</a:t>
-            </a:r>
-            <a:r>
-              <a:rPr lang="en-US" sz="2800" dirty="0" smtClean="0"/>
-              <a:t> transition , on anime les </a:t>
-            </a:r>
-            <a:r>
-              <a:rPr lang="en-US" sz="2800" dirty="0" err="1" smtClean="0"/>
-              <a:t>propriétés</a:t>
-            </a:r>
-            <a:r>
-              <a:rPr lang="en-US" sz="2800" dirty="0" smtClean="0"/>
+              <a:rPr lang="en-US" sz="2400" dirty="0" err="1" smtClean="0"/>
+              <a:t>une</a:t>
+            </a:r>
+            <a:r>
+              <a:rPr lang="en-US" sz="2400" dirty="0" smtClean="0"/>
+              <a:t> div avec un </a:t>
+            </a:r>
+            <a:r>
+              <a:rPr lang="en-US" sz="2400" dirty="0" err="1" smtClean="0"/>
+              <a:t>paragraphe</a:t>
+            </a:r>
+            <a:r>
+              <a:rPr lang="en-US" sz="2400" dirty="0" smtClean="0"/>
               <a:t> </a:t>
             </a:r>
             <a:r>
-              <a:rPr lang="en-US" sz="2800" dirty="0" smtClean="0"/>
-              <a:t>font-size et opacity des </a:t>
-            </a:r>
-            <a:r>
-              <a:rPr lang="en-US" sz="2800" dirty="0" err="1" smtClean="0"/>
-              <a:t>éléments</a:t>
-            </a:r>
-            <a:r>
-              <a:rPr lang="en-US" sz="2800" dirty="0" smtClean="0"/>
-              <a:t> </a:t>
-            </a:r>
-            <a:r>
-              <a:rPr lang="en-US" sz="2800" dirty="0" smtClean="0"/>
-              <a:t>, </a:t>
-            </a:r>
-            <a:r>
-              <a:rPr lang="en-US" sz="2800" dirty="0" err="1" smtClean="0"/>
-              <a:t>ce</a:t>
-            </a:r>
-            <a:r>
-              <a:rPr lang="en-US" sz="2800" dirty="0" smtClean="0"/>
-              <a:t> qui </a:t>
-            </a:r>
-            <a:r>
-              <a:rPr lang="en-US" sz="2800" dirty="0" err="1" smtClean="0"/>
-              <a:t>donne</a:t>
-            </a:r>
-            <a:r>
-              <a:rPr lang="en-US" sz="2800" dirty="0" smtClean="0"/>
-              <a:t> </a:t>
-            </a:r>
-            <a:r>
-              <a:rPr lang="en-US" sz="2800" dirty="0" err="1" smtClean="0"/>
-              <a:t>l’effet</a:t>
-            </a:r>
-            <a:r>
-              <a:rPr lang="en-US" sz="2800" dirty="0" smtClean="0"/>
-              <a:t> recherché</a:t>
-            </a:r>
-            <a:endParaRPr lang="ru-RU" sz="2800" dirty="0"/>
+              <a:rPr lang="en-US" sz="2400" dirty="0" err="1" smtClean="0"/>
+              <a:t>respresente</a:t>
+            </a:r>
+            <a:r>
+              <a:rPr lang="en-US" sz="2400" dirty="0" smtClean="0"/>
+              <a:t> le nom du restaurant et un h2 avec le mot “menu”</a:t>
+            </a:r>
+            <a:endParaRPr lang="en-US" sz="2400" dirty="0" smtClean="0"/>
           </a:p>
         </p:txBody>
       </p:sp>
       <p:pic>
         <p:nvPicPr>
-          <p:cNvPr id="4" name="Рисунок 3" descr="animation_fondue.png"/>
+          <p:cNvPr id="3077" name="Picture 5"/>
           <p:cNvPicPr>
-            <a:picLocks noChangeAspect="1"/>
+            <a:picLocks noChangeAspect="1" noChangeArrowheads="1"/>
           </p:cNvPicPr>
           <p:nvPr/>
         </p:nvPicPr>
         <p:blipFill>
           <a:blip r:embed="rId2"/>
+          <a:srcRect/>
           <a:stretch>
             <a:fillRect/>
           </a:stretch>
         </p:blipFill>
-        <p:spPr>
+        <p:spPr bwMode="auto">
           <a:xfrm>
-            <a:off x="5143472" y="1643050"/>
-            <a:ext cx="4000528" cy="3071810"/>
+            <a:off x="3878844" y="1214423"/>
+            <a:ext cx="5265156" cy="2786081"/>
           </a:xfrm>
           <a:prstGeom prst="rect">
             <a:avLst/>
           </a:prstGeom>
+          <a:noFill/>
+          <a:ln w="9525">
+            <a:noFill/>
+            <a:miter lim="800000"/>
+            <a:headEnd/>
+            <a:tailEnd/>
+          </a:ln>
+          <a:effectLst/>
         </p:spPr>
       </p:pic>
     </p:spTree>
@@ -4112,11 +4016,7 @@
           <a:p>
             <a:r>
               <a:rPr lang="en-US" dirty="0" smtClean="0"/>
-              <a:t>Code </a:t>
-            </a:r>
-            <a:r>
-              <a:rPr lang="en-US" dirty="0" err="1" smtClean="0"/>
-              <a:t>css</a:t>
+              <a:t>Les categories</a:t>
             </a:r>
             <a:endParaRPr lang="ru-RU" dirty="0"/>
           </a:p>
@@ -4129,222 +4029,151 @@
             <a:spLocks noGrp="1"/>
           </p:cNvSpPr>
           <p:nvPr>
-            <p:ph sz="quarter" idx="1"/>
-          </p:nvPr>
-        </p:nvSpPr>
-        <p:spPr/>
-        <p:txBody>
-          <a:bodyPr/>
-          <a:lstStyle/>
-          <a:p>
-            <a:r>
-              <a:rPr lang="en-US" sz="2800" dirty="0" smtClean="0"/>
-              <a:t>La </a:t>
-            </a:r>
-            <a:r>
-              <a:rPr lang="en-US" sz="2800" dirty="0" err="1" smtClean="0"/>
-              <a:t>seconde</a:t>
-            </a:r>
-            <a:r>
-              <a:rPr lang="en-US" sz="2800" dirty="0" smtClean="0"/>
+            <p:ph idx="1"/>
+          </p:nvPr>
+        </p:nvSpPr>
+        <p:spPr>
+          <a:xfrm>
+            <a:off x="428596" y="1214422"/>
+            <a:ext cx="7467600" cy="4525963"/>
+          </a:xfrm>
+        </p:spPr>
+        <p:txBody>
+          <a:bodyPr>
+            <a:normAutofit/>
+          </a:bodyPr>
+          <a:lstStyle/>
+          <a:p>
+            <a:pPr>
+              <a:buNone/>
+            </a:pPr>
+            <a:r>
+              <a:rPr lang="en-US" sz="2400" dirty="0" err="1" smtClean="0"/>
+              <a:t>Chaque</a:t>
+            </a:r>
+            <a:r>
+              <a:rPr lang="en-US" sz="2400" dirty="0" smtClean="0"/>
+              <a:t> menu </a:t>
+            </a:r>
+            <a:r>
+              <a:rPr lang="en-US" sz="2400" dirty="0" err="1" smtClean="0"/>
+              <a:t>est</a:t>
+            </a:r>
+            <a:r>
+              <a:rPr lang="en-US" sz="2400" dirty="0" smtClean="0"/>
+              <a:t> compose de </a:t>
+            </a:r>
+            <a:r>
+              <a:rPr lang="en-US" sz="2400" dirty="0" err="1" smtClean="0"/>
+              <a:t>trois</a:t>
+            </a:r>
+            <a:r>
+              <a:rPr lang="en-US" sz="2400" dirty="0" smtClean="0"/>
+              <a:t> categories, </a:t>
+            </a:r>
+            <a:r>
+              <a:rPr lang="en-US" sz="2400" dirty="0" err="1" smtClean="0"/>
+              <a:t>une</a:t>
+            </a:r>
+            <a:r>
+              <a:rPr lang="en-US" sz="2400" dirty="0" smtClean="0"/>
+              <a:t> section </a:t>
+            </a:r>
+            <a:r>
+              <a:rPr lang="en-US" sz="2400" dirty="0" err="1" smtClean="0"/>
+              <a:t>portant</a:t>
+            </a:r>
+            <a:r>
+              <a:rPr lang="en-US" sz="2400" dirty="0" smtClean="0"/>
+              <a:t> la </a:t>
+            </a:r>
+            <a:r>
+              <a:rPr lang="en-US" sz="2400" dirty="0" err="1" smtClean="0"/>
+              <a:t>classe</a:t>
+            </a:r>
+            <a:r>
+              <a:rPr lang="en-US" sz="2400" dirty="0" smtClean="0"/>
+              <a:t> item, </a:t>
+            </a:r>
+            <a:r>
+              <a:rPr lang="en-US" sz="2400" dirty="0" err="1" smtClean="0"/>
+              <a:t>suivie</a:t>
+            </a:r>
+            <a:r>
+              <a:rPr lang="en-US" sz="2400" dirty="0" smtClean="0"/>
+              <a:t> d’un header </a:t>
+            </a:r>
+            <a:r>
+              <a:rPr lang="en-US" sz="2400" dirty="0" err="1" smtClean="0"/>
+              <a:t>entourant</a:t>
+            </a:r>
+            <a:r>
+              <a:rPr lang="en-US" sz="2400" dirty="0" smtClean="0"/>
+              <a:t> un h2 </a:t>
+            </a:r>
+            <a:r>
+              <a:rPr lang="en-US" sz="2400" dirty="0" err="1" smtClean="0"/>
+              <a:t>portant</a:t>
+            </a:r>
+            <a:r>
+              <a:rPr lang="en-US" sz="2400" dirty="0" smtClean="0"/>
+              <a:t> le nom de la section, </a:t>
+            </a:r>
+            <a:r>
+              <a:rPr lang="en-US" sz="2400" dirty="0" err="1" smtClean="0"/>
+              <a:t>suivi</a:t>
+            </a:r>
+            <a:r>
+              <a:rPr lang="en-US" sz="2400" dirty="0" smtClean="0"/>
+              <a:t> des </a:t>
+            </a:r>
+            <a:r>
+              <a:rPr lang="en-US" sz="2400" dirty="0" err="1" smtClean="0"/>
+              <a:t>paragraphes</a:t>
+            </a:r>
+            <a:r>
+              <a:rPr lang="en-US" sz="2400" dirty="0" smtClean="0"/>
               <a:t> </a:t>
             </a:r>
             <a:r>
-              <a:rPr lang="en-US" sz="2800" dirty="0" smtClean="0"/>
-              <a:t>animation </a:t>
-            </a:r>
-            <a:r>
-              <a:rPr lang="en-US" sz="2800" dirty="0" err="1" smtClean="0"/>
-              <a:t>présente</a:t>
-            </a:r>
-            <a:r>
-              <a:rPr lang="en-US" sz="2800" dirty="0" smtClean="0"/>
-              <a:t> </a:t>
-            </a:r>
-            <a:r>
-              <a:rPr lang="en-US" sz="2800" dirty="0" err="1" smtClean="0"/>
-              <a:t>sur</a:t>
-            </a:r>
-            <a:r>
-              <a:rPr lang="en-US" sz="2800" dirty="0" smtClean="0"/>
-              <a:t> la page </a:t>
-            </a:r>
-            <a:r>
-              <a:rPr lang="en-US" sz="2800" dirty="0" err="1" smtClean="0"/>
-              <a:t>est</a:t>
-            </a:r>
-            <a:r>
-              <a:rPr lang="en-US" sz="2800" dirty="0" smtClean="0"/>
-              <a:t> </a:t>
-            </a:r>
-            <a:r>
-              <a:rPr lang="en-US" sz="2800" dirty="0" err="1" smtClean="0"/>
-              <a:t>l’apparition</a:t>
-            </a:r>
-            <a:r>
-              <a:rPr lang="en-US" sz="2800" dirty="0" smtClean="0"/>
-              <a:t> progressive de point de suspension . Pour </a:t>
-            </a:r>
-            <a:r>
-              <a:rPr lang="en-US" sz="2800" dirty="0" err="1" smtClean="0"/>
-              <a:t>cela</a:t>
-            </a:r>
-            <a:r>
-              <a:rPr lang="en-US" sz="2800" dirty="0" smtClean="0"/>
-              <a:t> nous </a:t>
-            </a:r>
-            <a:r>
-              <a:rPr lang="en-US" sz="2800" dirty="0" err="1" smtClean="0"/>
-              <a:t>avons</a:t>
-            </a:r>
-            <a:r>
-              <a:rPr lang="en-US" sz="2800" dirty="0" smtClean="0"/>
-              <a:t> </a:t>
-            </a:r>
-            <a:r>
-              <a:rPr lang="en-US" sz="2800" dirty="0" err="1" smtClean="0"/>
-              <a:t>deux</a:t>
-            </a:r>
-            <a:r>
-              <a:rPr lang="en-US" sz="2800" dirty="0" smtClean="0"/>
-              <a:t> </a:t>
-            </a:r>
-            <a:r>
-              <a:rPr lang="en-US" sz="2800" dirty="0" err="1" smtClean="0"/>
-              <a:t>mixins</a:t>
-            </a:r>
-            <a:r>
-              <a:rPr lang="en-US" sz="2800" dirty="0" smtClean="0"/>
-              <a:t> </a:t>
-            </a:r>
-            <a:r>
-              <a:rPr lang="en-US" sz="2800" dirty="0" err="1" smtClean="0"/>
-              <a:t>que</a:t>
-            </a:r>
-            <a:r>
-              <a:rPr lang="en-US" sz="2800" dirty="0" smtClean="0"/>
-              <a:t> </a:t>
-            </a:r>
-            <a:r>
-              <a:rPr lang="en-US" sz="2800" dirty="0" err="1" smtClean="0"/>
-              <a:t>l’on</a:t>
-            </a:r>
-            <a:r>
-              <a:rPr lang="en-US" sz="2800" dirty="0" smtClean="0"/>
-              <a:t> </a:t>
-            </a:r>
-            <a:r>
-              <a:rPr lang="en-US" sz="2800" dirty="0" err="1" smtClean="0"/>
-              <a:t>applique</a:t>
-            </a:r>
-            <a:r>
-              <a:rPr lang="en-US" sz="2800" dirty="0" smtClean="0"/>
-              <a:t> </a:t>
-            </a:r>
-            <a:r>
-              <a:rPr lang="en-US" sz="2800" dirty="0" smtClean="0"/>
-              <a:t>aux </a:t>
-            </a:r>
-            <a:r>
-              <a:rPr lang="en-US" sz="2800" dirty="0" err="1" smtClean="0"/>
-              <a:t>balises</a:t>
-            </a:r>
-            <a:r>
-              <a:rPr lang="en-US" sz="2800" dirty="0" smtClean="0"/>
-              <a:t> </a:t>
-            </a:r>
-            <a:r>
-              <a:rPr lang="en-US" sz="2800" dirty="0" err="1" smtClean="0"/>
-              <a:t>i</a:t>
-            </a:r>
-            <a:r>
-              <a:rPr lang="en-US" sz="2800" dirty="0" smtClean="0"/>
-              <a:t> presents </a:t>
-            </a:r>
-            <a:r>
-              <a:rPr lang="en-US" sz="2800" dirty="0" err="1" smtClean="0"/>
-              <a:t>dans</a:t>
-            </a:r>
-            <a:r>
-              <a:rPr lang="en-US" sz="2800" dirty="0" smtClean="0"/>
-              <a:t> </a:t>
-            </a:r>
-            <a:r>
-              <a:rPr lang="en-US" sz="2800" dirty="0" err="1" smtClean="0"/>
-              <a:t>l’elements</a:t>
-            </a:r>
-            <a:r>
-              <a:rPr lang="en-US" sz="2800" dirty="0" smtClean="0"/>
-              <a:t> </a:t>
-            </a:r>
-            <a:r>
-              <a:rPr lang="en-US" sz="2800" dirty="0" err="1" smtClean="0"/>
-              <a:t>portant</a:t>
-            </a:r>
-            <a:r>
-              <a:rPr lang="en-US" sz="2800" dirty="0" smtClean="0"/>
-              <a:t> la </a:t>
-            </a:r>
-            <a:r>
-              <a:rPr lang="en-US" sz="2800" dirty="0" err="1" smtClean="0"/>
-              <a:t>classe</a:t>
-            </a:r>
-            <a:r>
-              <a:rPr lang="en-US" sz="2800" dirty="0" smtClean="0"/>
-              <a:t> .modifie-heading__h3</a:t>
-            </a:r>
-          </a:p>
-          <a:p>
-            <a:endParaRPr lang="ru-RU" dirty="0"/>
+              <a:rPr lang="en-US" sz="2400" dirty="0" err="1" smtClean="0"/>
+              <a:t>descriptifs</a:t>
+            </a:r>
+            <a:endParaRPr lang="ru-RU" sz="2400" dirty="0"/>
           </a:p>
         </p:txBody>
       </p:sp>
       <p:pic>
         <p:nvPicPr>
-          <p:cNvPr id="4" name="Рисунок 3" descr="susoend1.png"/>
+          <p:cNvPr id="4098" name="Picture 2"/>
           <p:cNvPicPr>
-            <a:picLocks noChangeAspect="1"/>
+            <a:picLocks noChangeAspect="1" noChangeArrowheads="1"/>
           </p:cNvPicPr>
           <p:nvPr/>
         </p:nvPicPr>
         <p:blipFill>
           <a:blip r:embed="rId2"/>
+          <a:srcRect/>
           <a:stretch>
             <a:fillRect/>
           </a:stretch>
         </p:blipFill>
-        <p:spPr>
+        <p:spPr bwMode="auto">
           <a:xfrm>
-            <a:off x="1" y="4143380"/>
-            <a:ext cx="4357686" cy="1173223"/>
+            <a:off x="3430251" y="2857496"/>
+            <a:ext cx="5713749" cy="3729045"/>
           </a:xfrm>
           <a:prstGeom prst="rect">
             <a:avLst/>
           </a:prstGeom>
-        </p:spPr>
-      </p:pic>
-      <p:pic>
-        <p:nvPicPr>
-          <p:cNvPr id="5" name="Рисунок 4" descr="susoend2.png"/>
-          <p:cNvPicPr>
-            <a:picLocks noChangeAspect="1"/>
-          </p:cNvPicPr>
-          <p:nvPr/>
-        </p:nvPicPr>
-        <p:blipFill>
-          <a:blip r:embed="rId3"/>
-          <a:stretch>
-            <a:fillRect/>
-          </a:stretch>
-        </p:blipFill>
-        <p:spPr>
-          <a:xfrm>
-            <a:off x="4786314" y="4143380"/>
-            <a:ext cx="4000528" cy="1149447"/>
-          </a:xfrm>
-          <a:prstGeom prst="rect">
-            <a:avLst/>
-          </a:prstGeom>
+          <a:noFill/>
+          <a:ln w="9525">
+            <a:noFill/>
+            <a:miter lim="800000"/>
+            <a:headEnd/>
+            <a:tailEnd/>
+          </a:ln>
+          <a:effectLst/>
         </p:spPr>
       </p:pic>
     </p:spTree>
@@ -4396,211 +4225,146 @@
           <a:p>
             <a:r>
               <a:rPr lang="en-US" dirty="0" smtClean="0"/>
-              <a:t>Code </a:t>
+              <a:t>Animation: </a:t>
+            </a:r>
+            <a:r>
+              <a:rPr lang="en-US" dirty="0" err="1" smtClean="0"/>
+              <a:t>effet</a:t>
+            </a:r>
+            <a:r>
+              <a:rPr lang="en-US" dirty="0" smtClean="0"/>
+              <a:t> fondue</a:t>
+            </a:r>
+            <a:endParaRPr lang="ru-RU" dirty="0"/>
+          </a:p>
+        </p:txBody>
+      </p:sp>
+      <p:sp>
+        <p:nvSpPr>
+          <p:cNvPr id="3" name="Содержимое 2"/>
+          <p:cNvSpPr>
+            <a:spLocks noGrp="1"/>
+          </p:cNvSpPr>
+          <p:nvPr>
+            <p:ph idx="1"/>
+          </p:nvPr>
+        </p:nvSpPr>
+        <p:spPr>
+          <a:xfrm>
+            <a:off x="457200" y="1600200"/>
+            <a:ext cx="4257676" cy="5257800"/>
+          </a:xfrm>
+        </p:spPr>
+        <p:txBody>
+          <a:bodyPr/>
+          <a:lstStyle/>
+          <a:p>
+            <a:pPr>
+              <a:buNone/>
+            </a:pPr>
+            <a:r>
+              <a:rPr lang="en-US" dirty="0" smtClean="0"/>
+              <a:t>Pour </a:t>
+            </a:r>
+            <a:r>
+              <a:rPr lang="en-US" dirty="0" err="1" smtClean="0"/>
+              <a:t>realiser</a:t>
+            </a:r>
+            <a:r>
+              <a:rPr lang="en-US" dirty="0" smtClean="0"/>
+              <a:t> </a:t>
+            </a:r>
+            <a:r>
+              <a:rPr lang="en-US" dirty="0" err="1" smtClean="0"/>
+              <a:t>cette</a:t>
+            </a:r>
+            <a:r>
+              <a:rPr lang="en-US" dirty="0" smtClean="0"/>
+              <a:t> animation nous </a:t>
+            </a:r>
+            <a:r>
+              <a:rPr lang="en-US" dirty="0" err="1" smtClean="0"/>
+              <a:t>avons</a:t>
+            </a:r>
+            <a:r>
+              <a:rPr lang="en-US" dirty="0" smtClean="0"/>
+              <a:t> </a:t>
+            </a:r>
+            <a:r>
+              <a:rPr lang="en-US" dirty="0" err="1" smtClean="0"/>
+              <a:t>besoin</a:t>
+            </a:r>
+            <a:r>
+              <a:rPr lang="en-US" dirty="0" smtClean="0"/>
+              <a:t> de la pseudo class :hover </a:t>
+            </a:r>
+            <a:r>
+              <a:rPr lang="en-US" dirty="0" err="1" smtClean="0"/>
+              <a:t>ainsi</a:t>
+            </a:r>
+            <a:r>
+              <a:rPr lang="en-US" dirty="0" smtClean="0"/>
+              <a:t> </a:t>
+            </a:r>
+            <a:r>
+              <a:rPr lang="en-US" dirty="0" err="1" smtClean="0"/>
+              <a:t>que</a:t>
+            </a:r>
+            <a:r>
+              <a:rPr lang="en-US" dirty="0" smtClean="0"/>
+              <a:t> de la </a:t>
+            </a:r>
+            <a:r>
+              <a:rPr lang="en-US" dirty="0" err="1" smtClean="0"/>
+              <a:t>propriete</a:t>
+            </a:r>
+            <a:r>
+              <a:rPr lang="en-US" dirty="0" smtClean="0"/>
+              <a:t> </a:t>
             </a:r>
             <a:r>
               <a:rPr lang="en-US" dirty="0" err="1" smtClean="0"/>
               <a:t>css</a:t>
             </a:r>
-            <a:endParaRPr lang="ru-RU" dirty="0"/>
-          </a:p>
-        </p:txBody>
-      </p:sp>
-      <p:sp>
-        <p:nvSpPr>
-          <p:cNvPr id="3" name="Содержимое 2"/>
-          <p:cNvSpPr>
-            <a:spLocks noGrp="1"/>
-          </p:cNvSpPr>
-          <p:nvPr>
-            <p:ph sz="quarter" idx="1"/>
-          </p:nvPr>
-        </p:nvSpPr>
-        <p:spPr/>
-        <p:txBody>
-          <a:bodyPr/>
-          <a:lstStyle/>
-          <a:p>
-            <a:r>
-              <a:rPr lang="en-US" dirty="0" smtClean="0"/>
-              <a:t>La </a:t>
-            </a:r>
-            <a:r>
-              <a:rPr lang="en-US" dirty="0" err="1" smtClean="0"/>
-              <a:t>dernière</a:t>
-            </a:r>
-            <a:r>
-              <a:rPr lang="en-US" dirty="0" smtClean="0"/>
-              <a:t> </a:t>
-            </a:r>
-            <a:r>
-              <a:rPr lang="en-US" dirty="0" smtClean="0"/>
-              <a:t>animation </a:t>
-            </a:r>
-            <a:r>
-              <a:rPr lang="en-US" dirty="0" err="1" smtClean="0"/>
-              <a:t>présente</a:t>
-            </a:r>
-            <a:r>
-              <a:rPr lang="en-US" dirty="0" smtClean="0"/>
-              <a:t> </a:t>
-            </a:r>
-            <a:r>
-              <a:rPr lang="en-US" dirty="0" err="1" smtClean="0"/>
-              <a:t>sur</a:t>
-            </a:r>
-            <a:r>
-              <a:rPr lang="en-US" dirty="0" smtClean="0"/>
-              <a:t> la page </a:t>
-            </a:r>
-            <a:r>
-              <a:rPr lang="en-US" dirty="0" err="1" smtClean="0"/>
-              <a:t>est</a:t>
-            </a:r>
-            <a:r>
-              <a:rPr lang="en-US" dirty="0" smtClean="0"/>
-              <a:t> </a:t>
-            </a:r>
-            <a:r>
-              <a:rPr lang="en-US" dirty="0" err="1" smtClean="0"/>
-              <a:t>l’effet</a:t>
-            </a:r>
-            <a:r>
-              <a:rPr lang="en-US" dirty="0" smtClean="0"/>
-              <a:t> </a:t>
-            </a:r>
-            <a:r>
-              <a:rPr lang="en-US" dirty="0" smtClean="0"/>
-              <a:t>wiggle. </a:t>
-            </a:r>
-            <a:r>
-              <a:rPr lang="en-US" dirty="0" smtClean="0"/>
-              <a:t>Pour </a:t>
-            </a:r>
-            <a:r>
-              <a:rPr lang="en-US" dirty="0" err="1" smtClean="0"/>
-              <a:t>cela</a:t>
-            </a:r>
-            <a:r>
-              <a:rPr lang="en-US" dirty="0" smtClean="0"/>
-              <a:t> nous </a:t>
-            </a:r>
-            <a:r>
-              <a:rPr lang="en-US" dirty="0" err="1" smtClean="0"/>
-              <a:t>avons</a:t>
-            </a:r>
-            <a:r>
-              <a:rPr lang="en-US" dirty="0" smtClean="0"/>
-              <a:t> </a:t>
-            </a:r>
-            <a:r>
-              <a:rPr lang="en-US" dirty="0" err="1" smtClean="0"/>
-              <a:t>concu</a:t>
-            </a:r>
-            <a:r>
-              <a:rPr lang="en-US" dirty="0" smtClean="0"/>
-              <a:t> </a:t>
-            </a:r>
-            <a:r>
-              <a:rPr lang="en-US" dirty="0" err="1" smtClean="0"/>
-              <a:t>une</a:t>
-            </a:r>
-            <a:r>
-              <a:rPr lang="en-US" dirty="0" smtClean="0"/>
-              <a:t> </a:t>
-            </a:r>
-            <a:r>
-              <a:rPr lang="en-US" dirty="0" err="1" smtClean="0"/>
-              <a:t>keyframes</a:t>
-            </a:r>
-            <a:r>
-              <a:rPr lang="en-US" dirty="0" smtClean="0"/>
-              <a:t> </a:t>
-            </a:r>
-            <a:r>
-              <a:rPr lang="en-US" dirty="0" smtClean="0"/>
-              <a:t>et </a:t>
-            </a:r>
-            <a:r>
-              <a:rPr lang="en-US" dirty="0" err="1" smtClean="0"/>
-              <a:t>l’avons</a:t>
-            </a:r>
-            <a:r>
-              <a:rPr lang="en-US" dirty="0" smtClean="0"/>
-              <a:t> </a:t>
-            </a:r>
-            <a:r>
-              <a:rPr lang="en-US" dirty="0" smtClean="0"/>
-              <a:t>appliqué </a:t>
-            </a:r>
-            <a:r>
-              <a:rPr lang="en-US" dirty="0" smtClean="0"/>
-              <a:t>aux </a:t>
-            </a:r>
-            <a:r>
-              <a:rPr lang="en-US" dirty="0" err="1" smtClean="0"/>
-              <a:t>élements</a:t>
-            </a:r>
-            <a:r>
-              <a:rPr lang="en-US" dirty="0" smtClean="0"/>
-              <a:t> </a:t>
-            </a:r>
-            <a:r>
-              <a:rPr lang="en-US" dirty="0" smtClean="0"/>
-              <a:t>du footer</a:t>
-            </a:r>
-          </a:p>
-          <a:p>
-            <a:endParaRPr lang="ru-RU" dirty="0"/>
+            <a:r>
+              <a:rPr lang="en-US" dirty="0" smtClean="0"/>
+              <a:t> transition</a:t>
+            </a:r>
+            <a:endParaRPr lang="en-US" dirty="0" smtClean="0"/>
           </a:p>
         </p:txBody>
       </p:sp>
       <p:pic>
         <p:nvPicPr>
-          <p:cNvPr id="4" name="Рисунок 3" descr="keyframes.png"/>
+          <p:cNvPr id="5123" name="Picture 3"/>
           <p:cNvPicPr>
-            <a:picLocks noChangeAspect="1"/>
+            <a:picLocks noChangeAspect="1" noChangeArrowheads="1"/>
           </p:cNvPicPr>
           <p:nvPr/>
         </p:nvPicPr>
         <p:blipFill>
           <a:blip r:embed="rId2"/>
+          <a:srcRect/>
           <a:stretch>
             <a:fillRect/>
           </a:stretch>
         </p:blipFill>
-        <p:spPr>
+        <p:spPr bwMode="auto">
           <a:xfrm>
-            <a:off x="0" y="3643314"/>
-            <a:ext cx="3619525" cy="1785950"/>
+            <a:off x="4754266" y="1357298"/>
+            <a:ext cx="4389734" cy="4857784"/>
           </a:xfrm>
           <a:prstGeom prst="rect">
             <a:avLst/>
           </a:prstGeom>
-        </p:spPr>
-      </p:pic>
-      <p:pic>
-        <p:nvPicPr>
-          <p:cNvPr id="5" name="Рисунок 4" descr="footer_css.png"/>
-          <p:cNvPicPr>
-            <a:picLocks noChangeAspect="1"/>
-          </p:cNvPicPr>
-          <p:nvPr/>
-        </p:nvPicPr>
-        <p:blipFill>
-          <a:blip r:embed="rId3"/>
-          <a:stretch>
-            <a:fillRect/>
-          </a:stretch>
-        </p:blipFill>
-        <p:spPr>
-          <a:xfrm>
-            <a:off x="4786314" y="2928934"/>
-            <a:ext cx="2857520" cy="3915552"/>
-          </a:xfrm>
-          <a:prstGeom prst="rect">
-            <a:avLst/>
-          </a:prstGeom>
+          <a:noFill/>
+          <a:ln w="9525">
+            <a:noFill/>
+            <a:miter lim="800000"/>
+            <a:headEnd/>
+            <a:tailEnd/>
+          </a:ln>
+          <a:effectLst/>
         </p:spPr>
       </p:pic>
     </p:spTree>
@@ -4645,118 +4409,202 @@
             <p:ph type="title"/>
           </p:nvPr>
         </p:nvSpPr>
-        <p:spPr/>
+        <p:spPr>
+          <a:xfrm>
+            <a:off x="457200" y="274638"/>
+            <a:ext cx="3543296" cy="1368412"/>
+          </a:xfrm>
+        </p:spPr>
+        <p:txBody>
+          <a:bodyPr>
+            <a:normAutofit fontScale="90000"/>
+          </a:bodyPr>
+          <a:lstStyle/>
+          <a:p>
+            <a:r>
+              <a:rPr lang="en-US" dirty="0" smtClean="0"/>
+              <a:t>Animation: </a:t>
+            </a:r>
+            <a:r>
+              <a:rPr lang="en-US" dirty="0" err="1" smtClean="0"/>
+              <a:t>effet</a:t>
+            </a:r>
+            <a:r>
+              <a:rPr lang="en-US" dirty="0" smtClean="0"/>
+              <a:t> wiggle</a:t>
+            </a:r>
+            <a:endParaRPr lang="ru-RU" dirty="0"/>
+          </a:p>
+        </p:txBody>
+      </p:sp>
+      <p:sp>
+        <p:nvSpPr>
+          <p:cNvPr id="3" name="Содержимое 2"/>
+          <p:cNvSpPr>
+            <a:spLocks noGrp="1"/>
+          </p:cNvSpPr>
+          <p:nvPr>
+            <p:ph idx="1"/>
+          </p:nvPr>
+        </p:nvSpPr>
+        <p:spPr>
+          <a:xfrm>
+            <a:off x="457200" y="1600200"/>
+            <a:ext cx="5543560" cy="5257800"/>
+          </a:xfrm>
+        </p:spPr>
         <p:txBody>
           <a:bodyPr/>
           <a:lstStyle/>
           <a:p>
             <a:r>
-              <a:rPr lang="en-US" dirty="0" smtClean="0"/>
-              <a:t>Les Menus </a:t>
+              <a:rPr lang="en-US" dirty="0" err="1" smtClean="0"/>
+              <a:t>Cette</a:t>
+            </a:r>
+            <a:r>
+              <a:rPr lang="en-US" dirty="0" smtClean="0"/>
+              <a:t> animation </a:t>
+            </a:r>
+            <a:r>
+              <a:rPr lang="en-US" dirty="0" err="1" smtClean="0"/>
+              <a:t>utilise</a:t>
+            </a:r>
+            <a:r>
+              <a:rPr lang="en-US" dirty="0" smtClean="0"/>
+              <a:t> la </a:t>
+            </a:r>
+            <a:r>
+              <a:rPr lang="en-US" dirty="0" err="1" smtClean="0"/>
+              <a:t>propritete</a:t>
+            </a:r>
+            <a:r>
+              <a:rPr lang="en-US" dirty="0" smtClean="0"/>
+              <a:t> </a:t>
+            </a:r>
+            <a:r>
+              <a:rPr lang="en-US" dirty="0" err="1" smtClean="0"/>
+              <a:t>css</a:t>
+            </a:r>
+            <a:r>
+              <a:rPr lang="en-US" dirty="0" smtClean="0"/>
+              <a:t> animation, pour </a:t>
+            </a:r>
+            <a:r>
+              <a:rPr lang="en-US" dirty="0" err="1" smtClean="0"/>
+              <a:t>cela</a:t>
+            </a:r>
+            <a:r>
+              <a:rPr lang="en-US" dirty="0" smtClean="0"/>
+              <a:t> nous </a:t>
+            </a:r>
+            <a:r>
+              <a:rPr lang="en-US" dirty="0" err="1" smtClean="0"/>
+              <a:t>avons</a:t>
+            </a:r>
+            <a:r>
+              <a:rPr lang="en-US" dirty="0" smtClean="0"/>
+              <a:t> </a:t>
+            </a:r>
+            <a:r>
+              <a:rPr lang="en-US" dirty="0" err="1" smtClean="0"/>
+              <a:t>aussi</a:t>
+            </a:r>
+            <a:r>
+              <a:rPr lang="en-US" dirty="0" smtClean="0"/>
+              <a:t> </a:t>
+            </a:r>
+            <a:r>
+              <a:rPr lang="en-US" dirty="0" err="1" smtClean="0"/>
+              <a:t>creer</a:t>
+            </a:r>
+            <a:r>
+              <a:rPr lang="en-US" dirty="0" smtClean="0"/>
+              <a:t> </a:t>
+            </a:r>
+            <a:r>
+              <a:rPr lang="en-US" dirty="0" err="1" smtClean="0"/>
+              <a:t>une</a:t>
+            </a:r>
+            <a:r>
+              <a:rPr lang="en-US" dirty="0" smtClean="0"/>
+              <a:t> </a:t>
+            </a:r>
+            <a:r>
+              <a:rPr lang="en-US" dirty="0" err="1" smtClean="0"/>
+              <a:t>keyframe</a:t>
+            </a:r>
+            <a:r>
+              <a:rPr lang="en-US" dirty="0" smtClean="0"/>
+              <a:t> </a:t>
             </a:r>
             <a:endParaRPr lang="ru-RU" dirty="0"/>
-          </a:p>
-        </p:txBody>
-      </p:sp>
-      <p:sp>
-        <p:nvSpPr>
-          <p:cNvPr id="3" name="Содержимое 2"/>
-          <p:cNvSpPr>
-            <a:spLocks noGrp="1"/>
-          </p:cNvSpPr>
-          <p:nvPr>
-            <p:ph sz="quarter" idx="1"/>
-          </p:nvPr>
-        </p:nvSpPr>
-        <p:spPr/>
-        <p:txBody>
-          <a:bodyPr/>
-          <a:lstStyle/>
-          <a:p>
-            <a:r>
-              <a:rPr lang="en-US" dirty="0" err="1" smtClean="0"/>
-              <a:t>Tous</a:t>
-            </a:r>
-            <a:r>
-              <a:rPr lang="en-US" dirty="0" smtClean="0"/>
-              <a:t> les menus </a:t>
-            </a:r>
-            <a:r>
-              <a:rPr lang="en-US" dirty="0" err="1" smtClean="0"/>
-              <a:t>sont</a:t>
-            </a:r>
-            <a:r>
-              <a:rPr lang="en-US" dirty="0" smtClean="0"/>
-              <a:t> </a:t>
-            </a:r>
-            <a:r>
-              <a:rPr lang="en-US" dirty="0" err="1" smtClean="0"/>
-              <a:t>réalisés</a:t>
-            </a:r>
-            <a:r>
-              <a:rPr lang="en-US" dirty="0" smtClean="0"/>
-              <a:t> </a:t>
-            </a:r>
-            <a:r>
-              <a:rPr lang="en-US" dirty="0" smtClean="0"/>
-              <a:t>avec </a:t>
-            </a:r>
-            <a:r>
-              <a:rPr lang="en-US" dirty="0" smtClean="0"/>
-              <a:t>la </a:t>
-            </a:r>
-            <a:r>
-              <a:rPr lang="en-US" dirty="0" smtClean="0"/>
-              <a:t>meme </a:t>
-            </a:r>
-            <a:r>
-              <a:rPr lang="en-US" dirty="0" err="1" smtClean="0"/>
-              <a:t>logique</a:t>
-            </a:r>
-            <a:endParaRPr lang="en-US" dirty="0" smtClean="0"/>
-          </a:p>
-          <a:p>
-            <a:endParaRPr lang="en-US" dirty="0" smtClean="0"/>
-          </a:p>
-          <a:p>
-            <a:endParaRPr lang="en-US" dirty="0" smtClean="0"/>
-          </a:p>
-          <a:p>
-            <a:endParaRPr lang="en-US" dirty="0" smtClean="0"/>
-          </a:p>
-          <a:p>
-            <a:endParaRPr lang="en-US" dirty="0" smtClean="0"/>
-          </a:p>
-          <a:p>
-            <a:pPr>
-              <a:buNone/>
-            </a:pPr>
-            <a:endParaRPr lang="en-US" dirty="0" smtClean="0"/>
           </a:p>
         </p:txBody>
       </p:sp>
       <p:pic>
         <p:nvPicPr>
-          <p:cNvPr id="4" name="Рисунок 3" descr="item.png"/>
+          <p:cNvPr id="6147" name="Picture 3"/>
           <p:cNvPicPr>
-            <a:picLocks noChangeAspect="1"/>
+            <a:picLocks noChangeAspect="1" noChangeArrowheads="1"/>
           </p:cNvPicPr>
           <p:nvPr/>
         </p:nvPicPr>
         <p:blipFill>
           <a:blip r:embed="rId2"/>
+          <a:srcRect/>
           <a:stretch>
             <a:fillRect/>
           </a:stretch>
         </p:blipFill>
-        <p:spPr>
+        <p:spPr bwMode="auto">
           <a:xfrm>
-            <a:off x="714348" y="2285992"/>
-            <a:ext cx="6786610" cy="2215500"/>
+            <a:off x="6029325" y="3695700"/>
+            <a:ext cx="3114675" cy="3162300"/>
           </a:xfrm>
           <a:prstGeom prst="rect">
             <a:avLst/>
           </a:prstGeom>
+          <a:noFill/>
+          <a:ln w="9525">
+            <a:noFill/>
+            <a:miter lim="800000"/>
+            <a:headEnd/>
+            <a:tailEnd/>
+          </a:ln>
+          <a:effectLst/>
+        </p:spPr>
+      </p:pic>
+      <p:pic>
+        <p:nvPicPr>
+          <p:cNvPr id="6148" name="Picture 4"/>
+          <p:cNvPicPr>
+            <a:picLocks noChangeAspect="1" noChangeArrowheads="1"/>
+          </p:cNvPicPr>
+          <p:nvPr/>
+        </p:nvPicPr>
+        <p:blipFill>
+          <a:blip r:embed="rId3"/>
+          <a:srcRect/>
+          <a:stretch>
+            <a:fillRect/>
+          </a:stretch>
+        </p:blipFill>
+        <p:spPr bwMode="auto">
+          <a:xfrm>
+            <a:off x="6143636" y="0"/>
+            <a:ext cx="3000364" cy="3683901"/>
+          </a:xfrm>
+          <a:prstGeom prst="rect">
+            <a:avLst/>
+          </a:prstGeom>
+          <a:noFill/>
+          <a:ln w="9525">
+            <a:noFill/>
+            <a:miter lim="800000"/>
+            <a:headEnd/>
+            <a:tailEnd/>
+          </a:ln>
+          <a:effectLst/>
         </p:spPr>
       </p:pic>
     </p:spTree>
@@ -4803,18 +4651,12 @@
         </p:nvSpPr>
         <p:spPr/>
         <p:txBody>
-          <a:bodyPr>
-            <a:normAutofit/>
-          </a:bodyPr>
-          <a:lstStyle/>
-          <a:p>
-            <a:r>
-              <a:rPr lang="en-US" dirty="0" smtClean="0"/>
-              <a:t>Les menus </a:t>
-            </a:r>
-            <a:r>
-              <a:rPr lang="en-US" dirty="0" err="1" smtClean="0"/>
-              <a:t>css</a:t>
+          <a:bodyPr/>
+          <a:lstStyle/>
+          <a:p>
+            <a:r>
+              <a:rPr lang="en-US" dirty="0" smtClean="0"/>
+              <a:t>Apparition des points</a:t>
             </a:r>
             <a:endParaRPr lang="ru-RU" dirty="0"/>
           </a:p>
@@ -4827,29 +4669,34 @@
             <a:spLocks noGrp="1"/>
           </p:cNvSpPr>
           <p:nvPr>
-            <p:ph sz="quarter" idx="1"/>
-          </p:nvPr>
-        </p:nvSpPr>
-        <p:spPr/>
+            <p:ph idx="1"/>
+          </p:nvPr>
+        </p:nvSpPr>
+        <p:spPr>
+          <a:xfrm>
+            <a:off x="457200" y="1600200"/>
+            <a:ext cx="3829048" cy="5257800"/>
+          </a:xfrm>
+        </p:spPr>
         <p:txBody>
           <a:bodyPr/>
           <a:lstStyle/>
           <a:p>
             <a:r>
               <a:rPr lang="en-US" dirty="0" smtClean="0"/>
-              <a:t>La </a:t>
-            </a:r>
-            <a:r>
-              <a:rPr lang="en-US" dirty="0" err="1" smtClean="0"/>
-              <a:t>seule</a:t>
-            </a:r>
-            <a:r>
-              <a:rPr lang="en-US" dirty="0" smtClean="0"/>
-              <a:t> animations </a:t>
-            </a:r>
-            <a:r>
-              <a:rPr lang="en-US" dirty="0" err="1" smtClean="0"/>
-              <a:t>présente</a:t>
+              <a:t>Pour </a:t>
+            </a:r>
+            <a:r>
+              <a:rPr lang="en-US" dirty="0" err="1" smtClean="0"/>
+              <a:t>cette</a:t>
+            </a:r>
+            <a:r>
+              <a:rPr lang="en-US" dirty="0" smtClean="0"/>
+              <a:t> animation nous </a:t>
+            </a:r>
+            <a:r>
+              <a:rPr lang="en-US" dirty="0" err="1" smtClean="0"/>
+              <a:t>avons</a:t>
             </a:r>
             <a:r>
               <a:rPr lang="en-US" dirty="0" smtClean="0"/>
@@ -4857,7 +4704,31 @@
             </a:r>
             <a:r>
               <a:rPr lang="en-US" dirty="0" err="1" smtClean="0"/>
-              <a:t>dans</a:t>
+              <a:t>manipuler</a:t>
+            </a:r>
+            <a:r>
+              <a:rPr lang="en-US" dirty="0" smtClean="0"/>
+              <a:t> les </a:t>
+            </a:r>
+            <a:r>
+              <a:rPr lang="en-US" dirty="0" err="1" smtClean="0"/>
+              <a:t>pseudos</a:t>
+            </a:r>
+            <a:r>
+              <a:rPr lang="en-US" dirty="0" smtClean="0"/>
+              <a:t> class hover , not et </a:t>
+            </a:r>
+            <a:r>
+              <a:rPr lang="en-US" dirty="0" err="1" smtClean="0"/>
+              <a:t>ntn</a:t>
+            </a:r>
+            <a:r>
+              <a:rPr lang="en-US" dirty="0" smtClean="0"/>
+              <a:t>-child , </a:t>
+            </a:r>
+            <a:r>
+              <a:rPr lang="en-US" dirty="0" err="1" smtClean="0"/>
+              <a:t>ainsi</a:t>
             </a:r>
             <a:r>
               <a:rPr lang="en-US" dirty="0" smtClean="0"/>
@@ -4865,56 +4736,244 @@
             </a:r>
             <a:r>
               <a:rPr lang="en-US" dirty="0" err="1" smtClean="0"/>
-              <a:t>chaque</a:t>
-            </a:r>
-            <a:r>
-              <a:rPr lang="en-US" dirty="0" smtClean="0"/>
-              <a:t> menu </a:t>
-            </a:r>
-            <a:r>
-              <a:rPr lang="en-US" dirty="0" err="1" smtClean="0"/>
-              <a:t>est</a:t>
-            </a:r>
-            <a:r>
-              <a:rPr lang="en-US" dirty="0" smtClean="0"/>
-              <a:t> le </a:t>
-            </a:r>
-            <a:r>
-              <a:rPr lang="en-US" dirty="0" err="1" smtClean="0"/>
-              <a:t>soulignement</a:t>
-            </a:r>
-            <a:r>
-              <a:rPr lang="en-US" dirty="0" smtClean="0"/>
-              <a:t> des categories.</a:t>
-            </a:r>
-          </a:p>
-          <a:p>
+              <a:t>que</a:t>
+            </a:r>
+            <a:r>
+              <a:rPr lang="en-US" dirty="0" smtClean="0"/>
+              <a:t> les </a:t>
+            </a:r>
+            <a:r>
+              <a:rPr lang="en-US" dirty="0" err="1" smtClean="0"/>
+              <a:t>proprietes</a:t>
+            </a:r>
+            <a:r>
+              <a:rPr lang="en-US" dirty="0" smtClean="0"/>
+              <a:t> opacity et transition</a:t>
+            </a:r>
             <a:endParaRPr lang="ru-RU" dirty="0"/>
           </a:p>
         </p:txBody>
       </p:sp>
       <p:pic>
         <p:nvPicPr>
-          <p:cNvPr id="4" name="Рисунок 3" descr="soulignement.png"/>
+          <p:cNvPr id="7170" name="Picture 2"/>
           <p:cNvPicPr>
-            <a:picLocks noChangeAspect="1"/>
+            <a:picLocks noChangeAspect="1" noChangeArrowheads="1"/>
           </p:cNvPicPr>
           <p:nvPr/>
         </p:nvPicPr>
         <p:blipFill>
           <a:blip r:embed="rId2"/>
+          <a:srcRect/>
           <a:stretch>
             <a:fillRect/>
           </a:stretch>
         </p:blipFill>
-        <p:spPr>
+        <p:spPr bwMode="auto">
           <a:xfrm>
-            <a:off x="2714612" y="2555169"/>
-            <a:ext cx="3357586" cy="4302831"/>
+            <a:off x="4357686" y="1214422"/>
+            <a:ext cx="4786314" cy="2321362"/>
           </a:xfrm>
           <a:prstGeom prst="rect">
             <a:avLst/>
           </a:prstGeom>
+          <a:noFill/>
+          <a:ln w="9525">
+            <a:noFill/>
+            <a:miter lim="800000"/>
+            <a:headEnd/>
+            <a:tailEnd/>
+          </a:ln>
+          <a:effectLst/>
+        </p:spPr>
+      </p:pic>
+      <p:pic>
+        <p:nvPicPr>
+          <p:cNvPr id="7171" name="Picture 3"/>
+          <p:cNvPicPr>
+            <a:picLocks noChangeAspect="1" noChangeArrowheads="1"/>
+          </p:cNvPicPr>
+          <p:nvPr/>
+        </p:nvPicPr>
+        <p:blipFill>
+          <a:blip r:embed="rId3"/>
+          <a:srcRect/>
+          <a:stretch>
+            <a:fillRect/>
+          </a:stretch>
+        </p:blipFill>
+        <p:spPr bwMode="auto">
+          <a:xfrm>
+            <a:off x="4357687" y="3714752"/>
+            <a:ext cx="4786314" cy="2287404"/>
+          </a:xfrm>
+          <a:prstGeom prst="rect">
+            <a:avLst/>
+          </a:prstGeom>
+          <a:noFill/>
+          <a:ln w="9525">
+            <a:noFill/>
+            <a:miter lim="800000"/>
+            <a:headEnd/>
+            <a:tailEnd/>
+          </a:ln>
+          <a:effectLst/>
+        </p:spPr>
+      </p:pic>
+    </p:spTree>
+  </p:cSld>
+  <p:clrMapOvr>
+    <a:masterClrMapping/>
+  </p:clrMapOvr>
+  <p:timing>
+    <p:tnLst>
+      <p:par>
+        <p:cTn id="1" dur="indefinite" restart="never" nodeType="tmRoot"/>
+      </p:par>
+    </p:tnLst>
+  </p:timing>
+</p:sld>
+</file>
+
+<file path=ppt/slides/slide15.xml><?xml version="1.0" encoding="utf-8"?>
+<p:sld xmlns:a="http://schemas.openxmlformats.org/drawingml/2006/main" xmlns:r="http://schemas.openxmlformats.org/officeDocument/2006/relationships" xmlns:p="http://schemas.openxmlformats.org/presentationml/2006/main">
+  <p:cSld>
+    <p:spTree>
+      <p:nvGrpSpPr>
+        <p:cNvPr id="1" name=""/>
+        <p:cNvGrpSpPr/>
+        <p:nvPr/>
+      </p:nvGrpSpPr>
+      <p:grpSpPr>
+        <a:xfrm>
+          <a:off x="0" y="0"/>
+          <a:ext cx="0" cy="0"/>
+          <a:chOff x="0" y="0"/>
+          <a:chExt cx="0" cy="0"/>
+        </a:xfrm>
+      </p:grpSpPr>
+      <p:sp>
+        <p:nvSpPr>
+          <p:cNvPr id="2" name="Заголовок 1"/>
+          <p:cNvSpPr>
+            <a:spLocks noGrp="1"/>
+          </p:cNvSpPr>
+          <p:nvPr>
+            <p:ph type="title"/>
+          </p:nvPr>
+        </p:nvSpPr>
+        <p:spPr/>
+        <p:txBody>
+          <a:bodyPr/>
+          <a:lstStyle/>
+          <a:p>
+            <a:r>
+              <a:rPr lang="en-US" dirty="0" err="1" smtClean="0"/>
+              <a:t>Soulignement</a:t>
+            </a:r>
+            <a:r>
+              <a:rPr lang="en-US" dirty="0" smtClean="0"/>
+              <a:t> des categories</a:t>
+            </a:r>
+            <a:endParaRPr lang="ru-RU" dirty="0"/>
+          </a:p>
+        </p:txBody>
+      </p:sp>
+      <p:sp>
+        <p:nvSpPr>
+          <p:cNvPr id="3" name="Содержимое 2"/>
+          <p:cNvSpPr>
+            <a:spLocks noGrp="1"/>
+          </p:cNvSpPr>
+          <p:nvPr>
+            <p:ph idx="1"/>
+          </p:nvPr>
+        </p:nvSpPr>
+        <p:spPr>
+          <a:xfrm>
+            <a:off x="457200" y="1600200"/>
+            <a:ext cx="5329246" cy="5257800"/>
+          </a:xfrm>
+        </p:spPr>
+        <p:txBody>
+          <a:bodyPr/>
+          <a:lstStyle/>
+          <a:p>
+            <a:r>
+              <a:rPr lang="en-US" dirty="0" err="1" smtClean="0"/>
+              <a:t>Ici</a:t>
+            </a:r>
+            <a:r>
+              <a:rPr lang="en-US" dirty="0" smtClean="0"/>
+              <a:t> nous </a:t>
+            </a:r>
+            <a:r>
+              <a:rPr lang="en-US" dirty="0" err="1" smtClean="0"/>
+              <a:t>utilisons</a:t>
+            </a:r>
+            <a:r>
+              <a:rPr lang="en-US" dirty="0" smtClean="0"/>
+              <a:t> les </a:t>
+            </a:r>
+            <a:r>
+              <a:rPr lang="en-US" dirty="0" err="1" smtClean="0"/>
+              <a:t>proprietes</a:t>
+            </a:r>
+            <a:r>
+              <a:rPr lang="en-US" dirty="0" smtClean="0"/>
+              <a:t> transform et transform-origin, </a:t>
+            </a:r>
+            <a:r>
+              <a:rPr lang="en-US" dirty="0" err="1" smtClean="0"/>
+              <a:t>ainsi</a:t>
+            </a:r>
+            <a:r>
+              <a:rPr lang="en-US" dirty="0" smtClean="0"/>
+              <a:t> </a:t>
+            </a:r>
+            <a:r>
+              <a:rPr lang="en-US" dirty="0" err="1" smtClean="0"/>
+              <a:t>que</a:t>
+            </a:r>
+            <a:r>
+              <a:rPr lang="en-US" dirty="0" smtClean="0"/>
+              <a:t> les pseudo-class before et hover</a:t>
+            </a:r>
+            <a:endParaRPr lang="ru-RU" dirty="0"/>
+          </a:p>
+        </p:txBody>
+      </p:sp>
+      <p:pic>
+        <p:nvPicPr>
+          <p:cNvPr id="8194" name="Picture 2"/>
+          <p:cNvPicPr>
+            <a:picLocks noChangeAspect="1" noChangeArrowheads="1"/>
+          </p:cNvPicPr>
+          <p:nvPr/>
+        </p:nvPicPr>
+        <p:blipFill>
+          <a:blip r:embed="rId2"/>
+          <a:srcRect/>
+          <a:stretch>
+            <a:fillRect/>
+          </a:stretch>
+        </p:blipFill>
+        <p:spPr bwMode="auto">
+          <a:xfrm>
+            <a:off x="5810250" y="1357298"/>
+            <a:ext cx="3333750" cy="3552825"/>
+          </a:xfrm>
+          <a:prstGeom prst="rect">
+            <a:avLst/>
+          </a:prstGeom>
+          <a:noFill/>
+          <a:ln w="9525">
+            <a:noFill/>
+            <a:miter lim="800000"/>
+            <a:headEnd/>
+            <a:tailEnd/>
+          </a:ln>
+          <a:effectLst/>
         </p:spPr>
       </p:pic>
     </p:spTree>
@@ -4993,7 +5052,7 @@
             <a:spLocks noGrp="1"/>
           </p:cNvSpPr>
           <p:nvPr>
-            <p:ph sz="quarter" idx="1"/>
+            <p:ph idx="1"/>
           </p:nvPr>
         </p:nvSpPr>
         <p:spPr/>
@@ -5012,7 +5071,9 @@
           </a:fontRef>
         </p:style>
         <p:txBody>
-          <a:bodyPr/>
+          <a:bodyPr>
+            <a:normAutofit fontScale="92500" lnSpcReduction="10000"/>
+          </a:bodyPr>
           <a:lstStyle/>
           <a:p>
             <a:r>
@@ -5053,7 +5114,28 @@
             </a:r>
             <a:r>
               <a:rPr lang="fr-FR" dirty="0" smtClean="0"/>
-              <a:t>ésentant le logo du site , 4 pages contenant chacune le menu et 4 animations css </a:t>
+              <a:t>ésentant le logo du site , 4 pages contenant chacune le </a:t>
+            </a:r>
+            <a:r>
+              <a:rPr lang="fr-FR" dirty="0" smtClean="0"/>
+              <a:t>menu</a:t>
+            </a:r>
+          </a:p>
+          <a:p>
+            <a:pPr>
+              <a:buNone/>
+            </a:pPr>
+            <a:r>
+              <a:rPr lang="fr-FR" dirty="0" smtClean="0"/>
+              <a:t>4 </a:t>
+            </a:r>
+            <a:r>
+              <a:rPr lang="fr-FR" dirty="0" smtClean="0"/>
+              <a:t>animations </a:t>
+            </a:r>
+            <a:r>
+              <a:rPr lang="fr-FR" dirty="0" smtClean="0"/>
+              <a:t>css:</a:t>
             </a:r>
             <a:endParaRPr lang="ru-RU" dirty="0" smtClean="0"/>
           </a:p>
@@ -5266,13 +5348,13 @@
             <a:spLocks noGrp="1"/>
           </p:cNvSpPr>
           <p:nvPr>
-            <p:ph sz="quarter" idx="1"/>
+            <p:ph idx="1"/>
           </p:nvPr>
         </p:nvSpPr>
         <p:spPr/>
         <p:txBody>
           <a:bodyPr>
-            <a:normAutofit lnSpcReduction="10000"/>
+            <a:normAutofit fontScale="92500" lnSpcReduction="20000"/>
           </a:bodyPr>
           <a:lstStyle/>
           <a:p>
@@ -5614,13 +5696,13 @@
             <a:spLocks noGrp="1"/>
           </p:cNvSpPr>
           <p:nvPr>
-            <p:ph sz="quarter" idx="1"/>
+            <p:ph idx="1"/>
           </p:nvPr>
         </p:nvSpPr>
         <p:spPr/>
         <p:txBody>
           <a:bodyPr>
-            <a:normAutofit fontScale="92500" lnSpcReduction="10000"/>
+            <a:normAutofit fontScale="77500" lnSpcReduction="20000"/>
           </a:bodyPr>
           <a:lstStyle/>
           <a:p>
@@ -5910,7 +5992,7 @@
             <a:spLocks noGrp="1"/>
           </p:cNvSpPr>
           <p:nvPr>
-            <p:ph sz="quarter" idx="1"/>
+            <p:ph idx="1"/>
           </p:nvPr>
         </p:nvSpPr>
         <p:spPr/>
@@ -5918,6 +6000,9 @@
           <a:bodyPr/>
           <a:lstStyle/>
           <a:p>
+            <a:pPr>
+              <a:buNone/>
+            </a:pPr>
             <a:r>
               <a:rPr lang="en-US" dirty="0" smtClean="0"/>
               <a:t>Le site sera </a:t>
@@ -6014,41 +6099,57 @@
             </a:r>
             <a:r>
               <a:rPr lang="en-US" dirty="0" smtClean="0"/>
+              <a:t> a la </a:t>
+            </a:r>
+            <a:r>
+              <a:rPr lang="en-US" dirty="0" err="1" smtClean="0"/>
+              <a:t>racine</a:t>
+            </a:r>
+            <a:r>
+              <a:rPr lang="en-US" dirty="0" smtClean="0"/>
+              <a:t> du </a:t>
+            </a:r>
+            <a:r>
+              <a:rPr lang="en-US" dirty="0" err="1" smtClean="0"/>
+              <a:t>projet</a:t>
+            </a:r>
+            <a:r>
+              <a:rPr lang="en-US" dirty="0" smtClean="0"/>
+              <a:t> . </a:t>
+            </a:r>
+          </a:p>
+          <a:p>
+            <a:r>
+              <a:rPr lang="en-US" dirty="0" smtClean="0"/>
+              <a:t>Les </a:t>
+            </a:r>
+            <a:r>
+              <a:rPr lang="en-US" dirty="0" err="1" smtClean="0"/>
+              <a:t>fichiers</a:t>
+            </a:r>
+            <a:r>
+              <a:rPr lang="en-US" dirty="0" smtClean="0"/>
               <a:t> </a:t>
             </a:r>
             <a:r>
-              <a:rPr lang="en-US" dirty="0" smtClean="0"/>
-              <a:t>a </a:t>
-            </a:r>
-            <a:r>
-              <a:rPr lang="en-US" dirty="0" smtClean="0"/>
-              <a:t>la </a:t>
-            </a:r>
-            <a:r>
-              <a:rPr lang="en-US" dirty="0" err="1" smtClean="0"/>
-              <a:t>racine</a:t>
-            </a:r>
-            <a:r>
-              <a:rPr lang="en-US" dirty="0" smtClean="0"/>
-              <a:t> du </a:t>
-            </a:r>
-            <a:r>
-              <a:rPr lang="en-US" dirty="0" err="1" smtClean="0"/>
-              <a:t>projet</a:t>
-            </a:r>
-            <a:r>
-              <a:rPr lang="en-US" dirty="0" smtClean="0"/>
-              <a:t> . </a:t>
-            </a:r>
-          </a:p>
-          <a:p>
-            <a:r>
-              <a:rPr lang="en-US" dirty="0" smtClean="0"/>
-              <a:t>Les </a:t>
-            </a:r>
-            <a:r>
-              <a:rPr lang="en-US" dirty="0" err="1" smtClean="0"/>
-              <a:t>fichiers</a:t>
+              <a:rPr lang="en-US" dirty="0" err="1" smtClean="0"/>
+              <a:t>correspondants</a:t>
+            </a:r>
+            <a:r>
+              <a:rPr lang="en-US" dirty="0" smtClean="0"/>
+              <a:t> aux </a:t>
+            </a:r>
+            <a:r>
+              <a:rPr lang="en-US" dirty="0" err="1" smtClean="0"/>
+              <a:t>differents</a:t>
+            </a:r>
+            <a:r>
+              <a:rPr lang="en-US" dirty="0" smtClean="0"/>
+              <a:t> menus </a:t>
+            </a:r>
+            <a:r>
+              <a:rPr lang="en-US" dirty="0" err="1" smtClean="0"/>
+              <a:t>sont</a:t>
             </a:r>
             <a:r>
               <a:rPr lang="en-US" dirty="0" smtClean="0"/>
@@ -6056,39 +6157,11 @@
             </a:r>
             <a:r>
               <a:rPr lang="en-US" dirty="0" err="1" smtClean="0"/>
-              <a:t>correspondants</a:t>
-            </a:r>
-            <a:r>
-              <a:rPr lang="en-US" dirty="0" smtClean="0"/>
-              <a:t> aux </a:t>
-            </a:r>
-            <a:r>
-              <a:rPr lang="en-US" dirty="0" err="1" smtClean="0"/>
-              <a:t>differents</a:t>
-            </a:r>
-            <a:r>
-              <a:rPr lang="en-US" dirty="0" smtClean="0"/>
-              <a:t> menus </a:t>
-            </a:r>
-            <a:r>
-              <a:rPr lang="en-US" dirty="0" err="1" smtClean="0"/>
-              <a:t>sont</a:t>
-            </a:r>
-            <a:r>
-              <a:rPr lang="en-US" dirty="0" smtClean="0"/>
-              <a:t> </a:t>
-            </a:r>
-            <a:r>
-              <a:rPr lang="en-US" dirty="0" err="1" smtClean="0"/>
               <a:t>dans</a:t>
             </a:r>
             <a:r>
               <a:rPr lang="en-US" dirty="0" smtClean="0"/>
-              <a:t> </a:t>
-            </a:r>
-            <a:r>
-              <a:rPr lang="en-US" dirty="0" smtClean="0"/>
-              <a:t>le dossier menu  </a:t>
+              <a:t> le dossier menu  </a:t>
             </a:r>
             <a:endParaRPr lang="ru-RU" dirty="0"/>
           </a:p>
@@ -6141,294 +6214,45 @@
           <a:bodyPr/>
           <a:lstStyle/>
           <a:p>
-            <a:r>
-              <a:rPr lang="en-US" dirty="0" smtClean="0"/>
-              <a:t>Structure des </a:t>
-            </a:r>
-            <a:r>
-              <a:rPr lang="en-US" dirty="0" err="1" smtClean="0"/>
-              <a:t>fichiers</a:t>
-            </a:r>
-            <a:r>
-              <a:rPr lang="en-US" dirty="0" smtClean="0"/>
-              <a:t>: </a:t>
-            </a:r>
-            <a:r>
-              <a:rPr lang="en-US" dirty="0" err="1" smtClean="0"/>
-              <a:t>css</a:t>
-            </a:r>
-            <a:endParaRPr lang="ru-RU" dirty="0"/>
-          </a:p>
-        </p:txBody>
-      </p:sp>
-      <p:sp>
-        <p:nvSpPr>
-          <p:cNvPr id="3" name="Содержимое 2"/>
-          <p:cNvSpPr>
-            <a:spLocks noGrp="1"/>
-          </p:cNvSpPr>
-          <p:nvPr>
-            <p:ph sz="quarter" idx="1"/>
-          </p:nvPr>
-        </p:nvSpPr>
-        <p:spPr/>
-        <p:txBody>
-          <a:bodyPr/>
-          <a:lstStyle/>
-          <a:p>
-            <a:r>
-              <a:rPr lang="en-US" dirty="0" smtClean="0"/>
-              <a:t>Les </a:t>
-            </a:r>
-            <a:r>
-              <a:rPr lang="en-US" dirty="0" err="1" smtClean="0"/>
-              <a:t>feuilles</a:t>
-            </a:r>
-            <a:r>
-              <a:rPr lang="en-US" dirty="0" smtClean="0"/>
-              <a:t> de styles </a:t>
-            </a:r>
-            <a:r>
-              <a:rPr lang="en-US" dirty="0" err="1" smtClean="0"/>
-              <a:t>css</a:t>
-            </a:r>
-            <a:r>
-              <a:rPr lang="en-US" dirty="0" smtClean="0"/>
-              <a:t> </a:t>
-            </a:r>
-            <a:r>
-              <a:rPr lang="en-US" dirty="0" err="1" smtClean="0"/>
-              <a:t>proviennent</a:t>
-            </a:r>
-            <a:r>
-              <a:rPr lang="en-US" dirty="0" smtClean="0"/>
-              <a:t> de la compilations des </a:t>
-            </a:r>
-            <a:r>
-              <a:rPr lang="en-US" dirty="0" err="1" smtClean="0"/>
-              <a:t>fichiers</a:t>
-            </a:r>
-            <a:r>
-              <a:rPr lang="en-US" dirty="0" smtClean="0"/>
-              <a:t> .</a:t>
-            </a:r>
-            <a:r>
-              <a:rPr lang="en-US" dirty="0" err="1" smtClean="0"/>
-              <a:t>scss</a:t>
-            </a:r>
-            <a:r>
-              <a:rPr lang="en-US" dirty="0" smtClean="0"/>
-              <a:t> </a:t>
-            </a:r>
-            <a:r>
-              <a:rPr lang="en-US" dirty="0" smtClean="0"/>
-              <a:t>, </a:t>
-            </a:r>
-            <a:r>
-              <a:rPr lang="en-US" dirty="0" smtClean="0"/>
-              <a:t>les </a:t>
-            </a:r>
-            <a:r>
-              <a:rPr lang="en-US" dirty="0" err="1" smtClean="0"/>
-              <a:t>fichiers</a:t>
-            </a:r>
-            <a:r>
-              <a:rPr lang="en-US" dirty="0" smtClean="0"/>
-              <a:t> sass </a:t>
-            </a:r>
-            <a:r>
-              <a:rPr lang="en-US" dirty="0" err="1" smtClean="0"/>
-              <a:t>sont</a:t>
-            </a:r>
-            <a:r>
-              <a:rPr lang="en-US" dirty="0" smtClean="0"/>
-              <a:t> </a:t>
-            </a:r>
-            <a:r>
-              <a:rPr lang="en-US" dirty="0" smtClean="0"/>
-              <a:t>aux </a:t>
-            </a:r>
-            <a:r>
-              <a:rPr lang="en-US" dirty="0" err="1" smtClean="0"/>
-              <a:t>nombres</a:t>
-            </a:r>
-            <a:r>
-              <a:rPr lang="en-US" dirty="0" smtClean="0"/>
-              <a:t> </a:t>
-            </a:r>
-            <a:r>
-              <a:rPr lang="en-US" dirty="0" smtClean="0"/>
-              <a:t>de 6: </a:t>
-            </a:r>
-            <a:r>
-              <a:rPr lang="en-US" dirty="0" err="1" smtClean="0"/>
-              <a:t>une</a:t>
-            </a:r>
-            <a:r>
-              <a:rPr lang="en-US" dirty="0" smtClean="0"/>
-              <a:t> </a:t>
-            </a:r>
-            <a:r>
-              <a:rPr lang="en-US" dirty="0" err="1" smtClean="0"/>
-              <a:t>feuille</a:t>
-            </a:r>
-            <a:r>
-              <a:rPr lang="en-US" dirty="0" smtClean="0"/>
-              <a:t> </a:t>
-            </a:r>
-            <a:r>
-              <a:rPr lang="en-US" dirty="0" smtClean="0"/>
-              <a:t>pour la page </a:t>
-            </a:r>
-            <a:r>
-              <a:rPr lang="en-US" dirty="0" err="1" smtClean="0"/>
-              <a:t>principale</a:t>
-            </a:r>
-            <a:r>
-              <a:rPr lang="en-US" dirty="0" smtClean="0"/>
-              <a:t> , 4 pour </a:t>
-            </a:r>
-            <a:r>
-              <a:rPr lang="en-US" dirty="0" err="1" smtClean="0"/>
-              <a:t>chaque</a:t>
-            </a:r>
-            <a:r>
-              <a:rPr lang="en-US" dirty="0" smtClean="0"/>
-              <a:t> menu et </a:t>
-            </a:r>
-            <a:r>
-              <a:rPr lang="en-US" dirty="0" err="1" smtClean="0"/>
-              <a:t>aussi</a:t>
-            </a:r>
-            <a:r>
-              <a:rPr lang="en-US" dirty="0" smtClean="0"/>
-              <a:t> 1 </a:t>
-            </a:r>
-            <a:r>
-              <a:rPr lang="en-US" dirty="0" err="1" smtClean="0"/>
-              <a:t>fichier</a:t>
-            </a:r>
-            <a:r>
-              <a:rPr lang="en-US" dirty="0" smtClean="0"/>
-              <a:t> </a:t>
-            </a:r>
-            <a:r>
-              <a:rPr lang="en-US" dirty="0" err="1" smtClean="0"/>
-              <a:t>regroupant</a:t>
-            </a:r>
-            <a:r>
-              <a:rPr lang="en-US" dirty="0" smtClean="0"/>
-              <a:t> les </a:t>
-            </a:r>
-            <a:r>
-              <a:rPr lang="en-US" dirty="0" smtClean="0"/>
-              <a:t>elements </a:t>
-            </a:r>
-            <a:r>
-              <a:rPr lang="en-US" dirty="0" err="1" smtClean="0"/>
-              <a:t>generaux</a:t>
-            </a:r>
-            <a:r>
-              <a:rPr lang="en-US" dirty="0" smtClean="0"/>
-              <a:t> du site (</a:t>
-            </a:r>
-            <a:r>
-              <a:rPr lang="en-US" dirty="0" err="1" smtClean="0"/>
-              <a:t>tel</a:t>
-            </a:r>
-            <a:r>
-              <a:rPr lang="en-US" dirty="0" smtClean="0"/>
-              <a:t> </a:t>
-            </a:r>
-            <a:r>
-              <a:rPr lang="en-US" dirty="0" err="1" smtClean="0"/>
-              <a:t>que</a:t>
-            </a:r>
-            <a:r>
-              <a:rPr lang="en-US" dirty="0" smtClean="0"/>
-              <a:t> le footer) . </a:t>
-            </a:r>
-          </a:p>
-          <a:p>
-            <a:r>
-              <a:rPr lang="en-US" dirty="0" smtClean="0"/>
-              <a:t>A la compilations </a:t>
-            </a:r>
-            <a:r>
-              <a:rPr lang="en-US" dirty="0" err="1" smtClean="0"/>
-              <a:t>chaque</a:t>
-            </a:r>
-            <a:r>
-              <a:rPr lang="en-US" dirty="0" smtClean="0"/>
-              <a:t> </a:t>
-            </a:r>
-            <a:r>
-              <a:rPr lang="en-US" dirty="0" err="1" smtClean="0"/>
-              <a:t>fichiers</a:t>
-            </a:r>
-            <a:r>
-              <a:rPr lang="en-US" dirty="0" smtClean="0"/>
-              <a:t> .</a:t>
-            </a:r>
-            <a:r>
-              <a:rPr lang="en-US" dirty="0" err="1" smtClean="0"/>
-              <a:t>scss</a:t>
-            </a:r>
-            <a:r>
-              <a:rPr lang="en-US" dirty="0" smtClean="0"/>
-              <a:t> </a:t>
-            </a:r>
-            <a:r>
-              <a:rPr lang="en-US" dirty="0" err="1" smtClean="0"/>
-              <a:t>produisent</a:t>
-            </a:r>
-            <a:r>
-              <a:rPr lang="en-US" dirty="0" smtClean="0"/>
-              <a:t> un </a:t>
-            </a:r>
-            <a:r>
-              <a:rPr lang="en-US" dirty="0" err="1" smtClean="0"/>
-              <a:t>fichier</a:t>
-            </a:r>
-            <a:r>
-              <a:rPr lang="en-US" dirty="0" smtClean="0"/>
-              <a:t> .</a:t>
-            </a:r>
-            <a:r>
-              <a:rPr lang="en-US" dirty="0" err="1" smtClean="0"/>
-              <a:t>css</a:t>
-            </a:r>
-            <a:r>
-              <a:rPr lang="en-US" dirty="0" smtClean="0"/>
-              <a:t> </a:t>
-            </a:r>
-            <a:r>
-              <a:rPr lang="en-US" dirty="0" err="1" smtClean="0"/>
-              <a:t>standart</a:t>
-            </a:r>
-            <a:r>
-              <a:rPr lang="en-US" dirty="0" smtClean="0"/>
-              <a:t> et un </a:t>
-            </a:r>
-            <a:r>
-              <a:rPr lang="en-US" dirty="0" err="1" smtClean="0"/>
-              <a:t>fichier</a:t>
-            </a:r>
-            <a:r>
-              <a:rPr lang="en-US" dirty="0" smtClean="0"/>
-              <a:t> .</a:t>
-            </a:r>
-            <a:r>
-              <a:rPr lang="en-US" dirty="0" err="1" smtClean="0"/>
-              <a:t>css.map</a:t>
-            </a:r>
-            <a:r>
-              <a:rPr lang="en-US" dirty="0" smtClean="0"/>
-              <a:t> </a:t>
-            </a:r>
-          </a:p>
-        </p:txBody>
-      </p:sp>
+            <a:endParaRPr lang="ru-RU"/>
+          </a:p>
+        </p:txBody>
+      </p:sp>
+      <p:pic>
+        <p:nvPicPr>
+          <p:cNvPr id="1026" name="Picture 2"/>
+          <p:cNvPicPr>
+            <a:picLocks noGrp="1" noChangeAspect="1" noChangeArrowheads="1"/>
+          </p:cNvPicPr>
+          <p:nvPr>
+            <p:ph idx="1"/>
+          </p:nvPr>
+        </p:nvPicPr>
+        <p:blipFill>
+          <a:blip r:embed="rId2"/>
+          <a:srcRect/>
+          <a:stretch>
+            <a:fillRect/>
+          </a:stretch>
+        </p:blipFill>
+        <p:spPr bwMode="auto">
+          <a:xfrm>
+            <a:off x="1500166" y="357166"/>
+            <a:ext cx="5960257" cy="6286520"/>
+          </a:xfrm>
+          <a:prstGeom prst="rect">
+            <a:avLst/>
+          </a:prstGeom>
+          <a:noFill/>
+          <a:ln w="9525">
+            <a:noFill/>
+            <a:miter lim="800000"/>
+            <a:headEnd/>
+            <a:tailEnd/>
+          </a:ln>
+          <a:effectLst/>
+        </p:spPr>
+      </p:pic>
     </p:spTree>
   </p:cSld>
   <p:clrMapOvr>
@@ -6478,281 +6302,57 @@
           <a:p>
             <a:r>
               <a:rPr lang="en-US" dirty="0" smtClean="0"/>
-              <a:t>Code HTML: page </a:t>
-            </a:r>
-            <a:r>
-              <a:rPr lang="en-US" dirty="0" err="1" smtClean="0"/>
-              <a:t>principale</a:t>
+              <a:t>Structure des </a:t>
+            </a:r>
+            <a:r>
+              <a:rPr lang="en-US" dirty="0" err="1" smtClean="0"/>
+              <a:t>fichiers</a:t>
+            </a:r>
+            <a:r>
+              <a:rPr lang="en-US" dirty="0" smtClean="0"/>
+              <a:t>: </a:t>
+            </a:r>
+            <a:r>
+              <a:rPr lang="en-US" dirty="0" err="1" smtClean="0"/>
+              <a:t>css</a:t>
             </a:r>
             <a:endParaRPr lang="ru-RU" dirty="0"/>
-          </a:p>
-        </p:txBody>
-      </p:sp>
-      <p:sp>
-        <p:nvSpPr>
-          <p:cNvPr id="3" name="Содержимое 2"/>
-          <p:cNvSpPr>
-            <a:spLocks noGrp="1"/>
-          </p:cNvSpPr>
-          <p:nvPr>
-            <p:ph sz="quarter" idx="1"/>
-          </p:nvPr>
-        </p:nvSpPr>
-        <p:spPr/>
-        <p:txBody>
-          <a:bodyPr>
-            <a:normAutofit/>
-          </a:bodyPr>
-          <a:lstStyle/>
-          <a:p>
-            <a:r>
-              <a:rPr lang="en-US" sz="2400" dirty="0" smtClean="0"/>
-              <a:t>Le head (present </a:t>
-            </a:r>
-            <a:r>
-              <a:rPr lang="en-US" sz="2400" dirty="0" err="1" smtClean="0"/>
-              <a:t>ci-dessous</a:t>
-            </a:r>
-            <a:r>
-              <a:rPr lang="en-US" sz="2400" dirty="0" smtClean="0"/>
-              <a:t>) </a:t>
-            </a:r>
-            <a:r>
-              <a:rPr lang="en-US" sz="2400" dirty="0" err="1" smtClean="0"/>
-              <a:t>montre</a:t>
-            </a:r>
-            <a:r>
-              <a:rPr lang="en-US" sz="2400" dirty="0" smtClean="0"/>
-              <a:t> les </a:t>
-            </a:r>
-            <a:r>
-              <a:rPr lang="en-US" sz="2400" dirty="0" err="1" smtClean="0"/>
-              <a:t>differents</a:t>
-            </a:r>
-            <a:r>
-              <a:rPr lang="en-US" sz="2400" dirty="0" smtClean="0"/>
-              <a:t> </a:t>
-            </a:r>
-            <a:r>
-              <a:rPr lang="en-US" sz="2400" dirty="0" err="1" smtClean="0"/>
-              <a:t>chargements</a:t>
-            </a:r>
-            <a:r>
-              <a:rPr lang="en-US" sz="2400" dirty="0" smtClean="0"/>
-              <a:t> </a:t>
-            </a:r>
-            <a:r>
-              <a:rPr lang="en-US" sz="2400" dirty="0" smtClean="0"/>
-              <a:t>(</a:t>
-            </a:r>
-            <a:r>
-              <a:rPr lang="en-US" sz="2400" dirty="0" smtClean="0"/>
-              <a:t>font , </a:t>
-            </a:r>
-            <a:r>
-              <a:rPr lang="en-US" sz="2400" dirty="0" err="1" smtClean="0"/>
-              <a:t>feuilles</a:t>
-            </a:r>
-            <a:r>
-              <a:rPr lang="en-US" sz="2400" dirty="0" smtClean="0"/>
-              <a:t> de styles)</a:t>
-            </a:r>
-          </a:p>
-          <a:p>
-            <a:endParaRPr lang="en-US" sz="2400" dirty="0" smtClean="0"/>
-          </a:p>
-          <a:p>
-            <a:endParaRPr lang="en-US" sz="2400" dirty="0" smtClean="0"/>
-          </a:p>
-          <a:p>
-            <a:endParaRPr lang="en-US" sz="2400" dirty="0" smtClean="0"/>
-          </a:p>
-          <a:p>
-            <a:endParaRPr lang="en-US" sz="2400" dirty="0" smtClean="0"/>
-          </a:p>
-          <a:p>
-            <a:r>
-              <a:rPr lang="en-US" sz="2400" dirty="0" smtClean="0"/>
-              <a:t>Les </a:t>
-            </a:r>
-            <a:r>
-              <a:rPr lang="en-US" sz="2400" dirty="0" smtClean="0"/>
-              <a:t>item </a:t>
-            </a:r>
-            <a:r>
-              <a:rPr lang="en-US" sz="2400" dirty="0" err="1" smtClean="0"/>
-              <a:t>sont</a:t>
-            </a:r>
-            <a:r>
-              <a:rPr lang="en-US" sz="2400" dirty="0" smtClean="0"/>
-              <a:t> </a:t>
-            </a:r>
-            <a:r>
-              <a:rPr lang="en-US" sz="2400" dirty="0" err="1" smtClean="0"/>
-              <a:t>organis</a:t>
-            </a:r>
-            <a:r>
-              <a:rPr lang="fr-FR" sz="2400" dirty="0" smtClean="0"/>
-              <a:t>és</a:t>
-            </a:r>
-            <a:r>
-              <a:rPr lang="en-US" sz="2400" dirty="0" smtClean="0"/>
-              <a:t> </a:t>
-            </a:r>
-            <a:r>
-              <a:rPr lang="en-US" sz="2400" dirty="0" smtClean="0"/>
-              <a:t>par </a:t>
-            </a:r>
-            <a:r>
-              <a:rPr lang="en-US" sz="2400" dirty="0" err="1" smtClean="0"/>
-              <a:t>groupe</a:t>
-            </a:r>
-            <a:r>
-              <a:rPr lang="en-US" sz="2400" dirty="0" smtClean="0"/>
-              <a:t> de </a:t>
-            </a:r>
-            <a:r>
-              <a:rPr lang="en-US" sz="2400" dirty="0" err="1" smtClean="0"/>
-              <a:t>deux</a:t>
-            </a:r>
-            <a:r>
-              <a:rPr lang="en-US" sz="2400" dirty="0" smtClean="0"/>
-              <a:t> , </a:t>
-            </a:r>
-            <a:r>
-              <a:rPr lang="en-US" sz="2400" dirty="0" err="1" smtClean="0"/>
-              <a:t>enfin</a:t>
-            </a:r>
-            <a:r>
-              <a:rPr lang="en-US" sz="2400" dirty="0" smtClean="0"/>
-              <a:t> de simplifier le design </a:t>
-            </a:r>
-            <a:r>
-              <a:rPr lang="en-US" sz="2400" dirty="0" smtClean="0"/>
-              <a:t>responsive </a:t>
-            </a:r>
-            <a:r>
-              <a:rPr lang="en-US" sz="2400" dirty="0" smtClean="0"/>
-              <a:t>avec </a:t>
-            </a:r>
-            <a:r>
-              <a:rPr lang="en-US" sz="2400" dirty="0" err="1" smtClean="0"/>
-              <a:t>flexbox</a:t>
-            </a:r>
-            <a:r>
-              <a:rPr lang="en-US" sz="2400" dirty="0" smtClean="0"/>
-              <a:t> , les items </a:t>
-            </a:r>
-            <a:r>
-              <a:rPr lang="en-US" sz="2400" dirty="0" err="1" smtClean="0"/>
-              <a:t>sont</a:t>
-            </a:r>
-            <a:r>
-              <a:rPr lang="en-US" sz="2400" dirty="0" smtClean="0"/>
-              <a:t> </a:t>
-            </a:r>
-            <a:r>
-              <a:rPr lang="en-US" sz="2400" dirty="0" err="1" smtClean="0"/>
-              <a:t>tous</a:t>
-            </a:r>
-            <a:r>
-              <a:rPr lang="en-US" sz="2400" dirty="0" smtClean="0"/>
-              <a:t> </a:t>
-            </a:r>
-            <a:r>
-              <a:rPr lang="en-US" sz="2400" dirty="0" smtClean="0"/>
-              <a:t>des </a:t>
-            </a:r>
-            <a:r>
-              <a:rPr lang="en-US" sz="2400" dirty="0" smtClean="0"/>
-              <a:t>liens ( &lt;a /&gt; ) </a:t>
-            </a:r>
-            <a:r>
-              <a:rPr lang="en-US" sz="2400" dirty="0" err="1" smtClean="0"/>
-              <a:t>contenant</a:t>
-            </a:r>
-            <a:r>
-              <a:rPr lang="en-US" sz="2400" dirty="0" smtClean="0"/>
-              <a:t> un </a:t>
-            </a:r>
-            <a:r>
-              <a:rPr lang="en-US" sz="2400" dirty="0" err="1" smtClean="0"/>
-              <a:t>paragraphe</a:t>
-            </a:r>
-            <a:r>
-              <a:rPr lang="en-US" sz="2400" dirty="0" smtClean="0"/>
-              <a:t> , et un </a:t>
-            </a:r>
-            <a:r>
-              <a:rPr lang="en-US" sz="2400" dirty="0" err="1" smtClean="0"/>
-              <a:t>titre</a:t>
-            </a:r>
-            <a:r>
-              <a:rPr lang="en-US" sz="2400" dirty="0" smtClean="0"/>
-              <a:t>. </a:t>
-            </a:r>
-            <a:r>
-              <a:rPr lang="en-US" sz="2400" dirty="0" err="1" smtClean="0"/>
-              <a:t>Cette</a:t>
-            </a:r>
-            <a:r>
-              <a:rPr lang="en-US" sz="2400" dirty="0" smtClean="0"/>
-              <a:t> </a:t>
-            </a:r>
-            <a:r>
-              <a:rPr lang="en-US" sz="2400" dirty="0" err="1" smtClean="0"/>
-              <a:t>struture</a:t>
-            </a:r>
-            <a:r>
-              <a:rPr lang="en-US" sz="2400" dirty="0" smtClean="0"/>
-              <a:t> </a:t>
-            </a:r>
-            <a:r>
-              <a:rPr lang="en-US" sz="2400" dirty="0" err="1" smtClean="0"/>
-              <a:t>est</a:t>
-            </a:r>
-            <a:r>
-              <a:rPr lang="en-US" sz="2400" dirty="0" smtClean="0"/>
-              <a:t> commune a </a:t>
-            </a:r>
-            <a:r>
-              <a:rPr lang="en-US" sz="2400" dirty="0" err="1" smtClean="0"/>
-              <a:t>chaque</a:t>
-            </a:r>
-            <a:r>
-              <a:rPr lang="en-US" sz="2400" dirty="0" smtClean="0"/>
-              <a:t> </a:t>
-            </a:r>
-            <a:r>
-              <a:rPr lang="en-US" sz="2400" dirty="0" smtClean="0"/>
-              <a:t>item.</a:t>
-            </a:r>
-            <a:endParaRPr lang="ru-RU" sz="2400" dirty="0"/>
           </a:p>
         </p:txBody>
       </p:sp>
       <p:pic>
         <p:nvPicPr>
-          <p:cNvPr id="5" name="Рисунок 4" descr="head.png"/>
+          <p:cNvPr id="4" name="Picture 3"/>
           <p:cNvPicPr>
-            <a:picLocks noChangeAspect="1"/>
+            <a:picLocks noGrp="1" noChangeAspect="1" noChangeArrowheads="1"/>
           </p:cNvPicPr>
-          <p:nvPr/>
+          <p:nvPr>
+            <p:ph idx="1"/>
+          </p:nvPr>
         </p:nvPicPr>
         <p:blipFill>
           <a:blip r:embed="rId2"/>
+          <a:srcRect/>
           <a:stretch>
             <a:fillRect/>
           </a:stretch>
         </p:blipFill>
-        <p:spPr>
+        <p:spPr bwMode="auto">
           <a:xfrm>
-            <a:off x="0" y="2500306"/>
-            <a:ext cx="9144000" cy="1712193"/>
+            <a:off x="1056300" y="1600200"/>
+            <a:ext cx="7159038" cy="5168204"/>
           </a:xfrm>
           <a:prstGeom prst="rect">
             <a:avLst/>
           </a:prstGeom>
+          <a:noFill/>
+          <a:ln w="9525">
+            <a:noFill/>
+            <a:miter lim="800000"/>
+            <a:headEnd/>
+            <a:tailEnd/>
+          </a:ln>
+          <a:effectLst/>
         </p:spPr>
       </p:pic>
     </p:spTree>
@@ -6797,19 +6397,18 @@
             <p:ph type="title"/>
           </p:nvPr>
         </p:nvSpPr>
-        <p:spPr/>
-        <p:txBody>
-          <a:bodyPr/>
-          <a:lstStyle/>
-          <a:p>
-            <a:r>
-              <a:rPr lang="en-US" dirty="0" smtClean="0"/>
-              <a:t>Code HTML: page </a:t>
-            </a:r>
-            <a:r>
-              <a:rPr lang="en-US" dirty="0" err="1" smtClean="0"/>
-              <a:t>principale</a:t>
-            </a:r>
+        <p:spPr>
+          <a:xfrm flipV="1">
+            <a:off x="457200" y="-285776"/>
+            <a:ext cx="4757742" cy="560414"/>
+          </a:xfrm>
+        </p:spPr>
+        <p:txBody>
+          <a:bodyPr>
+            <a:normAutofit fontScale="90000"/>
+          </a:bodyPr>
+          <a:lstStyle/>
+          <a:p>
             <a:endParaRPr lang="ru-RU" dirty="0"/>
           </a:p>
         </p:txBody>
@@ -6821,218 +6420,90 @@
             <a:spLocks noGrp="1"/>
           </p:cNvSpPr>
           <p:nvPr>
-            <p:ph sz="quarter" idx="1"/>
+            <p:ph idx="1"/>
           </p:nvPr>
         </p:nvSpPr>
         <p:spPr>
           <a:xfrm>
-            <a:off x="612648" y="1600200"/>
-            <a:ext cx="8153400" cy="5043510"/>
+            <a:off x="457200" y="428604"/>
+            <a:ext cx="8329642" cy="6143668"/>
           </a:xfrm>
         </p:spPr>
         <p:txBody>
-          <a:bodyPr>
-            <a:normAutofit/>
-          </a:bodyPr>
-          <a:lstStyle/>
-          <a:p>
-            <a:r>
-              <a:rPr lang="en-US" dirty="0" err="1" smtClean="0"/>
-              <a:t>Deux</a:t>
-            </a:r>
-            <a:r>
-              <a:rPr lang="en-US" dirty="0" smtClean="0"/>
-              <a:t> </a:t>
-            </a:r>
-            <a:r>
-              <a:rPr lang="en-US" dirty="0" err="1" smtClean="0"/>
-              <a:t>cartes</a:t>
-            </a:r>
-            <a:r>
-              <a:rPr lang="en-US" dirty="0" smtClean="0"/>
-              <a:t> </a:t>
-            </a:r>
-            <a:r>
-              <a:rPr lang="en-US" dirty="0" err="1" smtClean="0"/>
-              <a:t>sont</a:t>
-            </a:r>
-            <a:r>
-              <a:rPr lang="en-US" dirty="0" smtClean="0"/>
-              <a:t> </a:t>
-            </a:r>
-          </a:p>
-          <a:p>
-            <a:pPr>
-              <a:buNone/>
-            </a:pPr>
-            <a:r>
-              <a:rPr lang="en-US" dirty="0" err="1" smtClean="0"/>
-              <a:t>contenues</a:t>
-            </a:r>
-            <a:r>
-              <a:rPr lang="en-US" dirty="0" smtClean="0"/>
-              <a:t> </a:t>
-            </a:r>
-            <a:r>
-              <a:rPr lang="en-US" dirty="0" err="1" smtClean="0"/>
-              <a:t>dans</a:t>
-            </a:r>
-            <a:r>
-              <a:rPr lang="en-US" dirty="0" smtClean="0"/>
-              <a:t> </a:t>
-            </a:r>
-            <a:r>
-              <a:rPr lang="en-US" dirty="0" err="1" smtClean="0"/>
-              <a:t>une</a:t>
-            </a:r>
-            <a:r>
-              <a:rPr lang="en-US" dirty="0" smtClean="0"/>
-              <a:t> </a:t>
-            </a:r>
-          </a:p>
-          <a:p>
-            <a:pPr>
-              <a:buNone/>
-            </a:pPr>
-            <a:r>
-              <a:rPr lang="en-US" dirty="0" err="1" smtClean="0"/>
-              <a:t>balise</a:t>
-            </a:r>
-            <a:r>
-              <a:rPr lang="en-US" dirty="0" smtClean="0"/>
-              <a:t> article </a:t>
-            </a:r>
-          </a:p>
-          <a:p>
-            <a:pPr>
-              <a:buNone/>
-            </a:pPr>
-            <a:r>
-              <a:rPr lang="en-US" dirty="0" smtClean="0"/>
-              <a:t>les items </a:t>
-            </a:r>
-            <a:r>
-              <a:rPr lang="en-US" dirty="0" err="1" smtClean="0"/>
-              <a:t>contiennent</a:t>
-            </a:r>
-            <a:r>
-              <a:rPr lang="en-US" dirty="0" smtClean="0"/>
-              <a:t> </a:t>
-            </a:r>
-          </a:p>
-          <a:p>
-            <a:pPr>
-              <a:buNone/>
-            </a:pPr>
-            <a:r>
-              <a:rPr lang="en-US" dirty="0" err="1" smtClean="0"/>
-              <a:t>aussi</a:t>
-            </a:r>
-            <a:r>
-              <a:rPr lang="en-US" dirty="0" smtClean="0"/>
-              <a:t> </a:t>
-            </a:r>
-            <a:r>
-              <a:rPr lang="en-US" dirty="0" err="1" smtClean="0"/>
-              <a:t>une</a:t>
-            </a:r>
-            <a:r>
-              <a:rPr lang="en-US" dirty="0" smtClean="0"/>
-              <a:t> </a:t>
-            </a:r>
-            <a:r>
-              <a:rPr lang="en-US" dirty="0" err="1" smtClean="0"/>
-              <a:t>balise</a:t>
-            </a:r>
-            <a:r>
-              <a:rPr lang="en-US" dirty="0" smtClean="0"/>
-              <a:t> div </a:t>
-            </a:r>
-          </a:p>
-          <a:p>
-            <a:pPr>
-              <a:buNone/>
-            </a:pPr>
-            <a:r>
-              <a:rPr lang="en-US" dirty="0" err="1" smtClean="0"/>
-              <a:t>nécessaire</a:t>
-            </a:r>
-            <a:r>
-              <a:rPr lang="en-US" dirty="0" smtClean="0"/>
-              <a:t> </a:t>
-            </a:r>
-            <a:r>
-              <a:rPr lang="en-US" dirty="0" smtClean="0"/>
-              <a:t>pour </a:t>
-            </a:r>
-          </a:p>
-          <a:p>
-            <a:pPr>
-              <a:buNone/>
-            </a:pPr>
-            <a:r>
-              <a:rPr lang="en-US" dirty="0" smtClean="0"/>
-              <a:t>la </a:t>
-            </a:r>
-            <a:r>
-              <a:rPr lang="en-US" dirty="0" err="1" smtClean="0"/>
-              <a:t>mise</a:t>
-            </a:r>
-            <a:r>
-              <a:rPr lang="en-US" dirty="0" smtClean="0"/>
-              <a:t> en </a:t>
-            </a:r>
-            <a:r>
-              <a:rPr lang="en-US" dirty="0" err="1" smtClean="0"/>
-              <a:t>forme</a:t>
-            </a:r>
-            <a:r>
-              <a:rPr lang="en-US" dirty="0" smtClean="0"/>
-              <a:t> </a:t>
-            </a:r>
-          </a:p>
-          <a:p>
-            <a:pPr>
-              <a:buNone/>
-            </a:pPr>
-            <a:r>
-              <a:rPr lang="en-US" dirty="0" err="1" smtClean="0"/>
-              <a:t>css</a:t>
-            </a:r>
-            <a:r>
-              <a:rPr lang="en-US" dirty="0" smtClean="0"/>
-              <a:t> . </a:t>
-            </a:r>
-          </a:p>
-          <a:p>
+          <a:bodyPr/>
+          <a:lstStyle/>
+          <a:p>
+            <a:r>
+              <a:rPr lang="fr-FR" dirty="0" smtClean="0"/>
+              <a:t>Base: </a:t>
+            </a:r>
+            <a:r>
+              <a:rPr lang="fr-FR" dirty="0" smtClean="0"/>
+              <a:t>contient les fichiers qui définissent les fondations de </a:t>
+            </a:r>
+            <a:r>
+              <a:rPr lang="fr-FR" dirty="0" smtClean="0"/>
+              <a:t>notre site</a:t>
+            </a:r>
+            <a:r>
+              <a:rPr lang="fr-FR" dirty="0" smtClean="0"/>
+              <a:t>, par exemple la police de </a:t>
+            </a:r>
+            <a:r>
+              <a:rPr lang="fr-FR" dirty="0" smtClean="0"/>
+              <a:t>caractères… .</a:t>
+            </a:r>
+          </a:p>
+          <a:p>
+            <a:r>
+              <a:rPr lang="fr-FR" dirty="0" smtClean="0"/>
+              <a:t>Utils: fichiers contentant nos </a:t>
+            </a:r>
+            <a:r>
+              <a:rPr lang="fr-FR" dirty="0" smtClean="0"/>
+              <a:t>variables, fonctions, </a:t>
+            </a:r>
+            <a:r>
+              <a:rPr lang="fr-FR" dirty="0" smtClean="0"/>
+              <a:t>mixins…</a:t>
+            </a:r>
+          </a:p>
+          <a:p>
+            <a:r>
+              <a:rPr lang="fr-FR" dirty="0" smtClean="0"/>
+              <a:t>Layout: </a:t>
+            </a:r>
+            <a:r>
+              <a:rPr lang="fr-FR" dirty="0" smtClean="0"/>
+              <a:t>est le dossier où </a:t>
+            </a:r>
+            <a:r>
+              <a:rPr lang="fr-FR" dirty="0" smtClean="0"/>
+              <a:t>nous mettons nos </a:t>
+            </a:r>
+            <a:r>
+              <a:rPr lang="fr-FR" dirty="0" smtClean="0"/>
+              <a:t>blocs BEM qui contiennent ce qui est réutilisable, par exemple un header pour les mises en page de grande taille ou un footer </a:t>
+            </a:r>
+            <a:endParaRPr lang="fr-FR" dirty="0" smtClean="0"/>
+          </a:p>
+          <a:p>
+            <a:r>
+              <a:rPr lang="fr-FR" dirty="0" smtClean="0"/>
+              <a:t>Page:</a:t>
+            </a:r>
+            <a:r>
+              <a:rPr lang="fr-FR" dirty="0" smtClean="0"/>
+              <a:t>contient les blocs de code qui ne s’appliquent qu’à une seule </a:t>
+            </a:r>
+            <a:r>
+              <a:rPr lang="fr-FR" dirty="0" smtClean="0"/>
+              <a:t>page.</a:t>
+            </a:r>
             <a:endParaRPr lang="ru-RU" dirty="0"/>
           </a:p>
         </p:txBody>
       </p:sp>
-      <p:pic>
-        <p:nvPicPr>
-          <p:cNvPr id="4" name="Рисунок 3" descr="card.png"/>
-          <p:cNvPicPr>
-            <a:picLocks noChangeAspect="1"/>
-          </p:cNvPicPr>
-          <p:nvPr/>
-        </p:nvPicPr>
-        <p:blipFill>
-          <a:blip r:embed="rId2"/>
-          <a:stretch>
-            <a:fillRect/>
-          </a:stretch>
-        </p:blipFill>
-        <p:spPr>
-          <a:xfrm>
-            <a:off x="3929058" y="1500174"/>
-            <a:ext cx="4930568" cy="3871296"/>
-          </a:xfrm>
-          <a:prstGeom prst="rect">
-            <a:avLst/>
-          </a:prstGeom>
-        </p:spPr>
-      </p:pic>
     </p:spTree>
   </p:cSld>
   <p:clrMapOvr>
@@ -7082,11 +6553,7 @@
           <a:p>
             <a:r>
               <a:rPr lang="en-US" dirty="0" smtClean="0"/>
-              <a:t>Code HTML: page </a:t>
-            </a:r>
-            <a:r>
-              <a:rPr lang="en-US" dirty="0" err="1" smtClean="0"/>
-              <a:t>principale</a:t>
+              <a:t>Structure du code HTML</a:t>
             </a:r>
             <a:endParaRPr lang="ru-RU" dirty="0"/>
           </a:p>
@@ -7099,77 +6566,85 @@
             <a:spLocks noGrp="1"/>
           </p:cNvSpPr>
           <p:nvPr>
-            <p:ph sz="quarter" idx="1"/>
-          </p:nvPr>
-        </p:nvSpPr>
-        <p:spPr/>
-        <p:txBody>
-          <a:bodyPr/>
-          <a:lstStyle/>
-          <a:p>
-            <a:r>
-              <a:rPr lang="en-US" dirty="0" smtClean="0"/>
-              <a:t>La page </a:t>
-            </a:r>
-            <a:r>
-              <a:rPr lang="en-US" dirty="0" err="1" smtClean="0"/>
-              <a:t>poss</a:t>
-            </a:r>
-            <a:r>
-              <a:rPr lang="en-US" dirty="0" err="1" smtClean="0"/>
-              <a:t>è</a:t>
-            </a:r>
-            <a:r>
-              <a:rPr lang="en-US" dirty="0" err="1" smtClean="0"/>
-              <a:t>de</a:t>
-            </a:r>
-            <a:r>
-              <a:rPr lang="en-US" dirty="0" smtClean="0"/>
-              <a:t> </a:t>
-            </a:r>
-            <a:r>
-              <a:rPr lang="en-US" dirty="0" err="1" smtClean="0"/>
-              <a:t>aussi</a:t>
-            </a:r>
-            <a:r>
-              <a:rPr lang="en-US" dirty="0" smtClean="0"/>
-              <a:t> un </a:t>
-            </a:r>
-            <a:r>
-              <a:rPr lang="en-US" dirty="0" err="1" smtClean="0"/>
-              <a:t>elt</a:t>
-            </a:r>
-            <a:r>
-              <a:rPr lang="en-US" dirty="0" smtClean="0"/>
-              <a:t> </a:t>
-            </a:r>
-          </a:p>
+            <p:ph idx="1"/>
+          </p:nvPr>
+        </p:nvSpPr>
+        <p:spPr>
+          <a:xfrm>
+            <a:off x="612648" y="1600200"/>
+            <a:ext cx="8153400" cy="5043510"/>
+          </a:xfrm>
+        </p:spPr>
+        <p:txBody>
+          <a:bodyPr>
+            <a:normAutofit/>
+          </a:bodyPr>
+          <a:lstStyle/>
           <a:p>
             <a:pPr>
               <a:buNone/>
             </a:pPr>
             <a:r>
               <a:rPr lang="en-US" dirty="0" smtClean="0"/>
-              <a:t>qui sera anime ( apparition des </a:t>
-            </a:r>
-          </a:p>
-          <a:p>
-            <a:pPr>
-              <a:buNone/>
-            </a:pPr>
-            <a:r>
-              <a:rPr lang="en-US" dirty="0" smtClean="0"/>
-              <a:t>points de suspensions ) .</a:t>
-            </a:r>
-          </a:p>
-          <a:p>
-            <a:pPr>
-              <a:buNone/>
-            </a:pPr>
+              <a:t>Le code HTML </a:t>
+            </a:r>
+            <a:r>
+              <a:rPr lang="en-US" dirty="0" err="1" smtClean="0"/>
+              <a:t>contient</a:t>
+            </a:r>
+            <a:r>
+              <a:rPr lang="en-US" dirty="0" smtClean="0"/>
+              <a:t> 4 blocs qui </a:t>
+            </a:r>
+            <a:r>
+              <a:rPr lang="en-US" dirty="0" err="1" smtClean="0"/>
+              <a:t>definissent</a:t>
+            </a:r>
             <a:r>
               <a:rPr lang="en-US" dirty="0" smtClean="0"/>
               <a:t> </a:t>
             </a:r>
+            <a:r>
+              <a:rPr lang="en-US" dirty="0" err="1" smtClean="0"/>
+              <a:t>notre</a:t>
+            </a:r>
+            <a:r>
+              <a:rPr lang="en-US" dirty="0" smtClean="0"/>
+              <a:t> site</a:t>
+            </a:r>
+          </a:p>
+          <a:p>
+            <a:r>
+              <a:rPr lang="en-US" dirty="0" smtClean="0"/>
+              <a:t>Le header</a:t>
+            </a:r>
+          </a:p>
+          <a:p>
+            <a:r>
+              <a:rPr lang="en-US" dirty="0" smtClean="0"/>
+              <a:t>Le footer </a:t>
+            </a:r>
+          </a:p>
+          <a:p>
+            <a:r>
+              <a:rPr lang="en-US" dirty="0" smtClean="0"/>
+              <a:t>Les menus</a:t>
+            </a:r>
+          </a:p>
+          <a:p>
+            <a:r>
+              <a:rPr lang="en-US" dirty="0" smtClean="0"/>
+              <a:t>Les categories de </a:t>
+            </a:r>
+            <a:r>
+              <a:rPr lang="en-US" dirty="0" err="1" smtClean="0"/>
+              <a:t>chaque</a:t>
+            </a:r>
+            <a:r>
+              <a:rPr lang="en-US" dirty="0" smtClean="0"/>
+              <a:t> menu</a:t>
+            </a:r>
+            <a:endParaRPr lang="en-US" dirty="0" smtClean="0"/>
           </a:p>
           <a:p>
             <a:pPr>
@@ -7177,87 +6652,8 @@
             </a:pPr>
             <a:endParaRPr lang="en-US" dirty="0" smtClean="0"/>
           </a:p>
-          <a:p>
-            <a:pPr>
-              <a:buNone/>
-            </a:pPr>
-            <a:endParaRPr lang="en-US" dirty="0" smtClean="0"/>
-          </a:p>
-          <a:p>
-            <a:pPr>
-              <a:buNone/>
-            </a:pPr>
-            <a:r>
-              <a:rPr lang="en-US" dirty="0" smtClean="0"/>
-              <a:t>Et du footer present </a:t>
-            </a:r>
-            <a:r>
-              <a:rPr lang="en-US" dirty="0" err="1" smtClean="0"/>
-              <a:t>sur</a:t>
-            </a:r>
-            <a:r>
-              <a:rPr lang="en-US" dirty="0" smtClean="0"/>
-              <a:t> </a:t>
-            </a:r>
-            <a:r>
-              <a:rPr lang="en-US" dirty="0" err="1" smtClean="0"/>
-              <a:t>chacune</a:t>
-            </a:r>
-            <a:r>
-              <a:rPr lang="en-US" dirty="0" smtClean="0"/>
-              <a:t> des pages </a:t>
-            </a:r>
-          </a:p>
-        </p:txBody>
-      </p:sp>
-      <p:pic>
-        <p:nvPicPr>
-          <p:cNvPr id="4" name="Рисунок 3" descr="point .png"/>
-          <p:cNvPicPr>
-            <a:picLocks noChangeAspect="1"/>
-          </p:cNvPicPr>
-          <p:nvPr/>
-        </p:nvPicPr>
-        <p:blipFill>
-          <a:blip r:embed="rId2"/>
-          <a:stretch>
-            <a:fillRect/>
-          </a:stretch>
-        </p:blipFill>
-        <p:spPr>
-          <a:xfrm>
-            <a:off x="5958564" y="1500174"/>
-            <a:ext cx="3185436" cy="2004234"/>
-          </a:xfrm>
-          <a:prstGeom prst="rect">
-            <a:avLst/>
-          </a:prstGeom>
-        </p:spPr>
-      </p:pic>
-      <p:pic>
-        <p:nvPicPr>
-          <p:cNvPr id="5" name="Рисунок 4" descr="footer.png"/>
-          <p:cNvPicPr>
-            <a:picLocks noChangeAspect="1"/>
-          </p:cNvPicPr>
-          <p:nvPr/>
-        </p:nvPicPr>
-        <p:blipFill>
-          <a:blip r:embed="rId3"/>
-          <a:stretch>
-            <a:fillRect/>
-          </a:stretch>
-        </p:blipFill>
-        <p:spPr>
-          <a:xfrm>
-            <a:off x="642910" y="3714752"/>
-            <a:ext cx="5563082" cy="914479"/>
-          </a:xfrm>
-          <a:prstGeom prst="rect">
-            <a:avLst/>
-          </a:prstGeom>
-        </p:spPr>
-      </p:pic>
+        </p:txBody>
+      </p:sp>
     </p:spTree>
   </p:cSld>
   <p:clrMapOvr>
@@ -7274,9 +6670,9 @@
 </file>
 
 <file path=ppt/theme/theme1.xml><?xml version="1.0" encoding="utf-8"?>
-<a:theme xmlns:a="http://schemas.openxmlformats.org/drawingml/2006/main" name="Обычная">
+<a:theme xmlns:a="http://schemas.openxmlformats.org/drawingml/2006/main" name="Техническая">
   <a:themeElements>
-    <a:clrScheme name="Обычная">
+    <a:clrScheme name="Техническая">
       <a:dk1>
         <a:sysClr val="windowText" lastClr="000000"/>
       </a:dk1>
@@ -7284,50 +6680,48 @@
         <a:sysClr val="window" lastClr="FFFFFF"/>
       </a:lt1>
       <a:dk2>
-        <a:srgbClr val="775F55"/>
+        <a:srgbClr val="3B3B3B"/>
       </a:dk2>
       <a:lt2>
-        <a:srgbClr val="EBDDC3"/>
+        <a:srgbClr val="D4D2D0"/>
       </a:lt2>
       <a:accent1>
-        <a:srgbClr val="94B6D2"/>
+        <a:srgbClr val="6EA0B0"/>
       </a:accent1>
       <a:accent2>
-        <a:srgbClr val="DD8047"/>
+        <a:srgbClr val="CCAF0A"/>
       </a:accent2>
       <a:accent3>
-        <a:srgbClr val="A5AB81"/>
+        <a:srgbClr val="8D89A4"/>
       </a:accent3>
       <a:accent4>
-        <a:srgbClr val="D8B25C"/>
+        <a:srgbClr val="748560"/>
       </a:accent4>
       <a:accent5>
-        <a:srgbClr val="7BA79D"/>
+        <a:srgbClr val="9E9273"/>
       </a:accent5>
       <a:accent6>
-        <a:srgbClr val="968C8C"/>
+        <a:srgbClr val="7E848D"/>
       </a:accent6>
       <a:hlink>
-        <a:srgbClr val="F7B615"/>
+        <a:srgbClr val="00C8C3"/>
       </a:hlink>
       <a:folHlink>
-        <a:srgbClr val="704404"/>
+        <a:srgbClr val="A116E0"/>
       </a:folHlink>
     </a:clrScheme>
-    <a:fontScheme name="Обычная">
+    <a:fontScheme name="Техническая">
       <a:majorFont>
-        <a:latin typeface="Tw Cen MT"/>
+        <a:latin typeface="Franklin Gothic Book"/>
         <a:ea typeface=""/>
         <a:cs typeface=""/>
-        <a:font script="Grek" typeface="Calibri"/>
-        <a:font script="Cyrl" typeface="Calibri"/>
-        <a:font script="Jpan" typeface="HGPｺﾞｼｯｸE"/>
-        <a:font script="Hang" typeface="HY얕은샘물M"/>
-        <a:font script="Hans" typeface="华文仿宋"/>
+        <a:font script="Jpan" typeface="ＭＳ Ｐゴシック"/>
+        <a:font script="Hang" typeface="HY견고딕"/>
+        <a:font script="Hans" typeface="宋体"/>
         <a:font script="Hant" typeface="微軟正黑體"/>
-        <a:font script="Arab" typeface="Arial"/>
-        <a:font script="Hebr" typeface="Levenim MT"/>
-        <a:font script="Thai" typeface="FreesiaUPC"/>
+        <a:font script="Arab" typeface="Tahoma"/>
+        <a:font script="Hebr" typeface="Arial"/>
+        <a:font script="Thai" typeface="Cordia New"/>
         <a:font script="Ethi" typeface="Nyala"/>
         <a:font script="Beng" typeface="Vrinda"/>
         <a:font script="Gujr" typeface="Shruti"/>
@@ -7348,22 +6742,20 @@
         <a:font script="Laoo" typeface="DokChampa"/>
         <a:font script="Sinh" typeface="Iskoola Pota"/>
         <a:font script="Mong" typeface="Mongolian Baiti"/>
-        <a:font script="Viet" typeface="Tahoma"/>
+        <a:font script="Viet" typeface="Arial"/>
         <a:font script="Uigh" typeface="Microsoft Uighur"/>
       </a:majorFont>
       <a:minorFont>
-        <a:latin typeface="Tw Cen MT"/>
+        <a:latin typeface="Arial"/>
         <a:ea typeface=""/>
         <a:cs typeface=""/>
-        <a:font script="Grek" typeface="Calibri"/>
-        <a:font script="Cyrl" typeface="Calibri"/>
-        <a:font script="Jpan" typeface="HGPｺﾞｼｯｸE"/>
-        <a:font script="Hang" typeface="HY얕은샘물M"/>
-        <a:font script="Hans" typeface="华文仿宋"/>
+        <a:font script="Jpan" typeface="HGｺﾞｼｯｸM"/>
+        <a:font script="Hang" typeface="HY중고딕"/>
+        <a:font script="Hans" typeface="黑体"/>
         <a:font script="Hant" typeface="微軟正黑體"/>
-        <a:font script="Arab" typeface="Arial"/>
+        <a:font script="Arab" typeface="Tahoma"/>
         <a:font script="Hebr" typeface="Levenim MT"/>
-        <a:font script="Thai" typeface="FreesiaUPC"/>
+        <a:font script="Thai" typeface="LilyUPC"/>
         <a:font script="Ethi" typeface="Nyala"/>
         <a:font script="Beng" typeface="Vrinda"/>
         <a:font script="Gujr" typeface="Shruti"/>
@@ -7384,26 +6776,106 @@
         <a:font script="Laoo" typeface="DokChampa"/>
         <a:font script="Sinh" typeface="Iskoola Pota"/>
         <a:font script="Mong" typeface="Mongolian Baiti"/>
-        <a:font script="Viet" typeface="Tahoma"/>
+        <a:font script="Viet" typeface="Arial"/>
         <a:font script="Uigh" typeface="Microsoft Uighur"/>
       </a:minorFont>
     </a:fontScheme>
-    <a:fmtScheme name="Обычная">
+    <a:fmtScheme name="Техническая">
       <a:fillStyleLst>
         <a:solidFill>
           <a:schemeClr val="phClr"/>
         </a:solidFill>
-        <a:solidFill>
-          <a:schemeClr val="phClr">
-            <a:tint val="50000"/>
-          </a:schemeClr>
-        </a:solidFill>
-        <a:solidFill>
-          <a:schemeClr val="phClr"/>
-        </a:solidFill>
+        <a:gradFill rotWithShape="1">
+          <a:gsLst>
+            <a:gs pos="0">
+              <a:schemeClr val="phClr">
+                <a:tint val="1000"/>
+              </a:schemeClr>
+            </a:gs>
+            <a:gs pos="68000">
+              <a:schemeClr val="phClr">
+                <a:tint val="77000"/>
+              </a:schemeClr>
+            </a:gs>
+            <a:gs pos="81000">
+              <a:schemeClr val="phClr">
+                <a:tint val="79000"/>
+              </a:schemeClr>
+            </a:gs>
+            <a:gs pos="86000">
+              <a:schemeClr val="phClr">
+                <a:tint val="73000"/>
+              </a:schemeClr>
+            </a:gs>
+            <a:gs pos="100000">
+              <a:schemeClr val="phClr">
+                <a:tint val="35000"/>
+              </a:schemeClr>
+            </a:gs>
+          </a:gsLst>
+          <a:lin ang="5400000" scaled="1"/>
+        </a:gradFill>
+        <a:gradFill rotWithShape="1">
+          <a:gsLst>
+            <a:gs pos="0">
+              <a:schemeClr val="phClr">
+                <a:tint val="73000"/>
+                <a:satMod val="150000"/>
+              </a:schemeClr>
+            </a:gs>
+            <a:gs pos="25000">
+              <a:schemeClr val="phClr">
+                <a:tint val="96000"/>
+                <a:shade val="80000"/>
+                <a:satMod val="105000"/>
+              </a:schemeClr>
+            </a:gs>
+            <a:gs pos="38000">
+              <a:schemeClr val="phClr">
+                <a:tint val="96000"/>
+                <a:shade val="59000"/>
+                <a:satMod val="120000"/>
+              </a:schemeClr>
+            </a:gs>
+            <a:gs pos="55000">
+              <a:schemeClr val="phClr">
+                <a:shade val="57000"/>
+                <a:satMod val="120000"/>
+              </a:schemeClr>
+            </a:gs>
+            <a:gs pos="80000">
+              <a:schemeClr val="phClr">
+                <a:shade val="56000"/>
+                <a:satMod val="145000"/>
+              </a:schemeClr>
+            </a:gs>
+            <a:gs pos="88000">
+              <a:schemeClr val="phClr">
+                <a:shade val="63000"/>
+                <a:satMod val="160000"/>
+              </a:schemeClr>
+            </a:gs>
+            <a:gs pos="100000">
+              <a:schemeClr val="phClr">
+                <a:tint val="99555"/>
+                <a:satMod val="155000"/>
+              </a:schemeClr>
+            </a:gs>
+          </a:gsLst>
+          <a:lin ang="5400000" scaled="1"/>
+        </a:gradFill>
       </a:fillStyleLst>
       <a:lnStyleLst>
-        <a:ln w="10000" cap="flat" cmpd="sng" algn="ctr">
+        <a:ln w="9525" cap="flat" cmpd="sng" algn="ctr">
+          <a:solidFill>
+            <a:schemeClr val="phClr">
+              <a:shade val="60000"/>
+              <a:satMod val="300000"/>
+            </a:schemeClr>
+          </a:solidFill>
+          <a:prstDash val="solid"/>
+        </a:ln>
+        <a:ln w="19050" cap="flat" cmpd="sng" algn="ctr">
           <a:solidFill>
             <a:schemeClr val="phClr"/>
           </a:solidFill>
@@ -7415,52 +6887,58 @@
           </a:solidFill>
           <a:prstDash val="solid"/>
         </a:ln>
-        <a:ln w="47625" cap="flat" cmpd="dbl" algn="ctr">
-          <a:solidFill>
-            <a:schemeClr val="phClr"/>
-          </a:solidFill>
-          <a:prstDash val="solid"/>
-        </a:ln>
       </a:lnStyleLst>
       <a:effectStyleLst>
         <a:effectStyle>
           <a:effectLst>
-            <a:outerShdw blurRad="38100" dist="30000" dir="5400000" rotWithShape="0">
-              <a:srgbClr val="000000">
-                <a:alpha val="45000"/>
-              </a:srgbClr>
-            </a:outerShdw>
+            <a:glow rad="63500">
+              <a:schemeClr val="phClr">
+                <a:tint val="30000"/>
+                <a:shade val="95000"/>
+                <a:satMod val="300000"/>
+                <a:alpha val="50000"/>
+              </a:schemeClr>
+            </a:glow>
           </a:effectLst>
         </a:effectStyle>
         <a:effectStyle>
           <a:effectLst>
-            <a:outerShdw blurRad="38100" dist="30000" dir="5400000" rotWithShape="0">
-              <a:srgbClr val="000000">
-                <a:alpha val="45000"/>
-              </a:srgbClr>
-            </a:outerShdw>
+            <a:glow rad="70000">
+              <a:schemeClr val="phClr">
+                <a:tint val="30000"/>
+                <a:shade val="95000"/>
+                <a:satMod val="300000"/>
+                <a:alpha val="50000"/>
+              </a:schemeClr>
+            </a:glow>
           </a:effectLst>
         </a:effectStyle>
         <a:effectStyle>
           <a:effectLst>
-            <a:outerShdw blurRad="38100" dist="25400" dir="5400000" rotWithShape="0">
-              <a:srgbClr val="000000">
-                <a:alpha val="35000"/>
-              </a:srgbClr>
-            </a:outerShdw>
+            <a:glow rad="76200">
+              <a:schemeClr val="phClr">
+                <a:tint val="30000"/>
+                <a:shade val="95000"/>
+                <a:satMod val="300000"/>
+                <a:alpha val="50000"/>
+              </a:schemeClr>
+            </a:glow>
           </a:effectLst>
           <a:scene3d>
-            <a:camera prst="isometricTopDown" fov="0">
+            <a:camera prst="orthographicFront" fov="0">
               <a:rot lat="0" lon="0" rev="0"/>
             </a:camera>
-            <a:lightRig rig="balanced" dir="t">
-              <a:rot lat="0" lon="0" rev="13800000"/>
+            <a:lightRig rig="harsh" dir="t">
+              <a:rot lat="6000000" lon="6000000" rev="0"/>
             </a:lightRig>
           </a:scene3d>
-          <a:sp3d extrusionH="12700" prstMaterial="plastic">
-            <a:bevelT w="38100" h="25400" prst="softRound"/>
+          <a:sp3d contourW="10000" prstMaterial="metal">
+            <a:bevelT w="20000" h="9000" prst="softRound"/>
             <a:contourClr>
-              <a:schemeClr val="phClr"/>
+              <a:schemeClr val="phClr">
+                <a:shade val="30000"/>
+                <a:satMod val="200000"/>
+              </a:schemeClr>
             </a:contourClr>
           </a:sp3d>
         </a:effectStyle>
@@ -7469,34 +6947,48 @@
         <a:solidFill>
           <a:schemeClr val="phClr"/>
         </a:solidFill>
-        <a:blipFill>
-          <a:blip xmlns:r="http://schemas.openxmlformats.org/officeDocument/2006/relationships" r:embed="rId1">
-            <a:duotone>
+        <a:gradFill rotWithShape="1">
+          <a:gsLst>
+            <a:gs pos="0">
               <a:schemeClr val="phClr">
-                <a:shade val="90000"/>
-                <a:satMod val="140000"/>
+                <a:shade val="40000"/>
+                <a:satMod val="150000"/>
               </a:schemeClr>
+            </a:gs>
+            <a:gs pos="30000">
               <a:schemeClr val="phClr">
-                <a:satMod val="120000"/>
+                <a:shade val="60000"/>
+                <a:satMod val="150000"/>
               </a:schemeClr>
-            </a:duotone>
-          </a:blip>
-          <a:tile tx="0" ty="0" sx="100000" sy="100000" flip="none" algn="tl"/>
-        </a:blipFill>
-        <a:blipFill>
-          <a:blip xmlns:r="http://schemas.openxmlformats.org/officeDocument/2006/relationships" r:embed="rId2">
-            <a:duotone>
+            </a:gs>
+            <a:gs pos="100000">
               <a:schemeClr val="phClr">
-                <a:shade val="90000"/>
-                <a:satMod val="140000"/>
+                <a:tint val="83000"/>
+                <a:satMod val="200000"/>
               </a:schemeClr>
+            </a:gs>
+          </a:gsLst>
+          <a:lin ang="13000000" scaled="0"/>
+        </a:gradFill>
+        <a:gradFill rotWithShape="1">
+          <a:gsLst>
+            <a:gs pos="0">
               <a:schemeClr val="phClr">
-                <a:satMod val="120000"/>
+                <a:tint val="78000"/>
+                <a:satMod val="220000"/>
               </a:schemeClr>
-            </a:duotone>
-          </a:blip>
-          <a:tile tx="0" ty="0" sx="100000" sy="100000" flip="none" algn="tl"/>
-        </a:blipFill>
+            </a:gs>
+            <a:gs pos="100000">
+              <a:schemeClr val="phClr">
+                <a:shade val="35000"/>
+                <a:satMod val="155000"/>
+              </a:schemeClr>
+            </a:gs>
+          </a:gsLst>
+          <a:path path="circle">
+            <a:fillToRect l="60000" t="50000" r="40000" b="50000"/>
+          </a:path>
+        </a:gradFill>
       </a:bgFillStyleLst>
     </a:fmtScheme>
   </a:themeElements>

--- a/Ohmyfood.pptx
+++ b/Ohmyfood.pptx
@@ -506,7 +506,7 @@
             <a:fld id="{BB1F31F3-0360-43B5-86CD-504C03F637A7}" type="datetimeFigureOut">
               <a:rPr lang="ru-RU" smtClean="0"/>
               <a:pPr/>
-              <a:t>11.05.2020</a:t>
+              <a:t>16.05.2020</a:t>
             </a:fld>
             <a:endParaRPr lang="ru-RU"/>
           </a:p>
@@ -673,7 +673,7 @@
             <a:fld id="{BB1F31F3-0360-43B5-86CD-504C03F637A7}" type="datetimeFigureOut">
               <a:rPr lang="ru-RU" smtClean="0"/>
               <a:pPr/>
-              <a:t>11.05.2020</a:t>
+              <a:t>16.05.2020</a:t>
             </a:fld>
             <a:endParaRPr lang="ru-RU"/>
           </a:p>
@@ -850,7 +850,7 @@
             <a:fld id="{BB1F31F3-0360-43B5-86CD-504C03F637A7}" type="datetimeFigureOut">
               <a:rPr lang="ru-RU" smtClean="0"/>
               <a:pPr/>
-              <a:t>11.05.2020</a:t>
+              <a:t>16.05.2020</a:t>
             </a:fld>
             <a:endParaRPr lang="ru-RU"/>
           </a:p>
@@ -1021,7 +1021,7 @@
             <a:fld id="{BB1F31F3-0360-43B5-86CD-504C03F637A7}" type="datetimeFigureOut">
               <a:rPr lang="ru-RU" smtClean="0"/>
               <a:pPr/>
-              <a:t>11.05.2020</a:t>
+              <a:t>16.05.2020</a:t>
             </a:fld>
             <a:endParaRPr lang="ru-RU"/>
           </a:p>
@@ -1478,7 +1478,7 @@
             <a:fld id="{BB1F31F3-0360-43B5-86CD-504C03F637A7}" type="datetimeFigureOut">
               <a:rPr lang="ru-RU" smtClean="0"/>
               <a:pPr/>
-              <a:t>11.05.2020</a:t>
+              <a:t>16.05.2020</a:t>
             </a:fld>
             <a:endParaRPr lang="ru-RU"/>
           </a:p>
@@ -1744,7 +1744,7 @@
             <a:fld id="{BB1F31F3-0360-43B5-86CD-504C03F637A7}" type="datetimeFigureOut">
               <a:rPr lang="ru-RU" smtClean="0"/>
               <a:pPr/>
-              <a:t>11.05.2020</a:t>
+              <a:t>16.05.2020</a:t>
             </a:fld>
             <a:endParaRPr lang="ru-RU"/>
           </a:p>
@@ -2120,7 +2120,7 @@
             <a:fld id="{BB1F31F3-0360-43B5-86CD-504C03F637A7}" type="datetimeFigureOut">
               <a:rPr lang="ru-RU" smtClean="0"/>
               <a:pPr/>
-              <a:t>11.05.2020</a:t>
+              <a:t>16.05.2020</a:t>
             </a:fld>
             <a:endParaRPr lang="ru-RU"/>
           </a:p>
@@ -2244,7 +2244,7 @@
             <a:fld id="{BB1F31F3-0360-43B5-86CD-504C03F637A7}" type="datetimeFigureOut">
               <a:rPr lang="ru-RU" smtClean="0"/>
               <a:pPr/>
-              <a:t>11.05.2020</a:t>
+              <a:t>16.05.2020</a:t>
             </a:fld>
             <a:endParaRPr lang="ru-RU"/>
           </a:p>
@@ -2336,7 +2336,7 @@
             <a:fld id="{BB1F31F3-0360-43B5-86CD-504C03F637A7}" type="datetimeFigureOut">
               <a:rPr lang="ru-RU" smtClean="0"/>
               <a:pPr/>
-              <a:t>11.05.2020</a:t>
+              <a:t>16.05.2020</a:t>
             </a:fld>
             <a:endParaRPr lang="ru-RU"/>
           </a:p>
@@ -2587,7 +2587,7 @@
             <a:fld id="{BB1F31F3-0360-43B5-86CD-504C03F637A7}" type="datetimeFigureOut">
               <a:rPr lang="ru-RU" smtClean="0"/>
               <a:pPr/>
-              <a:t>11.05.2020</a:t>
+              <a:t>16.05.2020</a:t>
             </a:fld>
             <a:endParaRPr lang="ru-RU"/>
           </a:p>
@@ -2848,7 +2848,7 @@
             <a:fld id="{BB1F31F3-0360-43B5-86CD-504C03F637A7}" type="datetimeFigureOut">
               <a:rPr lang="ru-RU" smtClean="0"/>
               <a:pPr/>
-              <a:t>11.05.2020</a:t>
+              <a:t>16.05.2020</a:t>
             </a:fld>
             <a:endParaRPr lang="ru-RU"/>
           </a:p>
@@ -3254,7 +3254,7 @@
             <a:fld id="{BB1F31F3-0360-43B5-86CD-504C03F637A7}" type="datetimeFigureOut">
               <a:rPr lang="ru-RU" smtClean="0"/>
               <a:pPr/>
-              <a:t>11.05.2020</a:t>
+              <a:t>16.05.2020</a:t>
             </a:fld>
             <a:endParaRPr lang="ru-RU"/>
           </a:p>
@@ -3930,7 +3930,6 @@
               <a:rPr lang="en-US" sz="2400" dirty="0" smtClean="0"/>
               <a:t> le nom du restaurant et un h2 avec le mot “menu”</a:t>
             </a:r>
-            <a:endParaRPr lang="en-US" sz="2400" dirty="0" smtClean="0"/>
           </a:p>
         </p:txBody>
       </p:sp>
@@ -3951,8 +3950,41 @@
         </p:blipFill>
         <p:spPr bwMode="auto">
           <a:xfrm>
-            <a:off x="3878844" y="1214423"/>
+            <a:off x="3878844" y="142852"/>
             <a:ext cx="5265156" cy="2786081"/>
+          </a:xfrm>
+          <a:prstGeom prst="rect">
+            <a:avLst/>
+          </a:prstGeom>
+          <a:noFill/>
+          <a:ln w="9525">
+            <a:noFill/>
+            <a:miter lim="800000"/>
+            <a:headEnd/>
+            <a:tailEnd/>
+          </a:ln>
+          <a:effectLst/>
+        </p:spPr>
+      </p:pic>
+      <p:pic>
+        <p:nvPicPr>
+          <p:cNvPr id="1027" name="Picture 3"/>
+          <p:cNvPicPr>
+            <a:picLocks noChangeAspect="1" noChangeArrowheads="1"/>
+          </p:cNvPicPr>
+          <p:nvPr/>
+        </p:nvPicPr>
+        <p:blipFill>
+          <a:blip r:embed="rId3"/>
+          <a:srcRect/>
+          <a:stretch>
+            <a:fillRect/>
+          </a:stretch>
+        </p:blipFill>
+        <p:spPr bwMode="auto">
+          <a:xfrm>
+            <a:off x="3857620" y="3143248"/>
+            <a:ext cx="5557115" cy="2214578"/>
           </a:xfrm>
           <a:prstGeom prst="rect">
             <a:avLst/>
@@ -4035,7 +4067,7 @@
         <p:spPr>
           <a:xfrm>
             <a:off x="428596" y="1214422"/>
-            <a:ext cx="7467600" cy="4525963"/>
+            <a:ext cx="3786214" cy="4643470"/>
           </a:xfrm>
         </p:spPr>
         <p:txBody>
@@ -4160,8 +4192,41 @@
         </p:blipFill>
         <p:spPr bwMode="auto">
           <a:xfrm>
-            <a:off x="3430251" y="2857496"/>
-            <a:ext cx="5713749" cy="3729045"/>
+            <a:off x="4218330" y="1500174"/>
+            <a:ext cx="4925670" cy="3214710"/>
+          </a:xfrm>
+          <a:prstGeom prst="rect">
+            <a:avLst/>
+          </a:prstGeom>
+          <a:noFill/>
+          <a:ln w="9525">
+            <a:noFill/>
+            <a:miter lim="800000"/>
+            <a:headEnd/>
+            <a:tailEnd/>
+          </a:ln>
+          <a:effectLst/>
+        </p:spPr>
+      </p:pic>
+      <p:pic>
+        <p:nvPicPr>
+          <p:cNvPr id="2051" name="Picture 3"/>
+          <p:cNvPicPr>
+            <a:picLocks noChangeAspect="1" noChangeArrowheads="1"/>
+          </p:cNvPicPr>
+          <p:nvPr/>
+        </p:nvPicPr>
+        <p:blipFill>
+          <a:blip r:embed="rId3"/>
+          <a:srcRect/>
+          <a:stretch>
+            <a:fillRect/>
+          </a:stretch>
+        </p:blipFill>
+        <p:spPr bwMode="auto">
+          <a:xfrm>
+            <a:off x="120650" y="4857760"/>
+            <a:ext cx="9023350" cy="1879600"/>
           </a:xfrm>
           <a:prstGeom prst="rect">
             <a:avLst/>
@@ -4330,7 +4395,6 @@
               <a:rPr lang="en-US" dirty="0" smtClean="0"/>
               <a:t> transition</a:t>
             </a:r>
-            <a:endParaRPr lang="en-US" dirty="0" smtClean="0"/>
           </a:p>
         </p:txBody>
       </p:sp>
@@ -5114,12 +5178,21 @@
             </a:r>
             <a:r>
               <a:rPr lang="fr-FR" dirty="0" smtClean="0"/>
-              <a:t>ésentant le logo du site , 4 pages contenant chacune le </a:t>
+              <a:t>ésentant le </a:t>
             </a:r>
             <a:r>
               <a:rPr lang="fr-FR" dirty="0" smtClean="0"/>
-              <a:t>menu</a:t>
-            </a:r>
+              <a:t>logo, </a:t>
+            </a:r>
+            <a:r>
+              <a:rPr lang="fr-FR" dirty="0" smtClean="0"/>
+              <a:t>4 pages contenant chacune le </a:t>
+            </a:r>
+            <a:r>
+              <a:rPr lang="fr-FR" dirty="0" smtClean="0"/>
+              <a:t>menu d’un restaurant</a:t>
+            </a:r>
+            <a:endParaRPr lang="fr-FR" dirty="0" smtClean="0"/>
           </a:p>
           <a:p>
             <a:pPr>
@@ -5127,15 +5200,11 @@
             </a:pPr>
             <a:r>
               <a:rPr lang="fr-FR" dirty="0" smtClean="0"/>
-              <a:t>4 </a:t>
+              <a:t>Ainsi que 4 </a:t>
             </a:r>
             <a:r>
               <a:rPr lang="fr-FR" dirty="0" smtClean="0"/>
-              <a:t>animations </a:t>
-            </a:r>
-            <a:r>
-              <a:rPr lang="fr-FR" dirty="0" smtClean="0"/>
-              <a:t>css:</a:t>
+              <a:t>animations css:</a:t>
             </a:r>
             <a:endParaRPr lang="ru-RU" dirty="0" smtClean="0"/>
           </a:p>
@@ -5624,11 +5693,11 @@
             </a:r>
             <a:r>
               <a:rPr lang="en-US" dirty="0" smtClean="0"/>
-              <a:t> de styles </a:t>
-            </a:r>
-            <a:r>
-              <a:rPr lang="en-US" dirty="0" err="1" smtClean="0"/>
-              <a:t>css</a:t>
+              <a:t> de </a:t>
+            </a:r>
+            <a:r>
+              <a:rPr lang="en-US" dirty="0" smtClean="0"/>
+              <a:t>style</a:t>
             </a:r>
             <a:endParaRPr lang="en-US" dirty="0" smtClean="0"/>
           </a:p>
@@ -5702,7 +5771,7 @@
         <p:spPr/>
         <p:txBody>
           <a:bodyPr>
-            <a:normAutofit fontScale="77500" lnSpcReduction="20000"/>
+            <a:normAutofit fontScale="92500" lnSpcReduction="10000"/>
           </a:bodyPr>
           <a:lstStyle/>
           <a:p>
@@ -5764,7 +5833,19 @@
             </a:r>
             <a:r>
               <a:rPr lang="en-US" dirty="0" smtClean="0"/>
-              <a:t> de styles avec </a:t>
+              <a:t> de styles </a:t>
+            </a:r>
+            <a:r>
+              <a:rPr lang="en-US" dirty="0" smtClean="0"/>
+              <a:t>avec </a:t>
+            </a:r>
+            <a:r>
+              <a:rPr lang="en-US" dirty="0" err="1" smtClean="0"/>
+              <a:t>une</a:t>
+            </a:r>
+            <a:r>
+              <a:rPr lang="en-US" dirty="0" smtClean="0"/>
+              <a:t> </a:t>
             </a:r>
             <a:r>
               <a:rPr lang="en-US" dirty="0" err="1" smtClean="0"/>
@@ -5788,15 +5869,11 @@
             </a:r>
             <a:r>
               <a:rPr lang="en-US" dirty="0" smtClean="0"/>
-              <a:t> ( </a:t>
-            </a:r>
-            <a:r>
-              <a:rPr lang="en-US" dirty="0" err="1" smtClean="0"/>
-              <a:t>comme</a:t>
-            </a:r>
-            <a:r>
-              <a:rPr lang="en-US" dirty="0" smtClean="0"/>
-              <a:t> par </a:t>
+              <a:t> </a:t>
+            </a:r>
+            <a:r>
+              <a:rPr lang="en-US" dirty="0" smtClean="0"/>
+              <a:t>(par </a:t>
             </a:r>
             <a:r>
               <a:rPr lang="en-US" dirty="0" err="1" smtClean="0"/>
@@ -5856,7 +5933,7 @@
             </a:r>
             <a:r>
               <a:rPr lang="en-US" dirty="0" err="1" smtClean="0"/>
-              <a:t>presentes</a:t>
+              <a:t>présentes</a:t>
             </a:r>
             <a:r>
               <a:rPr lang="en-US" dirty="0" smtClean="0"/>
@@ -5876,21 +5953,43 @@
             </a:r>
             <a:r>
               <a:rPr lang="en-US" dirty="0" smtClean="0"/>
-              <a:t> site ) </a:t>
-            </a:r>
-          </a:p>
-          <a:p>
-            <a:r>
-              <a:rPr lang="en-US" dirty="0" smtClean="0"/>
-              <a:t>Installation: Sass n</a:t>
-            </a:r>
-            <a:r>
-              <a:rPr lang="fr-FR" dirty="0" smtClean="0"/>
+              <a:t> site </a:t>
+            </a:r>
+            <a:r>
+              <a:rPr lang="en-US" dirty="0" smtClean="0"/>
+              <a:t>). </a:t>
+            </a:r>
+            <a:r>
+              <a:rPr lang="en-US" dirty="0" err="1" smtClean="0"/>
+              <a:t>Ainsi</a:t>
+            </a:r>
+            <a:r>
+              <a:rPr lang="en-US" dirty="0" smtClean="0"/>
+              <a:t> le </a:t>
+            </a:r>
+            <a:r>
+              <a:rPr lang="en-US" dirty="0" err="1" smtClean="0"/>
+              <a:t>css</a:t>
+            </a:r>
+            <a:r>
+              <a:rPr lang="en-US" dirty="0" smtClean="0"/>
+              <a:t> </a:t>
+            </a:r>
+            <a:r>
+              <a:rPr lang="en-US" dirty="0" err="1" smtClean="0"/>
+              <a:t>est</a:t>
+            </a:r>
+            <a:r>
+              <a:rPr lang="en-US" dirty="0" smtClean="0"/>
+              <a:t> </a:t>
+            </a:r>
+            <a:r>
+              <a:rPr lang="en-US" dirty="0" err="1" smtClean="0"/>
               <a:t>é</a:t>
             </a:r>
             <a:r>
               <a:rPr lang="en-US" dirty="0" err="1" smtClean="0"/>
-              <a:t>cessite</a:t>
+              <a:t>crit</a:t>
             </a:r>
             <a:r>
               <a:rPr lang="en-US" dirty="0" smtClean="0"/>
@@ -5898,27 +5997,113 @@
             </a:r>
             <a:r>
               <a:rPr lang="en-US" dirty="0" err="1" smtClean="0"/>
-              <a:t>toutefois</a:t>
-            </a:r>
-            <a:r>
-              <a:rPr lang="en-US" dirty="0" smtClean="0"/>
-              <a:t> d’</a:t>
-            </a:r>
-            <a:r>
-              <a:rPr lang="fr-FR" dirty="0" smtClean="0"/>
-              <a:t>etre installer sur notre machine de developpement , pour cela il suffit d’executer la commande « node install –g sass »</a:t>
-            </a:r>
-          </a:p>
-          <a:p>
-            <a:r>
-              <a:rPr lang="fr-FR" dirty="0" smtClean="0"/>
-              <a:t>Utilisation: son utilisation ne require que l’execution de la commande sass –watch ./dossier1:/dossier2</a:t>
-            </a:r>
-            <a:r>
-              <a:rPr lang="en-US" dirty="0" smtClean="0"/>
-              <a:t>  </a:t>
-            </a:r>
-            <a:endParaRPr lang="ru-RU" dirty="0"/>
+              <a:t>dans</a:t>
+            </a:r>
+            <a:r>
+              <a:rPr lang="en-US" dirty="0" smtClean="0"/>
+              <a:t> des </a:t>
+            </a:r>
+            <a:r>
+              <a:rPr lang="en-US" dirty="0" err="1" smtClean="0"/>
+              <a:t>fichiers</a:t>
+            </a:r>
+            <a:r>
+              <a:rPr lang="en-US" dirty="0" smtClean="0"/>
+              <a:t> </a:t>
+            </a:r>
+            <a:r>
+              <a:rPr lang="en-US" dirty="0" err="1" smtClean="0"/>
+              <a:t>portant</a:t>
+            </a:r>
+            <a:r>
+              <a:rPr lang="en-US" dirty="0" smtClean="0"/>
+              <a:t> </a:t>
+            </a:r>
+            <a:r>
+              <a:rPr lang="en-US" dirty="0" err="1" smtClean="0"/>
+              <a:t>l’extension</a:t>
+            </a:r>
+            <a:r>
+              <a:rPr lang="en-US" dirty="0" smtClean="0"/>
+              <a:t> .</a:t>
+            </a:r>
+            <a:r>
+              <a:rPr lang="en-US" dirty="0" err="1" smtClean="0"/>
+              <a:t>scss</a:t>
+            </a:r>
+            <a:r>
+              <a:rPr lang="en-US" dirty="0" smtClean="0"/>
+              <a:t>, </a:t>
+            </a:r>
+            <a:r>
+              <a:rPr lang="en-US" dirty="0" err="1" smtClean="0"/>
+              <a:t>ce</a:t>
+            </a:r>
+            <a:r>
+              <a:rPr lang="en-US" dirty="0" smtClean="0"/>
+              <a:t> </a:t>
+            </a:r>
+            <a:r>
+              <a:rPr lang="en-US" dirty="0" err="1" smtClean="0"/>
+              <a:t>sont</a:t>
+            </a:r>
+            <a:r>
+              <a:rPr lang="en-US" dirty="0" smtClean="0"/>
+              <a:t> </a:t>
+            </a:r>
+            <a:r>
+              <a:rPr lang="en-US" dirty="0" err="1" smtClean="0"/>
+              <a:t>ensuite</a:t>
+            </a:r>
+            <a:r>
+              <a:rPr lang="en-US" dirty="0" smtClean="0"/>
+              <a:t> </a:t>
+            </a:r>
+            <a:r>
+              <a:rPr lang="en-US" dirty="0" err="1" smtClean="0"/>
+              <a:t>ces</a:t>
+            </a:r>
+            <a:r>
+              <a:rPr lang="en-US" dirty="0" smtClean="0"/>
+              <a:t> </a:t>
+            </a:r>
+            <a:r>
+              <a:rPr lang="en-US" dirty="0" err="1" smtClean="0"/>
+              <a:t>fichiers</a:t>
+            </a:r>
+            <a:r>
+              <a:rPr lang="en-US" dirty="0" smtClean="0"/>
+              <a:t> qui </a:t>
+            </a:r>
+            <a:r>
+              <a:rPr lang="en-US" dirty="0" err="1" smtClean="0"/>
+              <a:t>seront</a:t>
+            </a:r>
+            <a:r>
+              <a:rPr lang="en-US" dirty="0" smtClean="0"/>
+              <a:t> </a:t>
+            </a:r>
+            <a:r>
+              <a:rPr lang="en-US" dirty="0" err="1" smtClean="0"/>
+              <a:t>transpilés</a:t>
+            </a:r>
+            <a:r>
+              <a:rPr lang="en-US" dirty="0" smtClean="0"/>
+              <a:t> en simple </a:t>
+            </a:r>
+            <a:r>
+              <a:rPr lang="en-US" dirty="0" err="1" smtClean="0"/>
+              <a:t>feuille</a:t>
+            </a:r>
+            <a:r>
+              <a:rPr lang="en-US" dirty="0" smtClean="0"/>
+              <a:t> de style </a:t>
+            </a:r>
+            <a:r>
+              <a:rPr lang="en-US" dirty="0" err="1" smtClean="0"/>
+              <a:t>css</a:t>
+            </a:r>
+            <a:endParaRPr lang="en-US" dirty="0" smtClean="0"/>
           </a:p>
         </p:txBody>
       </p:sp>
@@ -6013,15 +6198,11 @@
             </a:r>
             <a:r>
               <a:rPr lang="en-US" dirty="0" smtClean="0"/>
-              <a:t> composer de 5 page au total et </a:t>
-            </a:r>
-            <a:r>
-              <a:rPr lang="en-US" dirty="0" err="1" smtClean="0"/>
-              <a:t>donc</a:t>
-            </a:r>
-            <a:r>
-              <a:rPr lang="en-US" dirty="0" smtClean="0"/>
-              <a:t> de 5 </a:t>
+              <a:t> </a:t>
+            </a:r>
+            <a:r>
+              <a:rPr lang="en-US" dirty="0" smtClean="0"/>
+              <a:t>de 5 </a:t>
             </a:r>
             <a:r>
               <a:rPr lang="en-US" dirty="0" err="1" smtClean="0"/>
@@ -6161,7 +6342,15 @@
             </a:r>
             <a:r>
               <a:rPr lang="en-US" dirty="0" smtClean="0"/>
-              <a:t> le dossier menu  </a:t>
+              <a:t> le dossier </a:t>
+            </a:r>
+            <a:r>
+              <a:rPr lang="en-US" dirty="0" smtClean="0"/>
+              <a:t>“</a:t>
+            </a:r>
+            <a:r>
+              <a:rPr lang="en-US" dirty="0" smtClean="0"/>
+              <a:t>menu”</a:t>
             </a:r>
             <a:endParaRPr lang="ru-RU" dirty="0"/>
           </a:p>
@@ -6435,70 +6624,33 @@
           <a:p>
             <a:r>
               <a:rPr lang="fr-FR" dirty="0" smtClean="0"/>
-              <a:t>Base: </a:t>
-            </a:r>
+              <a:t>Base: contient les fichiers qui définissent les fondations de notre site, par exemple la police de caractères… .</a:t>
+            </a:r>
+          </a:p>
+          <a:p>
             <a:r>
               <a:rPr lang="fr-FR" dirty="0" smtClean="0"/>
-              <a:t>contient les fichiers qui définissent les fondations de </a:t>
+              <a:t>Utils</a:t>
             </a:r>
             <a:r>
               <a:rPr lang="fr-FR" dirty="0" smtClean="0"/>
-              <a:t>notre site</a:t>
+              <a:t>: regroupe les </a:t>
             </a:r>
             <a:r>
               <a:rPr lang="fr-FR" dirty="0" smtClean="0"/>
-              <a:t>, par exemple la police de </a:t>
-            </a:r>
+              <a:t>fichiers contentant nos variables, fonctions, mixins…</a:t>
+            </a:r>
+          </a:p>
+          <a:p>
             <a:r>
               <a:rPr lang="fr-FR" dirty="0" smtClean="0"/>
-              <a:t>caractères… .</a:t>
+              <a:t>Layout: est le dossier où nous mettons nos blocs BEM qui contiennent ce qui est réutilisable, par exemple un header pour les mises en page de grande taille ou un footer </a:t>
             </a:r>
           </a:p>
           <a:p>
             <a:r>
               <a:rPr lang="fr-FR" dirty="0" smtClean="0"/>
-              <a:t>Utils: fichiers contentant nos </a:t>
-            </a:r>
-            <a:r>
-              <a:rPr lang="fr-FR" dirty="0" smtClean="0"/>
-              <a:t>variables, fonctions, </a:t>
-            </a:r>
-            <a:r>
-              <a:rPr lang="fr-FR" dirty="0" smtClean="0"/>
-              <a:t>mixins…</a:t>
-            </a:r>
-          </a:p>
-          <a:p>
-            <a:r>
-              <a:rPr lang="fr-FR" dirty="0" smtClean="0"/>
-              <a:t>Layout: </a:t>
-            </a:r>
-            <a:r>
-              <a:rPr lang="fr-FR" dirty="0" smtClean="0"/>
-              <a:t>est le dossier où </a:t>
-            </a:r>
-            <a:r>
-              <a:rPr lang="fr-FR" dirty="0" smtClean="0"/>
-              <a:t>nous mettons nos </a:t>
-            </a:r>
-            <a:r>
-              <a:rPr lang="fr-FR" dirty="0" smtClean="0"/>
-              <a:t>blocs BEM qui contiennent ce qui est réutilisable, par exemple un header pour les mises en page de grande taille ou un footer </a:t>
-            </a:r>
-            <a:endParaRPr lang="fr-FR" dirty="0" smtClean="0"/>
-          </a:p>
-          <a:p>
-            <a:r>
-              <a:rPr lang="fr-FR" dirty="0" smtClean="0"/>
-              <a:t>Page:</a:t>
-            </a:r>
-            <a:r>
-              <a:rPr lang="fr-FR" dirty="0" smtClean="0"/>
-              <a:t>contient les blocs de code qui ne s’appliquent qu’à une seule </a:t>
-            </a:r>
-            <a:r>
-              <a:rPr lang="fr-FR" dirty="0" smtClean="0"/>
-              <a:t>page.</a:t>
+              <a:t>Page:contient les blocs de code qui ne s’appliquent qu’à une seule page.</a:t>
             </a:r>
             <a:endParaRPr lang="ru-RU" dirty="0"/>
           </a:p>
@@ -6644,7 +6796,6 @@
               <a:rPr lang="en-US" dirty="0" smtClean="0"/>
               <a:t> menu</a:t>
             </a:r>
-            <a:endParaRPr lang="en-US" dirty="0" smtClean="0"/>
           </a:p>
           <a:p>
             <a:pPr>
